--- a/Instructor-Led/Module3/Lessons/Module3_Lesson7 Developing Windows Phone Apps with Xamarin.pptx
+++ b/Instructor-Led/Module3/Lessons/Module3_Lesson7 Developing Windows Phone Apps with Xamarin.pptx
@@ -5,7 +5,7 @@
     <p:sldMasterId id="2147483648" r:id="rId1"/>
   </p:sldMasterIdLst>
   <p:notesMasterIdLst>
-    <p:notesMasterId r:id="rId24"/>
+    <p:notesMasterId r:id="rId27"/>
   </p:notesMasterIdLst>
   <p:sldIdLst>
     <p:sldId id="294" r:id="rId2"/>
@@ -15,21 +15,24 @@
     <p:sldId id="329" r:id="rId6"/>
     <p:sldId id="296" r:id="rId7"/>
     <p:sldId id="312" r:id="rId8"/>
-    <p:sldId id="317" r:id="rId9"/>
-    <p:sldId id="318" r:id="rId10"/>
-    <p:sldId id="320" r:id="rId11"/>
-    <p:sldId id="321" r:id="rId12"/>
-    <p:sldId id="322" r:id="rId13"/>
-    <p:sldId id="314" r:id="rId14"/>
-    <p:sldId id="323" r:id="rId15"/>
-    <p:sldId id="325" r:id="rId16"/>
-    <p:sldId id="313" r:id="rId17"/>
-    <p:sldId id="315" r:id="rId18"/>
-    <p:sldId id="303" r:id="rId19"/>
-    <p:sldId id="302" r:id="rId20"/>
-    <p:sldId id="326" r:id="rId21"/>
-    <p:sldId id="327" r:id="rId22"/>
-    <p:sldId id="328" r:id="rId23"/>
+    <p:sldId id="330" r:id="rId9"/>
+    <p:sldId id="331" r:id="rId10"/>
+    <p:sldId id="317" r:id="rId11"/>
+    <p:sldId id="318" r:id="rId12"/>
+    <p:sldId id="320" r:id="rId13"/>
+    <p:sldId id="321" r:id="rId14"/>
+    <p:sldId id="322" r:id="rId15"/>
+    <p:sldId id="314" r:id="rId16"/>
+    <p:sldId id="323" r:id="rId17"/>
+    <p:sldId id="325" r:id="rId18"/>
+    <p:sldId id="313" r:id="rId19"/>
+    <p:sldId id="315" r:id="rId20"/>
+    <p:sldId id="303" r:id="rId21"/>
+    <p:sldId id="302" r:id="rId22"/>
+    <p:sldId id="327" r:id="rId23"/>
+    <p:sldId id="326" r:id="rId24"/>
+    <p:sldId id="332" r:id="rId25"/>
+    <p:sldId id="328" r:id="rId26"/>
   </p:sldIdLst>
   <p:sldSz cx="12192000" cy="6858000"/>
   <p:notesSz cx="6858000" cy="9144000"/>
@@ -229,7 +232,7 @@
           <a:p>
             <a:fld id="{49B60EF2-7028-489F-85D8-FE86CD7CF2A0}" type="datetimeFigureOut">
               <a:rPr lang="en-US" smtClean="0"/>
-              <a:t>6/16/16</a:t>
+              <a:t>6/28/16</a:t>
             </a:fld>
             <a:endParaRPr lang="en-US"/>
           </a:p>
@@ -640,7 +643,7 @@
             </a:pPr>
             <a:r>
               <a:rPr lang="en-US" dirty="0"/>
-              <a:t>Suspended apps may be terminated if the system runs out of memory or tries to suspend too many apps</a:t>
+              <a:t>The typical state of the application while in use</a:t>
             </a:r>
           </a:p>
         </p:txBody>
@@ -671,7 +674,7 @@
     </p:spTree>
     <p:extLst>
       <p:ext uri="{BB962C8B-B14F-4D97-AF65-F5344CB8AC3E}">
-        <p14:creationId xmlns:p14="http://schemas.microsoft.com/office/powerpoint/2010/main" val="3335612930"/>
+        <p14:creationId xmlns:p14="http://schemas.microsoft.com/office/powerpoint/2010/main" val="3025381739"/>
       </p:ext>
     </p:extLst>
   </p:cSld>
@@ -741,73 +744,12 @@
             </a:pPr>
             <a:r>
               <a:rPr lang="en-US" dirty="0"/>
-              <a:t>Page class will be explained in the next slide.</a:t>
-            </a:r>
-          </a:p>
-          <a:p>
-            <a:pPr marL="0" indent="0">
-              <a:buFont typeface="Arial" panose="020B0604020202020204" pitchFamily="34" charset="0"/>
-              <a:buNone/>
-            </a:pPr>
-            <a:r>
-              <a:rPr lang="en-US" b="1" dirty="0"/>
-              <a:t>References:</a:t>
-            </a:r>
-          </a:p>
-          <a:p>
-            <a:pPr marL="171450" indent="-171450">
-              <a:buFont typeface="Arial" panose="020B0604020202020204" pitchFamily="34" charset="0"/>
-              <a:buChar char="•"/>
-            </a:pPr>
-            <a:r>
-              <a:rPr lang="en-US" dirty="0"/>
-              <a:t>Further reading on the</a:t>
+              <a:t>The device</a:t>
             </a:r>
             <a:r>
               <a:rPr lang="en-US" baseline="0" dirty="0"/>
-              <a:t> Frame class: https://msdn.microsoft.com/en-us/library/windows/apps/</a:t>
-            </a:r>
-            <a:r>
-              <a:rPr lang="en-US" baseline="0" dirty="0" err="1"/>
-              <a:t>windows.ui.xaml.controls.frame</a:t>
-            </a:r>
-            <a:endParaRPr lang="en-US" baseline="0" dirty="0"/>
-          </a:p>
-          <a:p>
-            <a:pPr marL="171450" marR="0" indent="-171450" algn="l" defTabSz="914400" rtl="0" eaLnBrk="1" fontAlgn="auto" latinLnBrk="0" hangingPunct="1">
-              <a:lnSpc>
-                <a:spcPct val="100000"/>
-              </a:lnSpc>
-              <a:spcBef>
-                <a:spcPts val="0"/>
-              </a:spcBef>
-              <a:spcAft>
-                <a:spcPts val="0"/>
-              </a:spcAft>
-              <a:buClrTx/>
-              <a:buSzTx/>
-              <a:buFont typeface="Arial" panose="020B0604020202020204" pitchFamily="34" charset="0"/>
-              <a:buChar char="•"/>
-              <a:tabLst/>
-              <a:defRPr/>
-            </a:pPr>
-            <a:r>
-              <a:rPr lang="en-US" dirty="0"/>
-              <a:t>Further reading on the</a:t>
-            </a:r>
-            <a:r>
-              <a:rPr lang="en-US" baseline="0" dirty="0"/>
-              <a:t> Page class: https://</a:t>
-            </a:r>
-            <a:r>
-              <a:rPr lang="en-US" baseline="0" dirty="0" err="1"/>
-              <a:t>msdn.microsoft.com</a:t>
-            </a:r>
-            <a:r>
-              <a:rPr lang="en-US" baseline="0" dirty="0"/>
-              <a:t>/library/windows/apps/br227503</a:t>
-            </a:r>
-            <a:endParaRPr lang="en-US" dirty="0"/>
+              <a:t> will try to keep several apps in a suspended state for quick reactivation back to the most recent state</a:t>
+            </a:r>
           </a:p>
         </p:txBody>
       </p:sp>
@@ -828,7 +770,7 @@
           <a:p>
             <a:fld id="{01283FAC-A721-45A3-BBDE-EAF2B09B7CD9}" type="slidenum">
               <a:rPr lang="en-US" smtClean="0"/>
-              <a:t>14</a:t>
+              <a:t>13</a:t>
             </a:fld>
             <a:endParaRPr lang="en-US"/>
           </a:p>
@@ -837,7 +779,7 @@
     </p:spTree>
     <p:extLst>
       <p:ext uri="{BB962C8B-B14F-4D97-AF65-F5344CB8AC3E}">
-        <p14:creationId xmlns:p14="http://schemas.microsoft.com/office/powerpoint/2010/main" val="262089970"/>
+        <p14:creationId xmlns:p14="http://schemas.microsoft.com/office/powerpoint/2010/main" val="2348682393"/>
       </p:ext>
     </p:extLst>
   </p:cSld>
@@ -897,7 +839,7 @@
             </a:pPr>
             <a:r>
               <a:rPr lang="en-US" b="1" dirty="0"/>
-              <a:t>References:</a:t>
+              <a:t>Notes:</a:t>
             </a:r>
           </a:p>
           <a:p>
@@ -907,31 +849,8 @@
             </a:pPr>
             <a:r>
               <a:rPr lang="en-US" dirty="0"/>
-              <a:t>Further reading on navigation</a:t>
-            </a:r>
-            <a:r>
-              <a:rPr lang="en-US" baseline="0" dirty="0"/>
-              <a:t>: https://msdn.microsoft.com/en-us/windows/uwp/layout/navigation-basics</a:t>
-            </a:r>
-          </a:p>
-          <a:p>
-            <a:pPr marL="171450" indent="-171450">
-              <a:buFont typeface="Arial" panose="020B0604020202020204" pitchFamily="34" charset="0"/>
-              <a:buChar char="•"/>
-            </a:pPr>
-            <a:r>
-              <a:rPr lang="en-US" baseline="0" dirty="0"/>
-              <a:t>More on the </a:t>
-            </a:r>
-            <a:r>
-              <a:rPr lang="en-US" baseline="0" dirty="0" err="1"/>
-              <a:t>SystemNavigationManager</a:t>
-            </a:r>
-            <a:r>
-              <a:rPr lang="en-US" baseline="0" dirty="0"/>
-              <a:t>: https://msdn.microsoft.com/library/windows/apps/dn893595</a:t>
-            </a:r>
-            <a:endParaRPr lang="en-US" dirty="0"/>
+              <a:t>Suspended apps may be terminated if the system runs out of memory or tries to suspend too many apps</a:t>
+            </a:r>
           </a:p>
         </p:txBody>
       </p:sp>
@@ -952,7 +871,7 @@
           <a:p>
             <a:fld id="{01283FAC-A721-45A3-BBDE-EAF2B09B7CD9}" type="slidenum">
               <a:rPr lang="en-US" smtClean="0"/>
-              <a:t>15</a:t>
+              <a:t>14</a:t>
             </a:fld>
             <a:endParaRPr lang="en-US"/>
           </a:p>
@@ -961,7 +880,7 @@
     </p:spTree>
     <p:extLst>
       <p:ext uri="{BB962C8B-B14F-4D97-AF65-F5344CB8AC3E}">
-        <p14:creationId xmlns:p14="http://schemas.microsoft.com/office/powerpoint/2010/main" val="99337888"/>
+        <p14:creationId xmlns:p14="http://schemas.microsoft.com/office/powerpoint/2010/main" val="3335612930"/>
       </p:ext>
     </p:extLst>
   </p:cSld>
@@ -1021,7 +940,7 @@
             </a:pPr>
             <a:r>
               <a:rPr lang="en-US" b="1" dirty="0"/>
-              <a:t>Notes:</a:t>
+              <a:t>References:</a:t>
             </a:r>
           </a:p>
           <a:p>
@@ -1031,76 +950,53 @@
             </a:pPr>
             <a:r>
               <a:rPr lang="en-US" dirty="0"/>
-              <a:t>The canvas control is used to absolutely position </a:t>
+              <a:t>Further reading on the</a:t>
             </a:r>
             <a:r>
               <a:rPr lang="en-US" baseline="0" dirty="0"/>
-              <a:t>child controls</a:t>
-            </a:r>
-          </a:p>
-          <a:p>
-            <a:pPr marL="628650" lvl="1" indent="-171450">
+              <a:t> Frame class: https://msdn.microsoft.com/en-us/library/windows/apps/</a:t>
+            </a:r>
+            <a:r>
+              <a:rPr lang="en-US" baseline="0" dirty="0" err="1"/>
+              <a:t>windows.ui.xaml.controls.frame</a:t>
+            </a:r>
+            <a:endParaRPr lang="en-US" baseline="0" dirty="0"/>
+          </a:p>
+          <a:p>
+            <a:pPr marL="171450" marR="0" indent="-171450" algn="l" defTabSz="914400" rtl="0" eaLnBrk="1" fontAlgn="auto" latinLnBrk="0" hangingPunct="1">
+              <a:lnSpc>
+                <a:spcPct val="100000"/>
+              </a:lnSpc>
+              <a:spcBef>
+                <a:spcPts val="0"/>
+              </a:spcBef>
+              <a:spcAft>
+                <a:spcPts val="0"/>
+              </a:spcAft>
+              <a:buClrTx/>
+              <a:buSzTx/>
               <a:buFont typeface="Arial" panose="020B0604020202020204" pitchFamily="34" charset="0"/>
               <a:buChar char="•"/>
+              <a:tabLst/>
+              <a:defRPr/>
             </a:pPr>
             <a:r>
               <a:rPr lang="en-US" dirty="0"/>
-              <a:t>This means that you specify where they are exactly located on the screen</a:t>
+              <a:t>Further reading on the</a:t>
             </a:r>
             <a:r>
               <a:rPr lang="en-US" baseline="0" dirty="0"/>
-              <a:t> instead of relative to other controls</a:t>
-            </a:r>
-          </a:p>
-          <a:p>
-            <a:pPr marL="171450" lvl="0" indent="-171450">
-              <a:buFont typeface="Arial" panose="020B0604020202020204" pitchFamily="34" charset="0"/>
-              <a:buChar char="•"/>
-            </a:pPr>
+              <a:t> Page class: https://</a:t>
+            </a:r>
             <a:r>
               <a:rPr lang="en-US" baseline="0" dirty="0" err="1"/>
-              <a:t>StackPanel</a:t>
+              <a:t>msdn.microsoft.com</a:t>
             </a:r>
             <a:r>
               <a:rPr lang="en-US" baseline="0" dirty="0"/>
-              <a:t> container control places child controls next to each other, from left to right or top to bottom</a:t>
-            </a:r>
-          </a:p>
-          <a:p>
-            <a:pPr marL="628650" lvl="1" indent="-171450">
-              <a:buFont typeface="Arial" panose="020B0604020202020204" pitchFamily="34" charset="0"/>
-              <a:buChar char="•"/>
-            </a:pPr>
-            <a:r>
-              <a:rPr lang="en-US" baseline="0" dirty="0"/>
-              <a:t>Set Orientation property of </a:t>
-            </a:r>
-            <a:r>
-              <a:rPr lang="en-US" baseline="0" dirty="0" err="1"/>
-              <a:t>StackPanel</a:t>
-            </a:r>
-            <a:r>
-              <a:rPr lang="en-US" baseline="0" dirty="0"/>
-              <a:t> control to “Horizontal” to line things up from left to right</a:t>
-            </a:r>
-          </a:p>
-          <a:p>
-            <a:pPr marL="628650" lvl="1" indent="-171450">
-              <a:buFont typeface="Arial" panose="020B0604020202020204" pitchFamily="34" charset="0"/>
-              <a:buChar char="•"/>
-            </a:pPr>
-            <a:r>
-              <a:rPr lang="en-US" baseline="0" dirty="0"/>
-              <a:t>Set Orientation property of </a:t>
-            </a:r>
-            <a:r>
-              <a:rPr lang="en-US" baseline="0" dirty="0" err="1"/>
-              <a:t>StackPanel</a:t>
-            </a:r>
-            <a:r>
-              <a:rPr lang="en-US" baseline="0" dirty="0"/>
-              <a:t> control to “Vertical” to line things up from top to bottom</a:t>
-            </a:r>
+              <a:t>/library/windows/apps/br227503</a:t>
+            </a:r>
+            <a:endParaRPr lang="en-US" dirty="0"/>
           </a:p>
         </p:txBody>
       </p:sp>
@@ -1130,7 +1026,7 @@
     </p:spTree>
     <p:extLst>
       <p:ext uri="{BB962C8B-B14F-4D97-AF65-F5344CB8AC3E}">
-        <p14:creationId xmlns:p14="http://schemas.microsoft.com/office/powerpoint/2010/main" val="1621477016"/>
+        <p14:creationId xmlns:p14="http://schemas.microsoft.com/office/powerpoint/2010/main" val="262089970"/>
       </p:ext>
     </p:extLst>
   </p:cSld>
@@ -1190,7 +1086,7 @@
             </a:pPr>
             <a:r>
               <a:rPr lang="en-US" b="1" dirty="0"/>
-              <a:t>Notes:</a:t>
+              <a:t>References:</a:t>
             </a:r>
           </a:p>
           <a:p>
@@ -1200,7 +1096,11 @@
             </a:pPr>
             <a:r>
               <a:rPr lang="en-US" dirty="0"/>
-              <a:t>To use absolute layout, set the Left and/or Top properties of a control inside of a Canvas control</a:t>
+              <a:t>Further reading on navigation</a:t>
+            </a:r>
+            <a:r>
+              <a:rPr lang="en-US" baseline="0" dirty="0"/>
+              <a:t>: https://msdn.microsoft.com/en-us/windows/uwp/layout/navigation-basics</a:t>
             </a:r>
           </a:p>
           <a:p>
@@ -1209,29 +1109,18 @@
               <a:buChar char="•"/>
             </a:pPr>
             <a:r>
-              <a:rPr lang="en-US" dirty="0"/>
-              <a:t>A canvas control must be used if absolute layout is desired</a:t>
-            </a:r>
-          </a:p>
-          <a:p>
-            <a:pPr marL="0" indent="0">
-              <a:buFont typeface="Arial" panose="020B0604020202020204" pitchFamily="34" charset="0"/>
-              <a:buNone/>
-            </a:pPr>
-            <a:r>
-              <a:rPr lang="en-US" b="1" dirty="0"/>
-              <a:t>References:</a:t>
-            </a:r>
-          </a:p>
-          <a:p>
-            <a:pPr marL="171450" indent="-171450">
-              <a:buFont typeface="Arial" panose="020B0604020202020204" pitchFamily="34" charset="0"/>
-              <a:buChar char="•"/>
-            </a:pPr>
-            <a:r>
-              <a:rPr lang="en-US" dirty="0"/>
-              <a:t>https://msdn.microsoft.com/en-us/library/windows/apps/ff402551(v=vs.105).aspx</a:t>
-            </a:r>
+              <a:rPr lang="en-US" baseline="0" dirty="0"/>
+              <a:t>More on the </a:t>
+            </a:r>
+            <a:r>
+              <a:rPr lang="en-US" baseline="0" dirty="0" err="1"/>
+              <a:t>SystemNavigationManager</a:t>
+            </a:r>
+            <a:r>
+              <a:rPr lang="en-US" baseline="0" dirty="0"/>
+              <a:t>: https://msdn.microsoft.com/library/windows/apps/dn893595</a:t>
+            </a:r>
+            <a:endParaRPr lang="en-US" dirty="0"/>
           </a:p>
         </p:txBody>
       </p:sp>
@@ -1261,7 +1150,7 @@
     </p:spTree>
     <p:extLst>
       <p:ext uri="{BB962C8B-B14F-4D97-AF65-F5344CB8AC3E}">
-        <p14:creationId xmlns:p14="http://schemas.microsoft.com/office/powerpoint/2010/main" val="506784491"/>
+        <p14:creationId xmlns:p14="http://schemas.microsoft.com/office/powerpoint/2010/main" val="99337888"/>
       </p:ext>
     </p:extLst>
   </p:cSld>
@@ -1321,7 +1210,7 @@
             </a:pPr>
             <a:r>
               <a:rPr lang="en-US" b="1" dirty="0"/>
-              <a:t>References:</a:t>
+              <a:t>Notes:</a:t>
             </a:r>
           </a:p>
           <a:p>
@@ -1331,19 +1220,76 @@
             </a:pPr>
             <a:r>
               <a:rPr lang="en-US" dirty="0"/>
-              <a:t>Further reading on XML: https://msdn.microsoft.com/en-us/library/aa468558.aspx</a:t>
-            </a:r>
-          </a:p>
-          <a:p>
-            <a:pPr marL="171450" indent="-171450">
+              <a:t>The canvas control is used to absolutely position </a:t>
+            </a:r>
+            <a:r>
+              <a:rPr lang="en-US" baseline="0" dirty="0"/>
+              <a:t>child controls.</a:t>
+            </a:r>
+          </a:p>
+          <a:p>
+            <a:pPr marL="628650" lvl="1" indent="-171450">
               <a:buFont typeface="Arial" panose="020B0604020202020204" pitchFamily="34" charset="0"/>
               <a:buChar char="•"/>
             </a:pPr>
             <a:r>
               <a:rPr lang="en-US" dirty="0"/>
-              <a:t>Further reading on XAML: https://developer.xamarin.com/guides/xamarin-forms/user-interface/xaml-basics/</a:t>
-            </a:r>
-            <a:endParaRPr lang="en-US" b="1" dirty="0"/>
+              <a:t>This means that you specify where they are exactly located on the screen</a:t>
+            </a:r>
+            <a:r>
+              <a:rPr lang="en-US" baseline="0" dirty="0"/>
+              <a:t> instead of relative to other controls</a:t>
+            </a:r>
+          </a:p>
+          <a:p>
+            <a:pPr marL="171450" lvl="0" indent="-171450">
+              <a:buFont typeface="Arial" panose="020B0604020202020204" pitchFamily="34" charset="0"/>
+              <a:buChar char="•"/>
+            </a:pPr>
+            <a:r>
+              <a:rPr lang="en-US" baseline="0" dirty="0" err="1"/>
+              <a:t>StackPanel</a:t>
+            </a:r>
+            <a:r>
+              <a:rPr lang="en-US" baseline="0" dirty="0"/>
+              <a:t> container control places child controls next to each other, from left to right or top to bottom</a:t>
+            </a:r>
+          </a:p>
+          <a:p>
+            <a:pPr marL="628650" lvl="1" indent="-171450">
+              <a:buFont typeface="Arial" panose="020B0604020202020204" pitchFamily="34" charset="0"/>
+              <a:buChar char="•"/>
+            </a:pPr>
+            <a:r>
+              <a:rPr lang="en-US" baseline="0" dirty="0"/>
+              <a:t>Set Orientation property of </a:t>
+            </a:r>
+            <a:r>
+              <a:rPr lang="en-US" baseline="0" dirty="0" err="1"/>
+              <a:t>StackPanel</a:t>
+            </a:r>
+            <a:r>
+              <a:rPr lang="en-US" baseline="0" dirty="0"/>
+              <a:t> control to “Horizontal” to line things up from left to right</a:t>
+            </a:r>
+          </a:p>
+          <a:p>
+            <a:pPr marL="628650" lvl="1" indent="-171450">
+              <a:buFont typeface="Arial" panose="020B0604020202020204" pitchFamily="34" charset="0"/>
+              <a:buChar char="•"/>
+            </a:pPr>
+            <a:r>
+              <a:rPr lang="en-US" baseline="0" dirty="0"/>
+              <a:t>Set Orientation property of </a:t>
+            </a:r>
+            <a:r>
+              <a:rPr lang="en-US" baseline="0" dirty="0" err="1"/>
+              <a:t>StackPanel</a:t>
+            </a:r>
+            <a:r>
+              <a:rPr lang="en-US" baseline="0" dirty="0"/>
+              <a:t> control to “Vertical” to line things up from top to bottom</a:t>
+            </a:r>
           </a:p>
         </p:txBody>
       </p:sp>
@@ -1364,7 +1310,7 @@
           <a:p>
             <a:fld id="{01283FAC-A721-45A3-BBDE-EAF2B09B7CD9}" type="slidenum">
               <a:rPr lang="en-US" smtClean="0"/>
-              <a:t>19</a:t>
+              <a:t>18</a:t>
             </a:fld>
             <a:endParaRPr lang="en-US"/>
           </a:p>
@@ -1373,7 +1319,7 @@
     </p:spTree>
     <p:extLst>
       <p:ext uri="{BB962C8B-B14F-4D97-AF65-F5344CB8AC3E}">
-        <p14:creationId xmlns:p14="http://schemas.microsoft.com/office/powerpoint/2010/main" val="3107923187"/>
+        <p14:creationId xmlns:p14="http://schemas.microsoft.com/office/powerpoint/2010/main" val="1621477016"/>
       </p:ext>
     </p:extLst>
   </p:cSld>
@@ -1432,12 +1378,8 @@
               <a:buNone/>
             </a:pPr>
             <a:r>
-              <a:rPr lang="en-US" b="1" dirty="0" err="1"/>
-              <a:t>Nptes</a:t>
-            </a:r>
-            <a:r>
               <a:rPr lang="en-US" b="1" dirty="0"/>
-              <a:t>:</a:t>
+              <a:t>Notes:</a:t>
             </a:r>
           </a:p>
           <a:p>
@@ -1446,14 +1388,39 @@
               <a:buChar char="•"/>
             </a:pPr>
             <a:r>
-              <a:rPr lang="en-US" b="0" dirty="0"/>
-              <a:t>While an event handler can be referenced in XAML, C# code must be written to implement</a:t>
-            </a:r>
-            <a:r>
-              <a:rPr lang="en-US" b="0" baseline="0" dirty="0"/>
-              <a:t> the event handler</a:t>
-            </a:r>
-            <a:endParaRPr lang="en-US" b="0" dirty="0"/>
+              <a:rPr lang="en-US" dirty="0"/>
+              <a:t>To use absolute layout, set the Left and/or Top properties of a control inside of a Canvas control</a:t>
+            </a:r>
+          </a:p>
+          <a:p>
+            <a:pPr marL="171450" indent="-171450">
+              <a:buFont typeface="Arial" panose="020B0604020202020204" pitchFamily="34" charset="0"/>
+              <a:buChar char="•"/>
+            </a:pPr>
+            <a:r>
+              <a:rPr lang="en-US" dirty="0"/>
+              <a:t>A canvas control must be used if absolute layout is desired</a:t>
+            </a:r>
+          </a:p>
+          <a:p>
+            <a:pPr marL="0" indent="0">
+              <a:buFont typeface="Arial" panose="020B0604020202020204" pitchFamily="34" charset="0"/>
+              <a:buNone/>
+            </a:pPr>
+            <a:r>
+              <a:rPr lang="en-US" b="1" dirty="0"/>
+              <a:t>References:</a:t>
+            </a:r>
+          </a:p>
+          <a:p>
+            <a:pPr marL="171450" indent="-171450">
+              <a:buFont typeface="Arial" panose="020B0604020202020204" pitchFamily="34" charset="0"/>
+              <a:buChar char="•"/>
+            </a:pPr>
+            <a:r>
+              <a:rPr lang="en-US" dirty="0"/>
+              <a:t>https://msdn.microsoft.com/en-us/library/windows/apps/ff402551(v=vs.105).aspx</a:t>
+            </a:r>
           </a:p>
         </p:txBody>
       </p:sp>
@@ -1474,7 +1441,7 @@
           <a:p>
             <a:fld id="{01283FAC-A721-45A3-BBDE-EAF2B09B7CD9}" type="slidenum">
               <a:rPr lang="en-US" smtClean="0"/>
-              <a:t>20</a:t>
+              <a:t>19</a:t>
             </a:fld>
             <a:endParaRPr lang="en-US"/>
           </a:p>
@@ -1483,7 +1450,7 @@
     </p:spTree>
     <p:extLst>
       <p:ext uri="{BB962C8B-B14F-4D97-AF65-F5344CB8AC3E}">
-        <p14:creationId xmlns:p14="http://schemas.microsoft.com/office/powerpoint/2010/main" val="803889607"/>
+        <p14:creationId xmlns:p14="http://schemas.microsoft.com/office/powerpoint/2010/main" val="506784491"/>
       </p:ext>
     </p:extLst>
   </p:cSld>
@@ -1553,13 +1520,30 @@
             </a:pPr>
             <a:r>
               <a:rPr lang="en-US" b="0" dirty="0"/>
-              <a:t>XAML is used for the visual layout of a class. There is an accompanying</a:t>
+              <a:t>Learning XAML will prepare</a:t>
             </a:r>
             <a:r>
               <a:rPr lang="en-US" b="0" baseline="0" dirty="0"/>
-              <a:t> C# file that helps define the class laid out in the XAML file. This file can have methods, properties, event handlers, etc., like any other C# class definition</a:t>
+              <a:t> you to learn many other technologies. If you know any of the technologies listed that use XAML, you may be familiar with it already</a:t>
             </a:r>
             <a:endParaRPr lang="en-US" b="0" dirty="0"/>
+          </a:p>
+          <a:p>
+            <a:pPr marL="0" indent="0">
+              <a:buFont typeface="Arial" panose="020B0604020202020204" pitchFamily="34" charset="0"/>
+              <a:buNone/>
+            </a:pPr>
+            <a:endParaRPr lang="en-US" b="1" dirty="0"/>
+          </a:p>
+          <a:p>
+            <a:pPr marL="0" indent="0">
+              <a:buFont typeface="Arial" panose="020B0604020202020204" pitchFamily="34" charset="0"/>
+              <a:buNone/>
+            </a:pPr>
+            <a:r>
+              <a:rPr lang="en-US" b="1" dirty="0"/>
+              <a:t>References:</a:t>
+            </a:r>
           </a:p>
           <a:p>
             <a:pPr marL="171450" indent="-171450">
@@ -1567,12 +1551,8 @@
               <a:buChar char="•"/>
             </a:pPr>
             <a:r>
-              <a:rPr lang="en-US" b="0" dirty="0"/>
-              <a:t>Partial classes</a:t>
-            </a:r>
-            <a:r>
-              <a:rPr lang="en-US" b="0" baseline="0" dirty="0"/>
-              <a:t> are classes that are broken up into multiple files. In this case, its definition is broken up into a XAML file and a C# file</a:t>
+              <a:rPr lang="en-US" dirty="0"/>
+              <a:t>Further reading on XML: https://msdn.microsoft.com/en-us/library/aa468558.aspx</a:t>
             </a:r>
           </a:p>
           <a:p>
@@ -1581,121 +1561,10 @@
               <a:buChar char="•"/>
             </a:pPr>
             <a:r>
-              <a:rPr lang="en-US" b="0" baseline="0" dirty="0"/>
-              <a:t>If a XAML file uses a class as a child object, the child object class’ properties can be accessed via attributes in the XAML syntax. So if a class named </a:t>
-            </a:r>
-            <a:r>
-              <a:rPr lang="en-US" b="0" baseline="0" dirty="0" err="1"/>
-              <a:t>MyClass</a:t>
-            </a:r>
-            <a:r>
-              <a:rPr lang="en-US" b="0" baseline="0" dirty="0"/>
-              <a:t> has a property called </a:t>
-            </a:r>
-            <a:r>
-              <a:rPr lang="en-US" b="0" baseline="0" dirty="0" err="1"/>
-              <a:t>MyProperty</a:t>
-            </a:r>
-            <a:r>
-              <a:rPr lang="en-US" b="0" baseline="0" dirty="0"/>
-              <a:t>, you can reference it in XAML by saying &lt;</a:t>
-            </a:r>
-            <a:r>
-              <a:rPr lang="en-US" b="0" baseline="0" dirty="0" err="1"/>
-              <a:t>MyClass</a:t>
-            </a:r>
-            <a:r>
-              <a:rPr lang="en-US" b="0" baseline="0" dirty="0"/>
-              <a:t> </a:t>
-            </a:r>
-            <a:r>
-              <a:rPr lang="en-US" b="0" baseline="0" dirty="0" err="1"/>
-              <a:t>MyProperty</a:t>
-            </a:r>
-            <a:r>
-              <a:rPr lang="en-US" b="0" baseline="0" dirty="0"/>
-              <a:t>="…"&gt;. An alternative way to reference it would be to say &lt;</a:t>
-            </a:r>
-            <a:r>
-              <a:rPr lang="en-US" b="0" baseline="0" dirty="0" err="1"/>
-              <a:t>MyClass</a:t>
-            </a:r>
-            <a:r>
-              <a:rPr lang="en-US" b="0" baseline="0" dirty="0"/>
-              <a:t>&gt;&lt;</a:t>
-            </a:r>
-            <a:r>
-              <a:rPr lang="en-US" b="0" baseline="0" dirty="0" err="1"/>
-              <a:t>MyClass.MyProperty</a:t>
-            </a:r>
-            <a:r>
-              <a:rPr lang="en-US" b="0" baseline="0" dirty="0"/>
-              <a:t>&gt;…&lt;/</a:t>
-            </a:r>
-            <a:r>
-              <a:rPr lang="en-US" b="0" baseline="0" dirty="0" err="1"/>
-              <a:t>MyClass.MyProperty</a:t>
-            </a:r>
-            <a:r>
-              <a:rPr lang="en-US" b="0" baseline="0" dirty="0"/>
-              <a:t>&gt;&lt;/</a:t>
-            </a:r>
-            <a:r>
-              <a:rPr lang="en-US" b="0" baseline="0" dirty="0" err="1"/>
-              <a:t>MyClass</a:t>
-            </a:r>
-            <a:r>
-              <a:rPr lang="en-US" b="0" baseline="0" dirty="0"/>
-              <a:t>&gt;. Some properties may have very involved syntax or have a lot of characters and some people may find it more readable to use the latter syntax, whereas the former syntax is more terse.</a:t>
-            </a:r>
-          </a:p>
-          <a:p>
-            <a:pPr marL="171450" indent="-171450">
-              <a:buFont typeface="Arial" panose="020B0604020202020204" pitchFamily="34" charset="0"/>
-              <a:buChar char="•"/>
-            </a:pPr>
-            <a:endParaRPr lang="en-US" b="0" baseline="0" dirty="0"/>
-          </a:p>
-          <a:p>
-            <a:pPr marL="0" indent="0">
-              <a:buFont typeface="Arial" panose="020B0604020202020204" pitchFamily="34" charset="0"/>
-              <a:buNone/>
-            </a:pPr>
-            <a:r>
-              <a:rPr lang="en-US" b="1" baseline="0" dirty="0"/>
-              <a:t>References:</a:t>
-            </a:r>
-          </a:p>
-          <a:p>
-            <a:pPr marL="171450" marR="0" indent="-171450" algn="l" defTabSz="914400" rtl="0" eaLnBrk="1" fontAlgn="auto" latinLnBrk="0" hangingPunct="1">
-              <a:lnSpc>
-                <a:spcPct val="100000"/>
-              </a:lnSpc>
-              <a:spcBef>
-                <a:spcPts val="0"/>
-              </a:spcBef>
-              <a:spcAft>
-                <a:spcPts val="0"/>
-              </a:spcAft>
-              <a:buClrTx/>
-              <a:buSzTx/>
-              <a:buFont typeface="Arial"/>
-              <a:buChar char="•"/>
-              <a:tabLst/>
-              <a:defRPr/>
-            </a:pPr>
-            <a:r>
-              <a:rPr lang="en-US" b="0" baseline="0" dirty="0"/>
-              <a:t>More on partial classes: https://</a:t>
-            </a:r>
-            <a:r>
-              <a:rPr lang="en-US" b="0" baseline="0" dirty="0" err="1"/>
-              <a:t>msdn.microsoft.com</a:t>
-            </a:r>
-            <a:r>
-              <a:rPr lang="en-US" b="0" baseline="0" dirty="0"/>
-              <a:t>/en-us/library/wa80x488.aspx</a:t>
-            </a:r>
+              <a:rPr lang="en-US" dirty="0"/>
+              <a:t>Further reading on XAML: https://developer.xamarin.com/guides/xamarin-forms/user-interface/xaml-basics/</a:t>
+            </a:r>
+            <a:endParaRPr lang="en-US" b="1" dirty="0"/>
           </a:p>
         </p:txBody>
       </p:sp>
@@ -1725,7 +1594,7 @@
     </p:spTree>
     <p:extLst>
       <p:ext uri="{BB962C8B-B14F-4D97-AF65-F5344CB8AC3E}">
-        <p14:creationId xmlns:p14="http://schemas.microsoft.com/office/powerpoint/2010/main" val="2438113494"/>
+        <p14:creationId xmlns:p14="http://schemas.microsoft.com/office/powerpoint/2010/main" val="3107923187"/>
       </p:ext>
     </p:extLst>
   </p:cSld>
@@ -1779,7 +1648,165 @@
           <a:bodyPr/>
           <a:lstStyle/>
           <a:p>
-            <a:endParaRPr lang="en-US" dirty="0"/>
+            <a:pPr marL="0" indent="0">
+              <a:buFont typeface="Arial" panose="020B0604020202020204" pitchFamily="34" charset="0"/>
+              <a:buNone/>
+            </a:pPr>
+            <a:r>
+              <a:rPr lang="en-US" b="1" dirty="0"/>
+              <a:t>Notes:</a:t>
+            </a:r>
+          </a:p>
+          <a:p>
+            <a:pPr marL="171450" indent="-171450">
+              <a:buFont typeface="Arial" panose="020B0604020202020204" pitchFamily="34" charset="0"/>
+              <a:buChar char="•"/>
+            </a:pPr>
+            <a:r>
+              <a:rPr lang="en-US" b="0" dirty="0"/>
+              <a:t>XAML is used for the visual layout of a class. There is an accompanying</a:t>
+            </a:r>
+            <a:r>
+              <a:rPr lang="en-US" b="0" baseline="0" dirty="0"/>
+              <a:t> C# file that helps define the class laid out in the XAML file. This file can have methods, properties, event handlers, etc., like any other C# class definition</a:t>
+            </a:r>
+            <a:endParaRPr lang="en-US" b="0" dirty="0"/>
+          </a:p>
+          <a:p>
+            <a:pPr marL="171450" indent="-171450">
+              <a:buFont typeface="Arial" panose="020B0604020202020204" pitchFamily="34" charset="0"/>
+              <a:buChar char="•"/>
+            </a:pPr>
+            <a:r>
+              <a:rPr lang="en-US" b="0" dirty="0"/>
+              <a:t>Partial classes</a:t>
+            </a:r>
+            <a:r>
+              <a:rPr lang="en-US" b="0" baseline="0" dirty="0"/>
+              <a:t> are classes that are broken up into multiple files. In this case, its definition is broken up into a XAML file and a C# file</a:t>
+            </a:r>
+          </a:p>
+          <a:p>
+            <a:pPr marL="171450" indent="-171450">
+              <a:buFont typeface="Arial" panose="020B0604020202020204" pitchFamily="34" charset="0"/>
+              <a:buChar char="•"/>
+            </a:pPr>
+            <a:r>
+              <a:rPr lang="en-US" b="0" baseline="0" dirty="0"/>
+              <a:t>If a XAML file uses a class as a child object, the child object class’ properties can be accessed via attributes in the XAML syntax. So if a class named </a:t>
+            </a:r>
+            <a:r>
+              <a:rPr lang="en-US" b="0" baseline="0" dirty="0" err="1"/>
+              <a:t>MyClass</a:t>
+            </a:r>
+            <a:r>
+              <a:rPr lang="en-US" b="0" baseline="0" dirty="0"/>
+              <a:t> has a property called </a:t>
+            </a:r>
+            <a:r>
+              <a:rPr lang="en-US" b="0" baseline="0" dirty="0" err="1"/>
+              <a:t>MyProperty</a:t>
+            </a:r>
+            <a:r>
+              <a:rPr lang="en-US" b="0" baseline="0" dirty="0"/>
+              <a:t>, you can reference it in XAML by saying &lt;</a:t>
+            </a:r>
+            <a:r>
+              <a:rPr lang="en-US" b="0" baseline="0" dirty="0" err="1"/>
+              <a:t>MyClass</a:t>
+            </a:r>
+            <a:r>
+              <a:rPr lang="en-US" b="0" baseline="0" dirty="0"/>
+              <a:t> </a:t>
+            </a:r>
+            <a:r>
+              <a:rPr lang="en-US" b="0" baseline="0" dirty="0" err="1"/>
+              <a:t>MyProperty</a:t>
+            </a:r>
+            <a:r>
+              <a:rPr lang="en-US" b="0" baseline="0" dirty="0"/>
+              <a:t>="…"&gt;. An alternative way to reference it would be to say &lt;</a:t>
+            </a:r>
+            <a:r>
+              <a:rPr lang="en-US" b="0" baseline="0" dirty="0" err="1"/>
+              <a:t>MyClass</a:t>
+            </a:r>
+            <a:r>
+              <a:rPr lang="en-US" b="0" baseline="0" dirty="0"/>
+              <a:t>&gt;&lt;</a:t>
+            </a:r>
+            <a:r>
+              <a:rPr lang="en-US" b="0" baseline="0" dirty="0" err="1"/>
+              <a:t>MyClass.MyProperty</a:t>
+            </a:r>
+            <a:r>
+              <a:rPr lang="en-US" b="0" baseline="0" dirty="0"/>
+              <a:t>&gt;…&lt;/</a:t>
+            </a:r>
+            <a:r>
+              <a:rPr lang="en-US" b="0" baseline="0" dirty="0" err="1"/>
+              <a:t>MyClass.MyProperty</a:t>
+            </a:r>
+            <a:r>
+              <a:rPr lang="en-US" b="0" baseline="0" dirty="0"/>
+              <a:t>&gt;&lt;/</a:t>
+            </a:r>
+            <a:r>
+              <a:rPr lang="en-US" b="0" baseline="0" dirty="0" err="1"/>
+              <a:t>MyClass</a:t>
+            </a:r>
+            <a:r>
+              <a:rPr lang="en-US" b="0" baseline="0" dirty="0"/>
+              <a:t>&gt;. Some properties may have very involved syntax or have a lot of characters and some people may find it more readable to use the latter syntax, whereas the former syntax is more terse.</a:t>
+            </a:r>
+          </a:p>
+          <a:p>
+            <a:pPr marL="171450" indent="-171450">
+              <a:buFont typeface="Arial" panose="020B0604020202020204" pitchFamily="34" charset="0"/>
+              <a:buChar char="•"/>
+            </a:pPr>
+            <a:endParaRPr lang="en-US" b="0" baseline="0" dirty="0"/>
+          </a:p>
+          <a:p>
+            <a:pPr marL="0" indent="0">
+              <a:buFont typeface="Arial" panose="020B0604020202020204" pitchFamily="34" charset="0"/>
+              <a:buNone/>
+            </a:pPr>
+            <a:r>
+              <a:rPr lang="en-US" b="1" baseline="0" dirty="0"/>
+              <a:t>References:</a:t>
+            </a:r>
+          </a:p>
+          <a:p>
+            <a:pPr marL="171450" marR="0" indent="-171450" algn="l" defTabSz="914400" rtl="0" eaLnBrk="1" fontAlgn="auto" latinLnBrk="0" hangingPunct="1">
+              <a:lnSpc>
+                <a:spcPct val="100000"/>
+              </a:lnSpc>
+              <a:spcBef>
+                <a:spcPts val="0"/>
+              </a:spcBef>
+              <a:spcAft>
+                <a:spcPts val="0"/>
+              </a:spcAft>
+              <a:buClrTx/>
+              <a:buSzTx/>
+              <a:buFont typeface="Arial"/>
+              <a:buChar char="•"/>
+              <a:tabLst/>
+              <a:defRPr/>
+            </a:pPr>
+            <a:r>
+              <a:rPr lang="en-US" b="0" baseline="0" dirty="0"/>
+              <a:t>More on partial classes: https://</a:t>
+            </a:r>
+            <a:r>
+              <a:rPr lang="en-US" b="0" baseline="0" dirty="0" err="1"/>
+              <a:t>msdn.microsoft.com</a:t>
+            </a:r>
+            <a:r>
+              <a:rPr lang="en-US" b="0" baseline="0" dirty="0"/>
+              <a:t>/en-us/library/wa80x488.aspx</a:t>
+            </a:r>
           </a:p>
         </p:txBody>
       </p:sp>
@@ -1799,28 +1826,138 @@
           <a:lstStyle/>
           <a:p>
             <a:fld id="{01283FAC-A721-45A3-BBDE-EAF2B09B7CD9}" type="slidenum">
-              <a:rPr lang="en-US" smtClean="0">
-                <a:solidFill>
-                  <a:prstClr val="black"/>
-                </a:solidFill>
-                <a:latin typeface="Calibri"/>
-              </a:rPr>
-              <a:pPr/>
+              <a:rPr lang="en-US" smtClean="0"/>
               <a:t>22</a:t>
             </a:fld>
-            <a:endParaRPr lang="en-US">
-              <a:solidFill>
-                <a:prstClr val="black"/>
-              </a:solidFill>
-              <a:latin typeface="Calibri"/>
-            </a:endParaRPr>
+            <a:endParaRPr lang="en-US"/>
           </a:p>
         </p:txBody>
       </p:sp>
     </p:spTree>
     <p:extLst>
       <p:ext uri="{BB962C8B-B14F-4D97-AF65-F5344CB8AC3E}">
-        <p14:creationId xmlns:p14="http://schemas.microsoft.com/office/powerpoint/2010/main" val="499313698"/>
+        <p14:creationId xmlns:p14="http://schemas.microsoft.com/office/powerpoint/2010/main" val="2438113494"/>
+      </p:ext>
+    </p:extLst>
+  </p:cSld>
+  <p:clrMapOvr>
+    <a:masterClrMapping/>
+  </p:clrMapOvr>
+</p:notes>
+</file>
+
+<file path=ppt/notesSlides/notesSlide19.xml><?xml version="1.0" encoding="utf-8"?>
+<p:notes xmlns:a="http://schemas.openxmlformats.org/drawingml/2006/main" xmlns:r="http://schemas.openxmlformats.org/officeDocument/2006/relationships" xmlns:p="http://schemas.openxmlformats.org/presentationml/2006/main">
+  <p:cSld>
+    <p:spTree>
+      <p:nvGrpSpPr>
+        <p:cNvPr id="1" name=""/>
+        <p:cNvGrpSpPr/>
+        <p:nvPr/>
+      </p:nvGrpSpPr>
+      <p:grpSpPr>
+        <a:xfrm>
+          <a:off x="0" y="0"/>
+          <a:ext cx="0" cy="0"/>
+          <a:chOff x="0" y="0"/>
+          <a:chExt cx="0" cy="0"/>
+        </a:xfrm>
+      </p:grpSpPr>
+      <p:sp>
+        <p:nvSpPr>
+          <p:cNvPr id="2" name="Slide Image Placeholder 1"/>
+          <p:cNvSpPr>
+            <a:spLocks noGrp="1" noRot="1" noChangeAspect="1"/>
+          </p:cNvSpPr>
+          <p:nvPr>
+            <p:ph type="sldImg"/>
+          </p:nvPr>
+        </p:nvSpPr>
+        <p:spPr/>
+      </p:sp>
+      <p:sp>
+        <p:nvSpPr>
+          <p:cNvPr id="3" name="Notes Placeholder 2"/>
+          <p:cNvSpPr>
+            <a:spLocks noGrp="1"/>
+          </p:cNvSpPr>
+          <p:nvPr>
+            <p:ph type="body" idx="1"/>
+          </p:nvPr>
+        </p:nvSpPr>
+        <p:spPr/>
+        <p:txBody>
+          <a:bodyPr/>
+          <a:lstStyle/>
+          <a:p>
+            <a:pPr marL="0" indent="0">
+              <a:buFont typeface="Arial" panose="020B0604020202020204" pitchFamily="34" charset="0"/>
+              <a:buNone/>
+            </a:pPr>
+            <a:r>
+              <a:rPr lang="en-US" b="1" dirty="0"/>
+              <a:t>Notes:</a:t>
+            </a:r>
+          </a:p>
+          <a:p>
+            <a:pPr marL="171450" indent="-171450">
+              <a:buFont typeface="Arial" panose="020B0604020202020204" pitchFamily="34" charset="0"/>
+              <a:buChar char="•"/>
+            </a:pPr>
+            <a:r>
+              <a:rPr lang="en-US" b="0" dirty="0"/>
+              <a:t>User interfaces can be created imperatively</a:t>
+            </a:r>
+            <a:r>
+              <a:rPr lang="en-US" b="0" baseline="0" dirty="0"/>
+              <a:t> with C# or declaratively with XAML. Most people prefer to create them with XAML. C# is then used to write methods and event handlers that can be called in XAML</a:t>
+            </a:r>
+            <a:endParaRPr lang="en-US" b="0" dirty="0"/>
+          </a:p>
+          <a:p>
+            <a:pPr marL="171450" indent="-171450">
+              <a:buFont typeface="Arial" panose="020B0604020202020204" pitchFamily="34" charset="0"/>
+              <a:buChar char="•"/>
+            </a:pPr>
+            <a:r>
+              <a:rPr lang="en-US" b="0" dirty="0"/>
+              <a:t>While an event handler can be referenced in XAML, C# code must be written to implement</a:t>
+            </a:r>
+            <a:r>
+              <a:rPr lang="en-US" b="0" baseline="0" dirty="0"/>
+              <a:t> the event handler</a:t>
+            </a:r>
+            <a:endParaRPr lang="en-US" b="0" dirty="0"/>
+          </a:p>
+        </p:txBody>
+      </p:sp>
+      <p:sp>
+        <p:nvSpPr>
+          <p:cNvPr id="4" name="Slide Number Placeholder 3"/>
+          <p:cNvSpPr>
+            <a:spLocks noGrp="1"/>
+          </p:cNvSpPr>
+          <p:nvPr>
+            <p:ph type="sldNum" sz="quarter" idx="10"/>
+          </p:nvPr>
+        </p:nvSpPr>
+        <p:spPr/>
+        <p:txBody>
+          <a:bodyPr/>
+          <a:lstStyle/>
+          <a:p>
+            <a:fld id="{01283FAC-A721-45A3-BBDE-EAF2B09B7CD9}" type="slidenum">
+              <a:rPr lang="en-US" smtClean="0"/>
+              <a:t>23</a:t>
+            </a:fld>
+            <a:endParaRPr lang="en-US"/>
+          </a:p>
+        </p:txBody>
+      </p:sp>
+    </p:spTree>
+    <p:extLst>
+      <p:ext uri="{BB962C8B-B14F-4D97-AF65-F5344CB8AC3E}">
+        <p14:creationId xmlns:p14="http://schemas.microsoft.com/office/powerpoint/2010/main" val="803889607"/>
       </p:ext>
     </p:extLst>
   </p:cSld>
@@ -1905,6 +2042,233 @@
     <p:extLst>
       <p:ext uri="{BB962C8B-B14F-4D97-AF65-F5344CB8AC3E}">
         <p14:creationId xmlns:p14="http://schemas.microsoft.com/office/powerpoint/2010/main" val="3930048320"/>
+      </p:ext>
+    </p:extLst>
+  </p:cSld>
+  <p:clrMapOvr>
+    <a:masterClrMapping/>
+  </p:clrMapOvr>
+</p:notes>
+</file>
+
+<file path=ppt/notesSlides/notesSlide20.xml><?xml version="1.0" encoding="utf-8"?>
+<p:notes xmlns:a="http://schemas.openxmlformats.org/drawingml/2006/main" xmlns:r="http://schemas.openxmlformats.org/officeDocument/2006/relationships" xmlns:p="http://schemas.openxmlformats.org/presentationml/2006/main">
+  <p:cSld>
+    <p:spTree>
+      <p:nvGrpSpPr>
+        <p:cNvPr id="1" name=""/>
+        <p:cNvGrpSpPr/>
+        <p:nvPr/>
+      </p:nvGrpSpPr>
+      <p:grpSpPr>
+        <a:xfrm>
+          <a:off x="0" y="0"/>
+          <a:ext cx="0" cy="0"/>
+          <a:chOff x="0" y="0"/>
+          <a:chExt cx="0" cy="0"/>
+        </a:xfrm>
+      </p:grpSpPr>
+      <p:sp>
+        <p:nvSpPr>
+          <p:cNvPr id="2" name="Slide Image Placeholder 1"/>
+          <p:cNvSpPr>
+            <a:spLocks noGrp="1" noRot="1" noChangeAspect="1"/>
+          </p:cNvSpPr>
+          <p:nvPr>
+            <p:ph type="sldImg"/>
+          </p:nvPr>
+        </p:nvSpPr>
+        <p:spPr/>
+      </p:sp>
+      <p:sp>
+        <p:nvSpPr>
+          <p:cNvPr id="3" name="Notes Placeholder 2"/>
+          <p:cNvSpPr>
+            <a:spLocks noGrp="1"/>
+          </p:cNvSpPr>
+          <p:nvPr>
+            <p:ph type="body" idx="1"/>
+          </p:nvPr>
+        </p:nvSpPr>
+        <p:spPr/>
+        <p:txBody>
+          <a:bodyPr/>
+          <a:lstStyle/>
+          <a:p>
+            <a:pPr marL="0" indent="0">
+              <a:buFont typeface="Arial" panose="020B0604020202020204" pitchFamily="34" charset="0"/>
+              <a:buNone/>
+            </a:pPr>
+            <a:r>
+              <a:rPr lang="en-US" b="1" dirty="0"/>
+              <a:t>Notes:</a:t>
+            </a:r>
+          </a:p>
+          <a:p>
+            <a:pPr marL="171450" indent="-171450">
+              <a:buFont typeface="Arial" panose="020B0604020202020204" pitchFamily="34" charset="0"/>
+              <a:buChar char="•"/>
+            </a:pPr>
+            <a:r>
+              <a:rPr lang="en-US" b="0" dirty="0"/>
+              <a:t>In the C# example, it is assumed that the </a:t>
+            </a:r>
+            <a:r>
+              <a:rPr lang="en-US" b="0" dirty="0" err="1"/>
+              <a:t>StackPanel</a:t>
+            </a:r>
+            <a:r>
+              <a:rPr lang="en-US" b="0" dirty="0"/>
+              <a:t> with the name of “</a:t>
+            </a:r>
+            <a:r>
+              <a:rPr lang="en-US" b="0" dirty="0" err="1"/>
+              <a:t>ContentPanel</a:t>
+            </a:r>
+            <a:r>
+              <a:rPr lang="en-US" b="0" dirty="0"/>
+              <a:t>” already exists. The C# code just replaces the XAML</a:t>
+            </a:r>
+            <a:r>
+              <a:rPr lang="en-US" b="0" baseline="0" dirty="0"/>
+              <a:t> code for the Button – &lt;Button Height="72" Width="160" Content="Click Me" /&gt;</a:t>
+            </a:r>
+          </a:p>
+          <a:p>
+            <a:pPr marL="171450" indent="-171450">
+              <a:buFont typeface="Arial" panose="020B0604020202020204" pitchFamily="34" charset="0"/>
+              <a:buChar char="•"/>
+            </a:pPr>
+            <a:r>
+              <a:rPr lang="en-US" b="0" baseline="0" dirty="0"/>
+              <a:t>x:Name is the property used to define the name that can be referenced in the associated C# file</a:t>
+            </a:r>
+            <a:endParaRPr lang="en-US" b="0" dirty="0"/>
+          </a:p>
+        </p:txBody>
+      </p:sp>
+      <p:sp>
+        <p:nvSpPr>
+          <p:cNvPr id="4" name="Slide Number Placeholder 3"/>
+          <p:cNvSpPr>
+            <a:spLocks noGrp="1"/>
+          </p:cNvSpPr>
+          <p:nvPr>
+            <p:ph type="sldNum" sz="quarter" idx="10"/>
+          </p:nvPr>
+        </p:nvSpPr>
+        <p:spPr/>
+        <p:txBody>
+          <a:bodyPr/>
+          <a:lstStyle/>
+          <a:p>
+            <a:fld id="{01283FAC-A721-45A3-BBDE-EAF2B09B7CD9}" type="slidenum">
+              <a:rPr lang="en-US" smtClean="0"/>
+              <a:t>24</a:t>
+            </a:fld>
+            <a:endParaRPr lang="en-US"/>
+          </a:p>
+        </p:txBody>
+      </p:sp>
+    </p:spTree>
+    <p:extLst>
+      <p:ext uri="{BB962C8B-B14F-4D97-AF65-F5344CB8AC3E}">
+        <p14:creationId xmlns:p14="http://schemas.microsoft.com/office/powerpoint/2010/main" val="3090778324"/>
+      </p:ext>
+    </p:extLst>
+  </p:cSld>
+  <p:clrMapOvr>
+    <a:masterClrMapping/>
+  </p:clrMapOvr>
+</p:notes>
+</file>
+
+<file path=ppt/notesSlides/notesSlide21.xml><?xml version="1.0" encoding="utf-8"?>
+<p:notes xmlns:a="http://schemas.openxmlformats.org/drawingml/2006/main" xmlns:r="http://schemas.openxmlformats.org/officeDocument/2006/relationships" xmlns:p="http://schemas.openxmlformats.org/presentationml/2006/main">
+  <p:cSld>
+    <p:spTree>
+      <p:nvGrpSpPr>
+        <p:cNvPr id="1" name=""/>
+        <p:cNvGrpSpPr/>
+        <p:nvPr/>
+      </p:nvGrpSpPr>
+      <p:grpSpPr>
+        <a:xfrm>
+          <a:off x="0" y="0"/>
+          <a:ext cx="0" cy="0"/>
+          <a:chOff x="0" y="0"/>
+          <a:chExt cx="0" cy="0"/>
+        </a:xfrm>
+      </p:grpSpPr>
+      <p:sp>
+        <p:nvSpPr>
+          <p:cNvPr id="2" name="Slide Image Placeholder 1"/>
+          <p:cNvSpPr>
+            <a:spLocks noGrp="1" noRot="1" noChangeAspect="1"/>
+          </p:cNvSpPr>
+          <p:nvPr>
+            <p:ph type="sldImg"/>
+          </p:nvPr>
+        </p:nvSpPr>
+        <p:spPr/>
+      </p:sp>
+      <p:sp>
+        <p:nvSpPr>
+          <p:cNvPr id="3" name="Notes Placeholder 2"/>
+          <p:cNvSpPr>
+            <a:spLocks noGrp="1"/>
+          </p:cNvSpPr>
+          <p:nvPr>
+            <p:ph type="body" idx="1"/>
+          </p:nvPr>
+        </p:nvSpPr>
+        <p:spPr/>
+        <p:txBody>
+          <a:bodyPr/>
+          <a:lstStyle/>
+          <a:p>
+            <a:endParaRPr lang="en-US" dirty="0"/>
+          </a:p>
+        </p:txBody>
+      </p:sp>
+      <p:sp>
+        <p:nvSpPr>
+          <p:cNvPr id="4" name="Slide Number Placeholder 3"/>
+          <p:cNvSpPr>
+            <a:spLocks noGrp="1"/>
+          </p:cNvSpPr>
+          <p:nvPr>
+            <p:ph type="sldNum" sz="quarter" idx="10"/>
+          </p:nvPr>
+        </p:nvSpPr>
+        <p:spPr/>
+        <p:txBody>
+          <a:bodyPr/>
+          <a:lstStyle/>
+          <a:p>
+            <a:fld id="{01283FAC-A721-45A3-BBDE-EAF2B09B7CD9}" type="slidenum">
+              <a:rPr lang="en-US" smtClean="0">
+                <a:solidFill>
+                  <a:prstClr val="black"/>
+                </a:solidFill>
+                <a:latin typeface="Calibri"/>
+              </a:rPr>
+              <a:pPr/>
+              <a:t>25</a:t>
+            </a:fld>
+            <a:endParaRPr lang="en-US">
+              <a:solidFill>
+                <a:prstClr val="black"/>
+              </a:solidFill>
+              <a:latin typeface="Calibri"/>
+            </a:endParaRPr>
+          </a:p>
+        </p:txBody>
+      </p:sp>
+    </p:spTree>
+    <p:extLst>
+      <p:ext uri="{BB962C8B-B14F-4D97-AF65-F5344CB8AC3E}">
+        <p14:creationId xmlns:p14="http://schemas.microsoft.com/office/powerpoint/2010/main" val="499313698"/>
       </p:ext>
     </p:extLst>
   </p:cSld>
@@ -2208,9 +2572,22 @@
           <a:bodyPr/>
           <a:lstStyle/>
           <a:p>
-            <a:pPr marL="0" indent="0">
+            <a:pPr marL="0" marR="0" lvl="0" indent="0" algn="l" defTabSz="914400" rtl="0" eaLnBrk="1" fontAlgn="auto" latinLnBrk="0" hangingPunct="1">
+              <a:lnSpc>
+                <a:spcPct val="100000"/>
+              </a:lnSpc>
+              <a:spcBef>
+                <a:spcPts val="0"/>
+              </a:spcBef>
+              <a:spcAft>
+                <a:spcPts val="0"/>
+              </a:spcAft>
+              <a:buClrTx/>
+              <a:buSzTx/>
               <a:buFont typeface="Arial" panose="020B0604020202020204" pitchFamily="34" charset="0"/>
               <a:buNone/>
+              <a:tabLst/>
+              <a:defRPr/>
             </a:pPr>
             <a:r>
               <a:rPr lang="en-US" b="1" dirty="0"/>
@@ -2218,44 +2595,104 @@
             </a:r>
           </a:p>
           <a:p>
-            <a:pPr marL="171450" indent="-171450">
+            <a:pPr marL="171450" marR="0" lvl="0" indent="-171450" algn="l" defTabSz="914400" rtl="0" eaLnBrk="1" fontAlgn="auto" latinLnBrk="0" hangingPunct="1">
+              <a:lnSpc>
+                <a:spcPct val="100000"/>
+              </a:lnSpc>
+              <a:spcBef>
+                <a:spcPts val="0"/>
+              </a:spcBef>
+              <a:spcAft>
+                <a:spcPts val="0"/>
+              </a:spcAft>
+              <a:buClrTx/>
+              <a:buSzTx/>
               <a:buFont typeface="Arial" panose="020B0604020202020204" pitchFamily="34" charset="0"/>
               <a:buChar char="•"/>
+              <a:tabLst/>
+              <a:defRPr/>
             </a:pPr>
             <a:r>
               <a:rPr lang="en-US" dirty="0"/>
-              <a:t>There are other Windows Phone projects</a:t>
+              <a:t>Windows Phone and Xamarin use a lot of the same tools:</a:t>
             </a:r>
             <a:r>
               <a:rPr lang="en-US" baseline="0" dirty="0"/>
-              <a:t> available, but they are for older phone types and have been deprecated</a:t>
-            </a:r>
-          </a:p>
-          <a:p>
-            <a:pPr marL="171450" indent="-171450">
+              <a:t> C#, Visual Studio, XAML, etc. As such, it is easier to reuse code written for Windows Phone than it is to reuse code written for iOS or Android</a:t>
+            </a:r>
+          </a:p>
+          <a:p>
+            <a:pPr marL="171450" marR="0" lvl="0" indent="-171450" algn="l" defTabSz="914400" rtl="0" eaLnBrk="1" fontAlgn="auto" latinLnBrk="0" hangingPunct="1">
+              <a:lnSpc>
+                <a:spcPct val="100000"/>
+              </a:lnSpc>
+              <a:spcBef>
+                <a:spcPts val="0"/>
+              </a:spcBef>
+              <a:spcAft>
+                <a:spcPts val="0"/>
+              </a:spcAft>
+              <a:buClrTx/>
+              <a:buSzTx/>
               <a:buFont typeface="Arial" panose="020B0604020202020204" pitchFamily="34" charset="0"/>
               <a:buChar char="•"/>
+              <a:tabLst/>
+              <a:defRPr/>
             </a:pPr>
             <a:r>
+              <a:rPr lang="en-US" baseline="0" dirty="0" err="1"/>
+              <a:t>Xamarin.Forms</a:t>
+            </a:r>
+            <a:r>
               <a:rPr lang="en-US" baseline="0" dirty="0"/>
-              <a:t>The Universal Windows Platform is a way to make cross-platform apps that work on Windows Phones, Windows tablets and Windows desktops/laptops</a:t>
-            </a:r>
-          </a:p>
-          <a:p>
-            <a:pPr marL="171450" indent="-171450">
+              <a:t> is a library in Xamarin that is used to create cross-platform user interfaces that will be covered in future lessons</a:t>
+            </a:r>
+          </a:p>
+          <a:p>
+            <a:pPr marL="171450" marR="0" lvl="0" indent="-171450" algn="l" defTabSz="914400" rtl="0" eaLnBrk="1" fontAlgn="auto" latinLnBrk="0" hangingPunct="1">
+              <a:lnSpc>
+                <a:spcPct val="100000"/>
+              </a:lnSpc>
+              <a:spcBef>
+                <a:spcPts val="0"/>
+              </a:spcBef>
+              <a:spcAft>
+                <a:spcPts val="0"/>
+              </a:spcAft>
+              <a:buClrTx/>
+              <a:buSzTx/>
               <a:buFont typeface="Arial" panose="020B0604020202020204" pitchFamily="34" charset="0"/>
               <a:buChar char="•"/>
+              <a:tabLst/>
+              <a:defRPr/>
             </a:pPr>
             <a:r>
               <a:rPr lang="en-US" baseline="0" dirty="0"/>
-              <a:t>More on Universal Windows Platform apps: https://msdn.microsoft.com/en-us/windows/uwp/get-started/whats-a-uwp</a:t>
-            </a:r>
-          </a:p>
-          <a:p>
-            <a:pPr marL="171450" indent="-171450">
+              <a:t>XAML is a markup language created by Microsoft and used by many technologies</a:t>
+            </a:r>
+          </a:p>
+          <a:p>
+            <a:pPr marL="171450" marR="0" lvl="0" indent="-171450" algn="l" defTabSz="914400" rtl="0" eaLnBrk="1" fontAlgn="auto" latinLnBrk="0" hangingPunct="1">
+              <a:lnSpc>
+                <a:spcPct val="100000"/>
+              </a:lnSpc>
+              <a:spcBef>
+                <a:spcPts val="0"/>
+              </a:spcBef>
+              <a:spcAft>
+                <a:spcPts val="0"/>
+              </a:spcAft>
+              <a:buClrTx/>
+              <a:buSzTx/>
               <a:buFont typeface="Arial" panose="020B0604020202020204" pitchFamily="34" charset="0"/>
               <a:buChar char="•"/>
+              <a:tabLst/>
+              <a:defRPr/>
             </a:pPr>
+            <a:r>
+              <a:rPr lang="en-US" baseline="0" dirty="0"/>
+              <a:t>XAML basics will be explained later in this lesson</a:t>
+            </a:r>
             <a:endParaRPr lang="en-US" dirty="0"/>
           </a:p>
         </p:txBody>
@@ -2277,7 +2714,7 @@
           <a:p>
             <a:fld id="{01283FAC-A721-45A3-BBDE-EAF2B09B7CD9}" type="slidenum">
               <a:rPr lang="en-US" smtClean="0"/>
-              <a:t>6</a:t>
+              <a:t>5</a:t>
             </a:fld>
             <a:endParaRPr lang="en-US"/>
           </a:p>
@@ -2286,7 +2723,7 @@
     </p:spTree>
     <p:extLst>
       <p:ext uri="{BB962C8B-B14F-4D97-AF65-F5344CB8AC3E}">
-        <p14:creationId xmlns:p14="http://schemas.microsoft.com/office/powerpoint/2010/main" val="4083582462"/>
+        <p14:creationId xmlns:p14="http://schemas.microsoft.com/office/powerpoint/2010/main" val="4067356062"/>
       </p:ext>
     </p:extLst>
   </p:cSld>
@@ -2346,7 +2783,7 @@
             </a:pPr>
             <a:r>
               <a:rPr lang="en-US" b="1" dirty="0"/>
-              <a:t>References:</a:t>
+              <a:t>Notes:</a:t>
             </a:r>
           </a:p>
           <a:p>
@@ -2356,8 +2793,39 @@
             </a:pPr>
             <a:r>
               <a:rPr lang="en-US" dirty="0"/>
-              <a:t>Further reading on the app lifecycle: https://msdn.microsoft.com/windows/uwp/launch-resume/index</a:t>
-            </a:r>
+              <a:t>There are other Windows Phone projects</a:t>
+            </a:r>
+            <a:r>
+              <a:rPr lang="en-US" baseline="0" dirty="0"/>
+              <a:t> available, but they are for older phone types and have been deprecated</a:t>
+            </a:r>
+          </a:p>
+          <a:p>
+            <a:pPr marL="171450" indent="-171450">
+              <a:buFont typeface="Arial" panose="020B0604020202020204" pitchFamily="34" charset="0"/>
+              <a:buChar char="•"/>
+            </a:pPr>
+            <a:r>
+              <a:rPr lang="en-US" baseline="0" dirty="0"/>
+              <a:t>The Universal Windows Platform is a way to make cross-platform apps that work on Windows Phones, Windows tablets and Windows desktops/laptops</a:t>
+            </a:r>
+          </a:p>
+          <a:p>
+            <a:pPr marL="171450" indent="-171450">
+              <a:buFont typeface="Arial" panose="020B0604020202020204" pitchFamily="34" charset="0"/>
+              <a:buChar char="•"/>
+            </a:pPr>
+            <a:r>
+              <a:rPr lang="en-US" baseline="0" dirty="0"/>
+              <a:t>More on Universal Windows Platform apps: https://msdn.microsoft.com/en-us/windows/uwp/get-started/whats-a-uwp</a:t>
+            </a:r>
+          </a:p>
+          <a:p>
+            <a:pPr marL="171450" indent="-171450">
+              <a:buFont typeface="Arial" panose="020B0604020202020204" pitchFamily="34" charset="0"/>
+              <a:buChar char="•"/>
+            </a:pPr>
+            <a:endParaRPr lang="en-US" dirty="0"/>
           </a:p>
         </p:txBody>
       </p:sp>
@@ -2378,7 +2846,7 @@
           <a:p>
             <a:fld id="{01283FAC-A721-45A3-BBDE-EAF2B09B7CD9}" type="slidenum">
               <a:rPr lang="en-US" smtClean="0"/>
-              <a:t>8</a:t>
+              <a:t>6</a:t>
             </a:fld>
             <a:endParaRPr lang="en-US"/>
           </a:p>
@@ -2387,7 +2855,7 @@
     </p:spTree>
     <p:extLst>
       <p:ext uri="{BB962C8B-B14F-4D97-AF65-F5344CB8AC3E}">
-        <p14:creationId xmlns:p14="http://schemas.microsoft.com/office/powerpoint/2010/main" val="58874259"/>
+        <p14:creationId xmlns:p14="http://schemas.microsoft.com/office/powerpoint/2010/main" val="4083582462"/>
       </p:ext>
     </p:extLst>
   </p:cSld>
@@ -2457,11 +2925,31 @@
             </a:pPr>
             <a:r>
               <a:rPr lang="en-US" dirty="0"/>
-              <a:t>The application has to be not running. Either it was intentionally</a:t>
+              <a:t>Like iOS and Android, Windows Phone applications</a:t>
             </a:r>
             <a:r>
               <a:rPr lang="en-US" baseline="0" dirty="0"/>
-              <a:t> closed, terminated, crashed or hasn’t been opened since the phone was turned on</a:t>
+              <a:t> have a lifecycle that is somewhat different from the other platforms</a:t>
+            </a:r>
+          </a:p>
+          <a:p>
+            <a:pPr marL="171450" indent="-171450">
+              <a:buFont typeface="Arial" panose="020B0604020202020204" pitchFamily="34" charset="0"/>
+              <a:buChar char="•"/>
+            </a:pPr>
+            <a:r>
+              <a:rPr lang="en-US" baseline="0" dirty="0"/>
+              <a:t>Windows Phone user interfaces and that of iOS and Android have differences, as well</a:t>
+            </a:r>
+          </a:p>
+          <a:p>
+            <a:pPr marL="171450" indent="-171450">
+              <a:buFont typeface="Arial" panose="020B0604020202020204" pitchFamily="34" charset="0"/>
+              <a:buChar char="•"/>
+            </a:pPr>
+            <a:r>
+              <a:rPr lang="en-US" baseline="0" dirty="0"/>
+              <a:t>XAML is a markup language that is used to build Windows Phone user interfaces – as well as the user interfaces of many other technologies – and will be discussed later in the lesson</a:t>
             </a:r>
             <a:endParaRPr lang="en-US" dirty="0"/>
           </a:p>
@@ -2484,7 +2972,7 @@
           <a:p>
             <a:fld id="{01283FAC-A721-45A3-BBDE-EAF2B09B7CD9}" type="slidenum">
               <a:rPr lang="en-US" smtClean="0"/>
-              <a:t>9</a:t>
+              <a:t>8</a:t>
             </a:fld>
             <a:endParaRPr lang="en-US"/>
           </a:p>
@@ -2493,7 +2981,7 @@
     </p:spTree>
     <p:extLst>
       <p:ext uri="{BB962C8B-B14F-4D97-AF65-F5344CB8AC3E}">
-        <p14:creationId xmlns:p14="http://schemas.microsoft.com/office/powerpoint/2010/main" val="1581277649"/>
+        <p14:creationId xmlns:p14="http://schemas.microsoft.com/office/powerpoint/2010/main" val="3309649738"/>
       </p:ext>
     </p:extLst>
   </p:cSld>
@@ -2553,7 +3041,7 @@
             </a:pPr>
             <a:r>
               <a:rPr lang="en-US" b="1" dirty="0"/>
-              <a:t>Notes:</a:t>
+              <a:t>References:</a:t>
             </a:r>
           </a:p>
           <a:p>
@@ -2563,7 +3051,22 @@
             </a:pPr>
             <a:r>
               <a:rPr lang="en-US" dirty="0"/>
-              <a:t>The typical state of the application while in use</a:t>
+              <a:t>The states</a:t>
+            </a:r>
+            <a:r>
+              <a:rPr lang="en-US" baseline="0" dirty="0"/>
+              <a:t> will be explained in the next few slides</a:t>
+            </a:r>
+            <a:endParaRPr lang="en-US" dirty="0"/>
+          </a:p>
+          <a:p>
+            <a:pPr marL="171450" indent="-171450">
+              <a:buFont typeface="Arial" panose="020B0604020202020204" pitchFamily="34" charset="0"/>
+              <a:buChar char="•"/>
+            </a:pPr>
+            <a:r>
+              <a:rPr lang="en-US" dirty="0"/>
+              <a:t>Further reading on the app lifecycle: https://msdn.microsoft.com/windows/uwp/launch-resume/index</a:t>
             </a:r>
           </a:p>
         </p:txBody>
@@ -2594,7 +3097,7 @@
     </p:spTree>
     <p:extLst>
       <p:ext uri="{BB962C8B-B14F-4D97-AF65-F5344CB8AC3E}">
-        <p14:creationId xmlns:p14="http://schemas.microsoft.com/office/powerpoint/2010/main" val="3025381739"/>
+        <p14:creationId xmlns:p14="http://schemas.microsoft.com/office/powerpoint/2010/main" val="58874259"/>
       </p:ext>
     </p:extLst>
   </p:cSld>
@@ -2664,12 +3167,13 @@
             </a:pPr>
             <a:r>
               <a:rPr lang="en-US" dirty="0"/>
-              <a:t>The device</a:t>
+              <a:t>The application has to be not running. Either it was intentionally</a:t>
             </a:r>
             <a:r>
               <a:rPr lang="en-US" baseline="0" dirty="0"/>
-              <a:t> will try to keep several apps in a suspended state for quick reactivation back to the most recent state</a:t>
-            </a:r>
+              <a:t> closed, terminated, crashed or hasn’t been opened since the phone was turned on</a:t>
+            </a:r>
+            <a:endParaRPr lang="en-US" dirty="0"/>
           </a:p>
         </p:txBody>
       </p:sp>
@@ -2699,7 +3203,7 @@
     </p:spTree>
     <p:extLst>
       <p:ext uri="{BB962C8B-B14F-4D97-AF65-F5344CB8AC3E}">
-        <p14:creationId xmlns:p14="http://schemas.microsoft.com/office/powerpoint/2010/main" val="2348682393"/>
+        <p14:creationId xmlns:p14="http://schemas.microsoft.com/office/powerpoint/2010/main" val="1581277649"/>
       </p:ext>
     </p:extLst>
   </p:cSld>
@@ -2856,7 +3360,7 @@
           <a:p>
             <a:fld id="{0459C166-16D3-4A25-A2F8-C51E0E346B22}" type="datetimeFigureOut">
               <a:rPr lang="en-US" smtClean="0"/>
-              <a:t>6/16/16</a:t>
+              <a:t>6/28/16</a:t>
             </a:fld>
             <a:endParaRPr lang="en-US"/>
           </a:p>
@@ -3220,7 +3724,7 @@
           <a:p>
             <a:fld id="{0459C166-16D3-4A25-A2F8-C51E0E346B22}" type="datetimeFigureOut">
               <a:rPr lang="en-US" smtClean="0"/>
-              <a:t>6/16/16</a:t>
+              <a:t>6/28/16</a:t>
             </a:fld>
             <a:endParaRPr lang="en-US"/>
           </a:p>
@@ -3337,7 +3841,7 @@
           <a:p>
             <a:fld id="{0459C166-16D3-4A25-A2F8-C51E0E346B22}" type="datetimeFigureOut">
               <a:rPr lang="en-US" smtClean="0"/>
-              <a:t>6/16/16</a:t>
+              <a:t>6/28/16</a:t>
             </a:fld>
             <a:endParaRPr lang="en-US"/>
           </a:p>
@@ -3432,7 +3936,7 @@
           <a:p>
             <a:fld id="{0459C166-16D3-4A25-A2F8-C51E0E346B22}" type="datetimeFigureOut">
               <a:rPr lang="en-US" smtClean="0"/>
-              <a:t>6/16/16</a:t>
+              <a:t>6/28/16</a:t>
             </a:fld>
             <a:endParaRPr lang="en-US"/>
           </a:p>
@@ -3707,7 +4211,7 @@
           <a:p>
             <a:fld id="{0459C166-16D3-4A25-A2F8-C51E0E346B22}" type="datetimeFigureOut">
               <a:rPr lang="en-US" smtClean="0"/>
-              <a:t>6/16/16</a:t>
+              <a:t>6/28/16</a:t>
             </a:fld>
             <a:endParaRPr lang="en-US"/>
           </a:p>
@@ -3959,7 +4463,7 @@
           <a:p>
             <a:fld id="{0459C166-16D3-4A25-A2F8-C51E0E346B22}" type="datetimeFigureOut">
               <a:rPr lang="en-US" smtClean="0"/>
-              <a:t>6/16/16</a:t>
+              <a:t>6/28/16</a:t>
             </a:fld>
             <a:endParaRPr lang="en-US"/>
           </a:p>
@@ -4127,7 +4631,7 @@
           <a:p>
             <a:fld id="{0459C166-16D3-4A25-A2F8-C51E0E346B22}" type="datetimeFigureOut">
               <a:rPr lang="en-US" smtClean="0"/>
-              <a:t>6/16/16</a:t>
+              <a:t>6/28/16</a:t>
             </a:fld>
             <a:endParaRPr lang="en-US"/>
           </a:p>
@@ -4305,7 +4809,7 @@
           <a:p>
             <a:fld id="{0459C166-16D3-4A25-A2F8-C51E0E346B22}" type="datetimeFigureOut">
               <a:rPr lang="en-US" smtClean="0"/>
-              <a:t>6/16/16</a:t>
+              <a:t>6/28/16</a:t>
             </a:fld>
             <a:endParaRPr lang="en-US"/>
           </a:p>
@@ -4473,7 +4977,7 @@
           <a:p>
             <a:fld id="{0459C166-16D3-4A25-A2F8-C51E0E346B22}" type="datetimeFigureOut">
               <a:rPr lang="en-US" smtClean="0"/>
-              <a:t>6/16/16</a:t>
+              <a:t>6/28/16</a:t>
             </a:fld>
             <a:endParaRPr lang="en-US"/>
           </a:p>
@@ -4737,7 +5241,7 @@
             <a:fld id="{0459C166-16D3-4A25-A2F8-C51E0E346B22}" type="datetimeFigureOut">
               <a:rPr lang="en-US" smtClean="0"/>
               <a:pPr/>
-              <a:t>6/16/16</a:t>
+              <a:t>6/28/16</a:t>
             </a:fld>
             <a:endParaRPr lang="en-US"/>
           </a:p>
@@ -5053,7 +5557,7 @@
           <a:p>
             <a:fld id="{0459C166-16D3-4A25-A2F8-C51E0E346B22}" type="datetimeFigureOut">
               <a:rPr lang="en-US" smtClean="0"/>
-              <a:t>6/16/16</a:t>
+              <a:t>6/28/16</a:t>
             </a:fld>
             <a:endParaRPr lang="en-US"/>
           </a:p>
@@ -5445,7 +5949,7 @@
           <a:p>
             <a:fld id="{0459C166-16D3-4A25-A2F8-C51E0E346B22}" type="datetimeFigureOut">
               <a:rPr lang="en-US" smtClean="0"/>
-              <a:t>6/16/16</a:t>
+              <a:t>6/28/16</a:t>
             </a:fld>
             <a:endParaRPr lang="en-US"/>
           </a:p>
@@ -6406,7 +6910,7 @@
           <a:p>
             <a:fld id="{0459C166-16D3-4A25-A2F8-C51E0E346B22}" type="datetimeFigureOut">
               <a:rPr lang="en-US" smtClean="0"/>
-              <a:t>6/16/16</a:t>
+              <a:t>6/28/16</a:t>
             </a:fld>
             <a:endParaRPr lang="en-US"/>
           </a:p>
@@ -6617,7 +7121,7 @@
           <a:p>
             <a:fld id="{0459C166-16D3-4A25-A2F8-C51E0E346B22}" type="datetimeFigureOut">
               <a:rPr lang="en-US" smtClean="0"/>
-              <a:t>6/16/16</a:t>
+              <a:t>6/28/16</a:t>
             </a:fld>
             <a:endParaRPr lang="en-US"/>
           </a:p>
@@ -7079,21 +7583,8 @@
                   <a:srgbClr val="FFFF00"/>
                 </a:solidFill>
               </a:rPr>
-              <a:t>Module 3, Lesson </a:t>
-            </a:r>
-            <a:r>
-              <a:rPr lang="en-US" sz="4000" dirty="0" smtClean="0">
-                <a:solidFill>
-                  <a:srgbClr val="FFFF00"/>
-                </a:solidFill>
-              </a:rPr>
-              <a:t>7:</a:t>
-            </a:r>
-            <a:endParaRPr lang="en-US" sz="4000" dirty="0">
-              <a:solidFill>
-                <a:srgbClr val="FFFF00"/>
-              </a:solidFill>
-            </a:endParaRPr>
+              <a:t>Module 3, Lesson 7:</a:t>
+            </a:r>
           </a:p>
           <a:p>
             <a:r>
@@ -7122,6 +7613,1209 @@
 </file>
 
 <file path=ppt/slides/slide10.xml><?xml version="1.0" encoding="utf-8"?>
+<p:sld xmlns:a="http://schemas.openxmlformats.org/drawingml/2006/main" xmlns:r="http://schemas.openxmlformats.org/officeDocument/2006/relationships" xmlns:p="http://schemas.openxmlformats.org/presentationml/2006/main">
+  <p:cSld>
+    <p:spTree>
+      <p:nvGrpSpPr>
+        <p:cNvPr id="1" name=""/>
+        <p:cNvGrpSpPr/>
+        <p:nvPr/>
+      </p:nvGrpSpPr>
+      <p:grpSpPr>
+        <a:xfrm>
+          <a:off x="0" y="0"/>
+          <a:ext cx="0" cy="0"/>
+          <a:chOff x="0" y="0"/>
+          <a:chExt cx="0" cy="0"/>
+        </a:xfrm>
+      </p:grpSpPr>
+      <p:sp>
+        <p:nvSpPr>
+          <p:cNvPr id="2" name="Title 1"/>
+          <p:cNvSpPr>
+            <a:spLocks noGrp="1"/>
+          </p:cNvSpPr>
+          <p:nvPr>
+            <p:ph type="title"/>
+          </p:nvPr>
+        </p:nvSpPr>
+        <p:spPr/>
+        <p:txBody>
+          <a:bodyPr/>
+          <a:lstStyle/>
+          <a:p>
+            <a:r>
+              <a:rPr lang="en-US" dirty="0"/>
+              <a:t>Windows Phone Application Lifecycle</a:t>
+            </a:r>
+          </a:p>
+        </p:txBody>
+      </p:sp>
+      <p:grpSp>
+        <p:nvGrpSpPr>
+          <p:cNvPr id="3" name="Group 2"/>
+          <p:cNvGrpSpPr/>
+          <p:nvPr/>
+        </p:nvGrpSpPr>
+        <p:grpSpPr>
+          <a:xfrm>
+            <a:off x="4251023" y="1690688"/>
+            <a:ext cx="3902378" cy="4351338"/>
+            <a:chOff x="4251023" y="1690688"/>
+            <a:chExt cx="3902378" cy="4351338"/>
+          </a:xfrm>
+        </p:grpSpPr>
+        <p:cxnSp>
+          <p:nvCxnSpPr>
+            <p:cNvPr id="16" name="Elbow Connector 15"/>
+            <p:cNvCxnSpPr/>
+            <p:nvPr/>
+          </p:nvCxnSpPr>
+          <p:spPr>
+            <a:xfrm rot="10800000">
+              <a:off x="4251023" y="2050886"/>
+              <a:ext cx="12700" cy="3630941"/>
+            </a:xfrm>
+            <a:prstGeom prst="bentConnector3">
+              <a:avLst>
+                <a:gd name="adj1" fmla="val 1800000"/>
+              </a:avLst>
+            </a:prstGeom>
+            <a:ln w="57150" cmpd="sng">
+              <a:solidFill>
+                <a:srgbClr val="8D8787"/>
+              </a:solidFill>
+              <a:headEnd type="none" w="med" len="med"/>
+              <a:tailEnd type="triangle"/>
+            </a:ln>
+          </p:spPr>
+          <p:style>
+            <a:lnRef idx="1">
+              <a:schemeClr val="accent1"/>
+            </a:lnRef>
+            <a:fillRef idx="0">
+              <a:schemeClr val="accent1"/>
+            </a:fillRef>
+            <a:effectRef idx="0">
+              <a:schemeClr val="accent1"/>
+            </a:effectRef>
+            <a:fontRef idx="minor">
+              <a:schemeClr val="tx1"/>
+            </a:fontRef>
+          </p:style>
+        </p:cxnSp>
+        <p:sp>
+          <p:nvSpPr>
+            <p:cNvPr id="15" name="Rectangle 14"/>
+            <p:cNvSpPr/>
+            <p:nvPr/>
+          </p:nvSpPr>
+          <p:spPr>
+            <a:xfrm>
+              <a:off x="4270074" y="1690688"/>
+              <a:ext cx="3883326" cy="720397"/>
+            </a:xfrm>
+            <a:prstGeom prst="rect">
+              <a:avLst/>
+            </a:prstGeom>
+            <a:solidFill>
+              <a:srgbClr val="00B0F0"/>
+            </a:solidFill>
+            <a:ln>
+              <a:noFill/>
+            </a:ln>
+          </p:spPr>
+          <p:style>
+            <a:lnRef idx="2">
+              <a:schemeClr val="accent1">
+                <a:shade val="50000"/>
+              </a:schemeClr>
+            </a:lnRef>
+            <a:fillRef idx="1">
+              <a:schemeClr val="accent1"/>
+            </a:fillRef>
+            <a:effectRef idx="0">
+              <a:schemeClr val="accent1"/>
+            </a:effectRef>
+            <a:fontRef idx="minor">
+              <a:schemeClr val="lt1"/>
+            </a:fontRef>
+          </p:style>
+          <p:txBody>
+            <a:bodyPr rtlCol="0" anchor="ctr"/>
+            <a:lstStyle/>
+            <a:p>
+              <a:pPr algn="ctr"/>
+              <a:endParaRPr lang="en-US" dirty="0">
+                <a:solidFill>
+                  <a:schemeClr val="bg1"/>
+                </a:solidFill>
+              </a:endParaRPr>
+            </a:p>
+          </p:txBody>
+        </p:sp>
+        <p:sp>
+          <p:nvSpPr>
+            <p:cNvPr id="5" name="TextBox 4"/>
+            <p:cNvSpPr txBox="1"/>
+            <p:nvPr/>
+          </p:nvSpPr>
+          <p:spPr>
+            <a:xfrm>
+              <a:off x="4270076" y="1789276"/>
+              <a:ext cx="3883325" cy="523220"/>
+            </a:xfrm>
+            <a:prstGeom prst="rect">
+              <a:avLst/>
+            </a:prstGeom>
+            <a:noFill/>
+          </p:spPr>
+          <p:txBody>
+            <a:bodyPr wrap="square" rtlCol="0" anchor="ctr">
+              <a:spAutoFit/>
+            </a:bodyPr>
+            <a:lstStyle/>
+            <a:p>
+              <a:pPr algn="ctr"/>
+              <a:r>
+                <a:rPr lang="en-US" sz="2800" dirty="0">
+                  <a:solidFill>
+                    <a:schemeClr val="bg1"/>
+                  </a:solidFill>
+                </a:rPr>
+                <a:t>Launched</a:t>
+              </a:r>
+            </a:p>
+          </p:txBody>
+        </p:sp>
+        <p:sp>
+          <p:nvSpPr>
+            <p:cNvPr id="6" name="Rectangle 5"/>
+            <p:cNvSpPr/>
+            <p:nvPr/>
+          </p:nvSpPr>
+          <p:spPr>
+            <a:xfrm>
+              <a:off x="4270075" y="5321629"/>
+              <a:ext cx="3883326" cy="720397"/>
+            </a:xfrm>
+            <a:prstGeom prst="rect">
+              <a:avLst/>
+            </a:prstGeom>
+            <a:solidFill>
+              <a:srgbClr val="00B0F0"/>
+            </a:solidFill>
+            <a:ln>
+              <a:noFill/>
+            </a:ln>
+          </p:spPr>
+          <p:style>
+            <a:lnRef idx="2">
+              <a:schemeClr val="accent1">
+                <a:shade val="50000"/>
+              </a:schemeClr>
+            </a:lnRef>
+            <a:fillRef idx="1">
+              <a:schemeClr val="accent1"/>
+            </a:fillRef>
+            <a:effectRef idx="0">
+              <a:schemeClr val="accent1"/>
+            </a:effectRef>
+            <a:fontRef idx="minor">
+              <a:schemeClr val="lt1"/>
+            </a:fontRef>
+          </p:style>
+          <p:txBody>
+            <a:bodyPr rtlCol="0" anchor="ctr"/>
+            <a:lstStyle/>
+            <a:p>
+              <a:pPr algn="ctr"/>
+              <a:endParaRPr lang="en-US">
+                <a:solidFill>
+                  <a:schemeClr val="bg1"/>
+                </a:solidFill>
+              </a:endParaRPr>
+            </a:p>
+          </p:txBody>
+        </p:sp>
+        <p:sp>
+          <p:nvSpPr>
+            <p:cNvPr id="7" name="TextBox 6"/>
+            <p:cNvSpPr txBox="1"/>
+            <p:nvPr/>
+          </p:nvSpPr>
+          <p:spPr>
+            <a:xfrm>
+              <a:off x="4270076" y="5420217"/>
+              <a:ext cx="3883325" cy="523220"/>
+            </a:xfrm>
+            <a:prstGeom prst="rect">
+              <a:avLst/>
+            </a:prstGeom>
+            <a:noFill/>
+          </p:spPr>
+          <p:txBody>
+            <a:bodyPr wrap="square" rtlCol="0" anchor="ctr">
+              <a:spAutoFit/>
+            </a:bodyPr>
+            <a:lstStyle/>
+            <a:p>
+              <a:pPr algn="ctr"/>
+              <a:r>
+                <a:rPr lang="en-US" sz="2800" dirty="0">
+                  <a:solidFill>
+                    <a:schemeClr val="bg1"/>
+                  </a:solidFill>
+                </a:rPr>
+                <a:t>Terminated</a:t>
+              </a:r>
+            </a:p>
+          </p:txBody>
+        </p:sp>
+        <p:sp>
+          <p:nvSpPr>
+            <p:cNvPr id="8" name="Rectangle 7"/>
+            <p:cNvSpPr/>
+            <p:nvPr/>
+          </p:nvSpPr>
+          <p:spPr>
+            <a:xfrm>
+              <a:off x="4270074" y="2924313"/>
+              <a:ext cx="3883326" cy="720397"/>
+            </a:xfrm>
+            <a:prstGeom prst="rect">
+              <a:avLst/>
+            </a:prstGeom>
+            <a:solidFill>
+              <a:srgbClr val="00B0F0"/>
+            </a:solidFill>
+            <a:ln>
+              <a:noFill/>
+            </a:ln>
+          </p:spPr>
+          <p:style>
+            <a:lnRef idx="2">
+              <a:schemeClr val="accent1">
+                <a:shade val="50000"/>
+              </a:schemeClr>
+            </a:lnRef>
+            <a:fillRef idx="1">
+              <a:schemeClr val="accent1"/>
+            </a:fillRef>
+            <a:effectRef idx="0">
+              <a:schemeClr val="accent1"/>
+            </a:effectRef>
+            <a:fontRef idx="minor">
+              <a:schemeClr val="lt1"/>
+            </a:fontRef>
+          </p:style>
+          <p:txBody>
+            <a:bodyPr rtlCol="0" anchor="ctr"/>
+            <a:lstStyle/>
+            <a:p>
+              <a:pPr algn="ctr"/>
+              <a:endParaRPr lang="en-US">
+                <a:solidFill>
+                  <a:schemeClr val="bg1"/>
+                </a:solidFill>
+              </a:endParaRPr>
+            </a:p>
+          </p:txBody>
+        </p:sp>
+        <p:sp>
+          <p:nvSpPr>
+            <p:cNvPr id="9" name="TextBox 8"/>
+            <p:cNvSpPr txBox="1"/>
+            <p:nvPr/>
+          </p:nvSpPr>
+          <p:spPr>
+            <a:xfrm>
+              <a:off x="4270075" y="3022901"/>
+              <a:ext cx="3883325" cy="523220"/>
+            </a:xfrm>
+            <a:prstGeom prst="rect">
+              <a:avLst/>
+            </a:prstGeom>
+            <a:noFill/>
+          </p:spPr>
+          <p:txBody>
+            <a:bodyPr wrap="square" rtlCol="0" anchor="ctr">
+              <a:spAutoFit/>
+            </a:bodyPr>
+            <a:lstStyle/>
+            <a:p>
+              <a:pPr algn="ctr"/>
+              <a:r>
+                <a:rPr lang="en-US" sz="2800" dirty="0">
+                  <a:solidFill>
+                    <a:schemeClr val="bg1"/>
+                  </a:solidFill>
+                </a:rPr>
+                <a:t>Running</a:t>
+              </a:r>
+            </a:p>
+          </p:txBody>
+        </p:sp>
+        <p:sp>
+          <p:nvSpPr>
+            <p:cNvPr id="10" name="Rectangle 9"/>
+            <p:cNvSpPr/>
+            <p:nvPr/>
+          </p:nvSpPr>
+          <p:spPr>
+            <a:xfrm>
+              <a:off x="4270074" y="4157938"/>
+              <a:ext cx="3883326" cy="720397"/>
+            </a:xfrm>
+            <a:prstGeom prst="rect">
+              <a:avLst/>
+            </a:prstGeom>
+            <a:solidFill>
+              <a:srgbClr val="00B0F0"/>
+            </a:solidFill>
+            <a:ln>
+              <a:noFill/>
+            </a:ln>
+          </p:spPr>
+          <p:style>
+            <a:lnRef idx="2">
+              <a:schemeClr val="accent1">
+                <a:shade val="50000"/>
+              </a:schemeClr>
+            </a:lnRef>
+            <a:fillRef idx="1">
+              <a:schemeClr val="accent1"/>
+            </a:fillRef>
+            <a:effectRef idx="0">
+              <a:schemeClr val="accent1"/>
+            </a:effectRef>
+            <a:fontRef idx="minor">
+              <a:schemeClr val="lt1"/>
+            </a:fontRef>
+          </p:style>
+          <p:txBody>
+            <a:bodyPr rtlCol="0" anchor="ctr"/>
+            <a:lstStyle/>
+            <a:p>
+              <a:pPr algn="ctr"/>
+              <a:endParaRPr lang="en-US">
+                <a:solidFill>
+                  <a:schemeClr val="bg1"/>
+                </a:solidFill>
+              </a:endParaRPr>
+            </a:p>
+          </p:txBody>
+        </p:sp>
+        <p:sp>
+          <p:nvSpPr>
+            <p:cNvPr id="11" name="TextBox 10"/>
+            <p:cNvSpPr txBox="1"/>
+            <p:nvPr/>
+          </p:nvSpPr>
+          <p:spPr>
+            <a:xfrm>
+              <a:off x="4270075" y="4256526"/>
+              <a:ext cx="3883325" cy="523220"/>
+            </a:xfrm>
+            <a:prstGeom prst="rect">
+              <a:avLst/>
+            </a:prstGeom>
+            <a:noFill/>
+          </p:spPr>
+          <p:txBody>
+            <a:bodyPr wrap="square" rtlCol="0" anchor="ctr">
+              <a:spAutoFit/>
+            </a:bodyPr>
+            <a:lstStyle/>
+            <a:p>
+              <a:pPr algn="ctr"/>
+              <a:r>
+                <a:rPr lang="en-US" sz="2800" dirty="0">
+                  <a:solidFill>
+                    <a:schemeClr val="bg1"/>
+                  </a:solidFill>
+                </a:rPr>
+                <a:t>Suspended</a:t>
+              </a:r>
+            </a:p>
+          </p:txBody>
+        </p:sp>
+        <p:cxnSp>
+          <p:nvCxnSpPr>
+            <p:cNvPr id="13" name="Straight Arrow Connector 12"/>
+            <p:cNvCxnSpPr>
+              <a:endCxn id="10" idx="0"/>
+            </p:cNvCxnSpPr>
+            <p:nvPr/>
+          </p:nvCxnSpPr>
+          <p:spPr>
+            <a:xfrm>
+              <a:off x="6211737" y="3644710"/>
+              <a:ext cx="0" cy="513228"/>
+            </a:xfrm>
+            <a:prstGeom prst="straightConnector1">
+              <a:avLst/>
+            </a:prstGeom>
+            <a:ln w="57150" cmpd="sng">
+              <a:solidFill>
+                <a:srgbClr val="8D8787"/>
+              </a:solidFill>
+              <a:headEnd type="triangle"/>
+              <a:tailEnd type="triangle"/>
+            </a:ln>
+          </p:spPr>
+          <p:style>
+            <a:lnRef idx="1">
+              <a:schemeClr val="accent1"/>
+            </a:lnRef>
+            <a:fillRef idx="0">
+              <a:schemeClr val="accent1"/>
+            </a:fillRef>
+            <a:effectRef idx="0">
+              <a:schemeClr val="accent1"/>
+            </a:effectRef>
+            <a:fontRef idx="minor">
+              <a:schemeClr val="tx1"/>
+            </a:fontRef>
+          </p:style>
+        </p:cxnSp>
+        <p:cxnSp>
+          <p:nvCxnSpPr>
+            <p:cNvPr id="21" name="Straight Arrow Connector 20"/>
+            <p:cNvCxnSpPr>
+              <a:stCxn id="15" idx="2"/>
+              <a:endCxn id="8" idx="0"/>
+            </p:cNvCxnSpPr>
+            <p:nvPr/>
+          </p:nvCxnSpPr>
+          <p:spPr>
+            <a:xfrm>
+              <a:off x="6211737" y="2411085"/>
+              <a:ext cx="0" cy="513228"/>
+            </a:xfrm>
+            <a:prstGeom prst="straightConnector1">
+              <a:avLst/>
+            </a:prstGeom>
+            <a:ln w="57150" cmpd="sng">
+              <a:solidFill>
+                <a:srgbClr val="8D8787"/>
+              </a:solidFill>
+              <a:headEnd type="none" w="med" len="med"/>
+              <a:tailEnd type="triangle"/>
+            </a:ln>
+          </p:spPr>
+          <p:style>
+            <a:lnRef idx="1">
+              <a:schemeClr val="accent1"/>
+            </a:lnRef>
+            <a:fillRef idx="0">
+              <a:schemeClr val="accent1"/>
+            </a:fillRef>
+            <a:effectRef idx="0">
+              <a:schemeClr val="accent1"/>
+            </a:effectRef>
+            <a:fontRef idx="minor">
+              <a:schemeClr val="tx1"/>
+            </a:fontRef>
+          </p:style>
+        </p:cxnSp>
+        <p:cxnSp>
+          <p:nvCxnSpPr>
+            <p:cNvPr id="23" name="Straight Arrow Connector 22"/>
+            <p:cNvCxnSpPr>
+              <a:stCxn id="10" idx="2"/>
+              <a:endCxn id="6" idx="0"/>
+            </p:cNvCxnSpPr>
+            <p:nvPr/>
+          </p:nvCxnSpPr>
+          <p:spPr>
+            <a:xfrm>
+              <a:off x="6211737" y="4878335"/>
+              <a:ext cx="1" cy="443294"/>
+            </a:xfrm>
+            <a:prstGeom prst="straightConnector1">
+              <a:avLst/>
+            </a:prstGeom>
+            <a:ln w="57150" cmpd="sng">
+              <a:solidFill>
+                <a:srgbClr val="8D8787"/>
+              </a:solidFill>
+              <a:headEnd type="none" w="med" len="med"/>
+              <a:tailEnd type="triangle"/>
+            </a:ln>
+          </p:spPr>
+          <p:style>
+            <a:lnRef idx="1">
+              <a:schemeClr val="accent1"/>
+            </a:lnRef>
+            <a:fillRef idx="0">
+              <a:schemeClr val="accent1"/>
+            </a:fillRef>
+            <a:effectRef idx="0">
+              <a:schemeClr val="accent1"/>
+            </a:effectRef>
+            <a:fontRef idx="minor">
+              <a:schemeClr val="tx1"/>
+            </a:fontRef>
+          </p:style>
+        </p:cxnSp>
+      </p:grpSp>
+    </p:spTree>
+    <p:extLst>
+      <p:ext uri="{BB962C8B-B14F-4D97-AF65-F5344CB8AC3E}">
+        <p14:creationId xmlns:p14="http://schemas.microsoft.com/office/powerpoint/2010/main" val="393398868"/>
+      </p:ext>
+    </p:extLst>
+  </p:cSld>
+  <p:clrMapOvr>
+    <a:masterClrMapping/>
+  </p:clrMapOvr>
+</p:sld>
+</file>
+
+<file path=ppt/slides/slide11.xml><?xml version="1.0" encoding="utf-8"?>
+<p:sld xmlns:a="http://schemas.openxmlformats.org/drawingml/2006/main" xmlns:r="http://schemas.openxmlformats.org/officeDocument/2006/relationships" xmlns:p="http://schemas.openxmlformats.org/presentationml/2006/main">
+  <p:cSld>
+    <p:spTree>
+      <p:nvGrpSpPr>
+        <p:cNvPr id="1" name=""/>
+        <p:cNvGrpSpPr/>
+        <p:nvPr/>
+      </p:nvGrpSpPr>
+      <p:grpSpPr>
+        <a:xfrm>
+          <a:off x="0" y="0"/>
+          <a:ext cx="0" cy="0"/>
+          <a:chOff x="0" y="0"/>
+          <a:chExt cx="0" cy="0"/>
+        </a:xfrm>
+      </p:grpSpPr>
+      <p:sp>
+        <p:nvSpPr>
+          <p:cNvPr id="2" name="Title 1"/>
+          <p:cNvSpPr>
+            <a:spLocks noGrp="1"/>
+          </p:cNvSpPr>
+          <p:nvPr>
+            <p:ph type="title"/>
+          </p:nvPr>
+        </p:nvSpPr>
+        <p:spPr/>
+        <p:txBody>
+          <a:bodyPr/>
+          <a:lstStyle/>
+          <a:p>
+            <a:r>
+              <a:rPr lang="en-US" dirty="0"/>
+              <a:t>Launched</a:t>
+            </a:r>
+          </a:p>
+        </p:txBody>
+      </p:sp>
+      <p:sp>
+        <p:nvSpPr>
+          <p:cNvPr id="3" name="Content Placeholder 2"/>
+          <p:cNvSpPr>
+            <a:spLocks noGrp="1"/>
+          </p:cNvSpPr>
+          <p:nvPr>
+            <p:ph idx="1"/>
+          </p:nvPr>
+        </p:nvSpPr>
+        <p:spPr>
+          <a:xfrm>
+            <a:off x="838200" y="1825625"/>
+            <a:ext cx="6353908" cy="4351338"/>
+          </a:xfrm>
+        </p:spPr>
+        <p:txBody>
+          <a:bodyPr/>
+          <a:lstStyle/>
+          <a:p>
+            <a:pPr>
+              <a:buFont typeface="Wingdings" charset="2"/>
+              <a:buChar char="§"/>
+            </a:pPr>
+            <a:r>
+              <a:rPr lang="en-US" dirty="0"/>
+              <a:t>When application is started</a:t>
+            </a:r>
+          </a:p>
+          <a:p>
+            <a:pPr>
+              <a:buFont typeface="Wingdings" charset="2"/>
+              <a:buChar char="§"/>
+            </a:pPr>
+            <a:r>
+              <a:rPr lang="en-US" dirty="0"/>
+              <a:t>Not running or in the background</a:t>
+            </a:r>
+          </a:p>
+          <a:p>
+            <a:pPr>
+              <a:buFont typeface="Wingdings" charset="2"/>
+              <a:buChar char="§"/>
+            </a:pPr>
+            <a:r>
+              <a:rPr lang="en-US" dirty="0"/>
+              <a:t>Activates the application</a:t>
+            </a:r>
+          </a:p>
+          <a:p>
+            <a:pPr>
+              <a:buFont typeface="Wingdings" charset="2"/>
+              <a:buChar char="§"/>
+            </a:pPr>
+            <a:r>
+              <a:rPr lang="en-US" dirty="0"/>
+              <a:t>Run any startup code</a:t>
+            </a:r>
+          </a:p>
+          <a:p>
+            <a:pPr lvl="1">
+              <a:buFont typeface="Wingdings" charset="2"/>
+              <a:buChar char="§"/>
+            </a:pPr>
+            <a:r>
+              <a:rPr lang="en-US" dirty="0"/>
+              <a:t>Loading a start page</a:t>
+            </a:r>
+          </a:p>
+          <a:p>
+            <a:pPr lvl="1">
+              <a:buFont typeface="Wingdings" charset="2"/>
+              <a:buChar char="§"/>
+            </a:pPr>
+            <a:r>
+              <a:rPr lang="en-US" dirty="0"/>
+              <a:t>Get initial data</a:t>
+            </a:r>
+          </a:p>
+        </p:txBody>
+      </p:sp>
+      <p:grpSp>
+        <p:nvGrpSpPr>
+          <p:cNvPr id="17" name="Group 16"/>
+          <p:cNvGrpSpPr/>
+          <p:nvPr/>
+        </p:nvGrpSpPr>
+        <p:grpSpPr>
+          <a:xfrm>
+            <a:off x="7530022" y="1690688"/>
+            <a:ext cx="3902378" cy="4351338"/>
+            <a:chOff x="4251023" y="1690688"/>
+            <a:chExt cx="3902378" cy="4351338"/>
+          </a:xfrm>
+        </p:grpSpPr>
+        <p:cxnSp>
+          <p:nvCxnSpPr>
+            <p:cNvPr id="18" name="Elbow Connector 17"/>
+            <p:cNvCxnSpPr/>
+            <p:nvPr/>
+          </p:nvCxnSpPr>
+          <p:spPr>
+            <a:xfrm rot="10800000">
+              <a:off x="4251023" y="2050886"/>
+              <a:ext cx="12700" cy="3630941"/>
+            </a:xfrm>
+            <a:prstGeom prst="bentConnector3">
+              <a:avLst>
+                <a:gd name="adj1" fmla="val 1800000"/>
+              </a:avLst>
+            </a:prstGeom>
+            <a:ln w="57150" cmpd="sng">
+              <a:solidFill>
+                <a:srgbClr val="8D8787"/>
+              </a:solidFill>
+              <a:headEnd type="none" w="med" len="med"/>
+              <a:tailEnd type="triangle"/>
+            </a:ln>
+          </p:spPr>
+          <p:style>
+            <a:lnRef idx="1">
+              <a:schemeClr val="accent1"/>
+            </a:lnRef>
+            <a:fillRef idx="0">
+              <a:schemeClr val="accent1"/>
+            </a:fillRef>
+            <a:effectRef idx="0">
+              <a:schemeClr val="accent1"/>
+            </a:effectRef>
+            <a:fontRef idx="minor">
+              <a:schemeClr val="tx1"/>
+            </a:fontRef>
+          </p:style>
+        </p:cxnSp>
+        <p:sp>
+          <p:nvSpPr>
+            <p:cNvPr id="19" name="Rectangle 18"/>
+            <p:cNvSpPr/>
+            <p:nvPr/>
+          </p:nvSpPr>
+          <p:spPr>
+            <a:xfrm>
+              <a:off x="4270074" y="1690688"/>
+              <a:ext cx="3883326" cy="720397"/>
+            </a:xfrm>
+            <a:prstGeom prst="rect">
+              <a:avLst/>
+            </a:prstGeom>
+            <a:solidFill>
+              <a:srgbClr val="2E75B5"/>
+            </a:solidFill>
+            <a:ln>
+              <a:noFill/>
+            </a:ln>
+          </p:spPr>
+          <p:style>
+            <a:lnRef idx="2">
+              <a:schemeClr val="accent1">
+                <a:shade val="50000"/>
+              </a:schemeClr>
+            </a:lnRef>
+            <a:fillRef idx="1">
+              <a:schemeClr val="accent1"/>
+            </a:fillRef>
+            <a:effectRef idx="0">
+              <a:schemeClr val="accent1"/>
+            </a:effectRef>
+            <a:fontRef idx="minor">
+              <a:schemeClr val="lt1"/>
+            </a:fontRef>
+          </p:style>
+          <p:txBody>
+            <a:bodyPr rtlCol="0" anchor="ctr"/>
+            <a:lstStyle/>
+            <a:p>
+              <a:pPr algn="ctr"/>
+              <a:endParaRPr lang="en-US" dirty="0">
+                <a:solidFill>
+                  <a:schemeClr val="bg1"/>
+                </a:solidFill>
+              </a:endParaRPr>
+            </a:p>
+          </p:txBody>
+        </p:sp>
+        <p:sp>
+          <p:nvSpPr>
+            <p:cNvPr id="20" name="TextBox 19"/>
+            <p:cNvSpPr txBox="1"/>
+            <p:nvPr/>
+          </p:nvSpPr>
+          <p:spPr>
+            <a:xfrm>
+              <a:off x="4270076" y="1789276"/>
+              <a:ext cx="3883325" cy="523220"/>
+            </a:xfrm>
+            <a:prstGeom prst="rect">
+              <a:avLst/>
+            </a:prstGeom>
+            <a:noFill/>
+          </p:spPr>
+          <p:txBody>
+            <a:bodyPr wrap="square" rtlCol="0" anchor="ctr">
+              <a:spAutoFit/>
+            </a:bodyPr>
+            <a:lstStyle/>
+            <a:p>
+              <a:pPr algn="ctr"/>
+              <a:r>
+                <a:rPr lang="en-US" sz="2800" dirty="0">
+                  <a:solidFill>
+                    <a:schemeClr val="bg1"/>
+                  </a:solidFill>
+                </a:rPr>
+                <a:t>Launched</a:t>
+              </a:r>
+            </a:p>
+          </p:txBody>
+        </p:sp>
+        <p:sp>
+          <p:nvSpPr>
+            <p:cNvPr id="21" name="Rectangle 20"/>
+            <p:cNvSpPr/>
+            <p:nvPr/>
+          </p:nvSpPr>
+          <p:spPr>
+            <a:xfrm>
+              <a:off x="4270075" y="5321629"/>
+              <a:ext cx="3883326" cy="720397"/>
+            </a:xfrm>
+            <a:prstGeom prst="rect">
+              <a:avLst/>
+            </a:prstGeom>
+            <a:solidFill>
+              <a:srgbClr val="00B0F0"/>
+            </a:solidFill>
+            <a:ln>
+              <a:noFill/>
+            </a:ln>
+          </p:spPr>
+          <p:style>
+            <a:lnRef idx="2">
+              <a:schemeClr val="accent1">
+                <a:shade val="50000"/>
+              </a:schemeClr>
+            </a:lnRef>
+            <a:fillRef idx="1">
+              <a:schemeClr val="accent1"/>
+            </a:fillRef>
+            <a:effectRef idx="0">
+              <a:schemeClr val="accent1"/>
+            </a:effectRef>
+            <a:fontRef idx="minor">
+              <a:schemeClr val="lt1"/>
+            </a:fontRef>
+          </p:style>
+          <p:txBody>
+            <a:bodyPr rtlCol="0" anchor="ctr"/>
+            <a:lstStyle/>
+            <a:p>
+              <a:pPr algn="ctr"/>
+              <a:endParaRPr lang="en-US">
+                <a:solidFill>
+                  <a:schemeClr val="bg1"/>
+                </a:solidFill>
+              </a:endParaRPr>
+            </a:p>
+          </p:txBody>
+        </p:sp>
+        <p:sp>
+          <p:nvSpPr>
+            <p:cNvPr id="22" name="TextBox 21"/>
+            <p:cNvSpPr txBox="1"/>
+            <p:nvPr/>
+          </p:nvSpPr>
+          <p:spPr>
+            <a:xfrm>
+              <a:off x="4270076" y="5420217"/>
+              <a:ext cx="3883325" cy="523220"/>
+            </a:xfrm>
+            <a:prstGeom prst="rect">
+              <a:avLst/>
+            </a:prstGeom>
+            <a:noFill/>
+          </p:spPr>
+          <p:txBody>
+            <a:bodyPr wrap="square" rtlCol="0" anchor="ctr">
+              <a:spAutoFit/>
+            </a:bodyPr>
+            <a:lstStyle/>
+            <a:p>
+              <a:pPr algn="ctr"/>
+              <a:r>
+                <a:rPr lang="en-US" sz="2800" dirty="0">
+                  <a:solidFill>
+                    <a:schemeClr val="bg1"/>
+                  </a:solidFill>
+                </a:rPr>
+                <a:t>Terminated</a:t>
+              </a:r>
+            </a:p>
+          </p:txBody>
+        </p:sp>
+        <p:sp>
+          <p:nvSpPr>
+            <p:cNvPr id="23" name="Rectangle 22"/>
+            <p:cNvSpPr/>
+            <p:nvPr/>
+          </p:nvSpPr>
+          <p:spPr>
+            <a:xfrm>
+              <a:off x="4270074" y="2924313"/>
+              <a:ext cx="3883326" cy="720397"/>
+            </a:xfrm>
+            <a:prstGeom prst="rect">
+              <a:avLst/>
+            </a:prstGeom>
+            <a:solidFill>
+              <a:srgbClr val="00B0F0"/>
+            </a:solidFill>
+            <a:ln>
+              <a:noFill/>
+            </a:ln>
+          </p:spPr>
+          <p:style>
+            <a:lnRef idx="2">
+              <a:schemeClr val="accent1">
+                <a:shade val="50000"/>
+              </a:schemeClr>
+            </a:lnRef>
+            <a:fillRef idx="1">
+              <a:schemeClr val="accent1"/>
+            </a:fillRef>
+            <a:effectRef idx="0">
+              <a:schemeClr val="accent1"/>
+            </a:effectRef>
+            <a:fontRef idx="minor">
+              <a:schemeClr val="lt1"/>
+            </a:fontRef>
+          </p:style>
+          <p:txBody>
+            <a:bodyPr rtlCol="0" anchor="ctr"/>
+            <a:lstStyle/>
+            <a:p>
+              <a:pPr algn="ctr"/>
+              <a:endParaRPr lang="en-US">
+                <a:solidFill>
+                  <a:schemeClr val="bg1"/>
+                </a:solidFill>
+              </a:endParaRPr>
+            </a:p>
+          </p:txBody>
+        </p:sp>
+        <p:sp>
+          <p:nvSpPr>
+            <p:cNvPr id="24" name="TextBox 23"/>
+            <p:cNvSpPr txBox="1"/>
+            <p:nvPr/>
+          </p:nvSpPr>
+          <p:spPr>
+            <a:xfrm>
+              <a:off x="4270075" y="3022901"/>
+              <a:ext cx="3883325" cy="523220"/>
+            </a:xfrm>
+            <a:prstGeom prst="rect">
+              <a:avLst/>
+            </a:prstGeom>
+            <a:noFill/>
+          </p:spPr>
+          <p:txBody>
+            <a:bodyPr wrap="square" rtlCol="0" anchor="ctr">
+              <a:spAutoFit/>
+            </a:bodyPr>
+            <a:lstStyle/>
+            <a:p>
+              <a:pPr algn="ctr"/>
+              <a:r>
+                <a:rPr lang="en-US" sz="2800" dirty="0">
+                  <a:solidFill>
+                    <a:schemeClr val="bg1"/>
+                  </a:solidFill>
+                </a:rPr>
+                <a:t>Running</a:t>
+              </a:r>
+            </a:p>
+          </p:txBody>
+        </p:sp>
+        <p:sp>
+          <p:nvSpPr>
+            <p:cNvPr id="25" name="Rectangle 24"/>
+            <p:cNvSpPr/>
+            <p:nvPr/>
+          </p:nvSpPr>
+          <p:spPr>
+            <a:xfrm>
+              <a:off x="4270074" y="4157938"/>
+              <a:ext cx="3883326" cy="720397"/>
+            </a:xfrm>
+            <a:prstGeom prst="rect">
+              <a:avLst/>
+            </a:prstGeom>
+            <a:solidFill>
+              <a:srgbClr val="00B0F0"/>
+            </a:solidFill>
+            <a:ln>
+              <a:noFill/>
+            </a:ln>
+          </p:spPr>
+          <p:style>
+            <a:lnRef idx="2">
+              <a:schemeClr val="accent1">
+                <a:shade val="50000"/>
+              </a:schemeClr>
+            </a:lnRef>
+            <a:fillRef idx="1">
+              <a:schemeClr val="accent1"/>
+            </a:fillRef>
+            <a:effectRef idx="0">
+              <a:schemeClr val="accent1"/>
+            </a:effectRef>
+            <a:fontRef idx="minor">
+              <a:schemeClr val="lt1"/>
+            </a:fontRef>
+          </p:style>
+          <p:txBody>
+            <a:bodyPr rtlCol="0" anchor="ctr"/>
+            <a:lstStyle/>
+            <a:p>
+              <a:pPr algn="ctr"/>
+              <a:endParaRPr lang="en-US">
+                <a:solidFill>
+                  <a:schemeClr val="bg1"/>
+                </a:solidFill>
+              </a:endParaRPr>
+            </a:p>
+          </p:txBody>
+        </p:sp>
+        <p:sp>
+          <p:nvSpPr>
+            <p:cNvPr id="26" name="TextBox 25"/>
+            <p:cNvSpPr txBox="1"/>
+            <p:nvPr/>
+          </p:nvSpPr>
+          <p:spPr>
+            <a:xfrm>
+              <a:off x="4270075" y="4256526"/>
+              <a:ext cx="3883325" cy="523220"/>
+            </a:xfrm>
+            <a:prstGeom prst="rect">
+              <a:avLst/>
+            </a:prstGeom>
+            <a:noFill/>
+          </p:spPr>
+          <p:txBody>
+            <a:bodyPr wrap="square" rtlCol="0" anchor="ctr">
+              <a:spAutoFit/>
+            </a:bodyPr>
+            <a:lstStyle/>
+            <a:p>
+              <a:pPr algn="ctr"/>
+              <a:r>
+                <a:rPr lang="en-US" sz="2800" dirty="0">
+                  <a:solidFill>
+                    <a:schemeClr val="bg1"/>
+                  </a:solidFill>
+                </a:rPr>
+                <a:t>Suspended</a:t>
+              </a:r>
+            </a:p>
+          </p:txBody>
+        </p:sp>
+        <p:cxnSp>
+          <p:nvCxnSpPr>
+            <p:cNvPr id="27" name="Straight Arrow Connector 26"/>
+            <p:cNvCxnSpPr>
+              <a:endCxn id="25" idx="0"/>
+            </p:cNvCxnSpPr>
+            <p:nvPr/>
+          </p:nvCxnSpPr>
+          <p:spPr>
+            <a:xfrm>
+              <a:off x="6211737" y="3644710"/>
+              <a:ext cx="0" cy="513228"/>
+            </a:xfrm>
+            <a:prstGeom prst="straightConnector1">
+              <a:avLst/>
+            </a:prstGeom>
+            <a:ln w="57150" cmpd="sng">
+              <a:solidFill>
+                <a:srgbClr val="8D8787"/>
+              </a:solidFill>
+              <a:headEnd type="triangle"/>
+              <a:tailEnd type="triangle"/>
+            </a:ln>
+          </p:spPr>
+          <p:style>
+            <a:lnRef idx="1">
+              <a:schemeClr val="accent1"/>
+            </a:lnRef>
+            <a:fillRef idx="0">
+              <a:schemeClr val="accent1"/>
+            </a:fillRef>
+            <a:effectRef idx="0">
+              <a:schemeClr val="accent1"/>
+            </a:effectRef>
+            <a:fontRef idx="minor">
+              <a:schemeClr val="tx1"/>
+            </a:fontRef>
+          </p:style>
+        </p:cxnSp>
+        <p:cxnSp>
+          <p:nvCxnSpPr>
+            <p:cNvPr id="28" name="Straight Arrow Connector 27"/>
+            <p:cNvCxnSpPr>
+              <a:stCxn id="19" idx="2"/>
+              <a:endCxn id="23" idx="0"/>
+            </p:cNvCxnSpPr>
+            <p:nvPr/>
+          </p:nvCxnSpPr>
+          <p:spPr>
+            <a:xfrm>
+              <a:off x="6211737" y="2411085"/>
+              <a:ext cx="0" cy="513228"/>
+            </a:xfrm>
+            <a:prstGeom prst="straightConnector1">
+              <a:avLst/>
+            </a:prstGeom>
+            <a:ln w="57150" cmpd="sng">
+              <a:solidFill>
+                <a:srgbClr val="8D8787"/>
+              </a:solidFill>
+              <a:headEnd type="none" w="med" len="med"/>
+              <a:tailEnd type="triangle"/>
+            </a:ln>
+          </p:spPr>
+          <p:style>
+            <a:lnRef idx="1">
+              <a:schemeClr val="accent1"/>
+            </a:lnRef>
+            <a:fillRef idx="0">
+              <a:schemeClr val="accent1"/>
+            </a:fillRef>
+            <a:effectRef idx="0">
+              <a:schemeClr val="accent1"/>
+            </a:effectRef>
+            <a:fontRef idx="minor">
+              <a:schemeClr val="tx1"/>
+            </a:fontRef>
+          </p:style>
+        </p:cxnSp>
+        <p:cxnSp>
+          <p:nvCxnSpPr>
+            <p:cNvPr id="29" name="Straight Arrow Connector 28"/>
+            <p:cNvCxnSpPr>
+              <a:stCxn id="25" idx="2"/>
+              <a:endCxn id="21" idx="0"/>
+            </p:cNvCxnSpPr>
+            <p:nvPr/>
+          </p:nvCxnSpPr>
+          <p:spPr>
+            <a:xfrm>
+              <a:off x="6211737" y="4878335"/>
+              <a:ext cx="1" cy="443294"/>
+            </a:xfrm>
+            <a:prstGeom prst="straightConnector1">
+              <a:avLst/>
+            </a:prstGeom>
+            <a:ln w="57150" cmpd="sng">
+              <a:solidFill>
+                <a:srgbClr val="8D8787"/>
+              </a:solidFill>
+              <a:headEnd type="none" w="med" len="med"/>
+              <a:tailEnd type="triangle"/>
+            </a:ln>
+          </p:spPr>
+          <p:style>
+            <a:lnRef idx="1">
+              <a:schemeClr val="accent1"/>
+            </a:lnRef>
+            <a:fillRef idx="0">
+              <a:schemeClr val="accent1"/>
+            </a:fillRef>
+            <a:effectRef idx="0">
+              <a:schemeClr val="accent1"/>
+            </a:effectRef>
+            <a:fontRef idx="minor">
+              <a:schemeClr val="tx1"/>
+            </a:fontRef>
+          </p:style>
+        </p:cxnSp>
+      </p:grpSp>
+    </p:spTree>
+    <p:extLst>
+      <p:ext uri="{BB962C8B-B14F-4D97-AF65-F5344CB8AC3E}">
+        <p14:creationId xmlns:p14="http://schemas.microsoft.com/office/powerpoint/2010/main" val="3896625567"/>
+      </p:ext>
+    </p:extLst>
+  </p:cSld>
+  <p:clrMapOvr>
+    <a:masterClrMapping/>
+  </p:clrMapOvr>
+</p:sld>
+</file>
+
+<file path=ppt/slides/slide12.xml><?xml version="1.0" encoding="utf-8"?>
 <p:sld xmlns:a="http://schemas.openxmlformats.org/drawingml/2006/main" xmlns:r="http://schemas.openxmlformats.org/officeDocument/2006/relationships" xmlns:p="http://schemas.openxmlformats.org/presentationml/2006/main">
   <p:cSld>
     <p:spTree>
@@ -7723,7 +9417,7 @@
 </p:sld>
 </file>
 
-<file path=ppt/slides/slide11.xml><?xml version="1.0" encoding="utf-8"?>
+<file path=ppt/slides/slide13.xml><?xml version="1.0" encoding="utf-8"?>
 <p:sld xmlns:a="http://schemas.openxmlformats.org/drawingml/2006/main" xmlns:r="http://schemas.openxmlformats.org/officeDocument/2006/relationships" xmlns:p="http://schemas.openxmlformats.org/presentationml/2006/main">
   <p:cSld>
     <p:spTree>
@@ -8375,7 +10069,7 @@
 </p:sld>
 </file>
 
-<file path=ppt/slides/slide12.xml><?xml version="1.0" encoding="utf-8"?>
+<file path=ppt/slides/slide14.xml><?xml version="1.0" encoding="utf-8"?>
 <p:sld xmlns:a="http://schemas.openxmlformats.org/drawingml/2006/main" xmlns:r="http://schemas.openxmlformats.org/officeDocument/2006/relationships" xmlns:p="http://schemas.openxmlformats.org/presentationml/2006/main">
   <p:cSld>
     <p:spTree>
@@ -9007,265 +10701,6 @@
 </p:sld>
 </file>
 
-<file path=ppt/slides/slide13.xml><?xml version="1.0" encoding="utf-8"?>
-<p:sld xmlns:a="http://schemas.openxmlformats.org/drawingml/2006/main" xmlns:r="http://schemas.openxmlformats.org/officeDocument/2006/relationships" xmlns:p="http://schemas.openxmlformats.org/presentationml/2006/main">
-  <p:cSld>
-    <p:spTree>
-      <p:nvGrpSpPr>
-        <p:cNvPr id="1" name=""/>
-        <p:cNvGrpSpPr/>
-        <p:nvPr/>
-      </p:nvGrpSpPr>
-      <p:grpSpPr>
-        <a:xfrm>
-          <a:off x="0" y="0"/>
-          <a:ext cx="0" cy="0"/>
-          <a:chOff x="0" y="0"/>
-          <a:chExt cx="0" cy="0"/>
-        </a:xfrm>
-      </p:grpSpPr>
-      <p:sp>
-        <p:nvSpPr>
-          <p:cNvPr id="4" name="Title 3"/>
-          <p:cNvSpPr>
-            <a:spLocks noGrp="1"/>
-          </p:cNvSpPr>
-          <p:nvPr>
-            <p:ph type="title"/>
-          </p:nvPr>
-        </p:nvSpPr>
-        <p:spPr/>
-        <p:txBody>
-          <a:bodyPr/>
-          <a:lstStyle/>
-          <a:p>
-            <a:r>
-              <a:rPr lang="en-US" dirty="0"/>
-              <a:t>Windows Phone User Interfaces</a:t>
-            </a:r>
-          </a:p>
-        </p:txBody>
-      </p:sp>
-      <p:sp>
-        <p:nvSpPr>
-          <p:cNvPr id="5" name="Text Placeholder 4"/>
-          <p:cNvSpPr>
-            <a:spLocks noGrp="1"/>
-          </p:cNvSpPr>
-          <p:nvPr>
-            <p:ph type="body" idx="1"/>
-          </p:nvPr>
-        </p:nvSpPr>
-        <p:spPr/>
-        <p:txBody>
-          <a:bodyPr/>
-          <a:lstStyle/>
-          <a:p>
-            <a:endParaRPr lang="en-US"/>
-          </a:p>
-        </p:txBody>
-      </p:sp>
-    </p:spTree>
-    <p:extLst>
-      <p:ext uri="{BB962C8B-B14F-4D97-AF65-F5344CB8AC3E}">
-        <p14:creationId xmlns:p14="http://schemas.microsoft.com/office/powerpoint/2010/main" val="3989746546"/>
-      </p:ext>
-    </p:extLst>
-  </p:cSld>
-  <p:clrMapOvr>
-    <a:masterClrMapping/>
-  </p:clrMapOvr>
-</p:sld>
-</file>
-
-<file path=ppt/slides/slide14.xml><?xml version="1.0" encoding="utf-8"?>
-<p:sld xmlns:a="http://schemas.openxmlformats.org/drawingml/2006/main" xmlns:r="http://schemas.openxmlformats.org/officeDocument/2006/relationships" xmlns:p="http://schemas.openxmlformats.org/presentationml/2006/main">
-  <p:cSld>
-    <p:spTree>
-      <p:nvGrpSpPr>
-        <p:cNvPr id="1" name=""/>
-        <p:cNvGrpSpPr/>
-        <p:nvPr/>
-      </p:nvGrpSpPr>
-      <p:grpSpPr>
-        <a:xfrm>
-          <a:off x="0" y="0"/>
-          <a:ext cx="0" cy="0"/>
-          <a:chOff x="0" y="0"/>
-          <a:chExt cx="0" cy="0"/>
-        </a:xfrm>
-      </p:grpSpPr>
-      <p:sp>
-        <p:nvSpPr>
-          <p:cNvPr id="2" name="Title 1"/>
-          <p:cNvSpPr>
-            <a:spLocks noGrp="1"/>
-          </p:cNvSpPr>
-          <p:nvPr>
-            <p:ph type="title"/>
-          </p:nvPr>
-        </p:nvSpPr>
-        <p:spPr/>
-        <p:txBody>
-          <a:bodyPr/>
-          <a:lstStyle/>
-          <a:p>
-            <a:r>
-              <a:rPr lang="en-US" dirty="0"/>
-              <a:t>Frame and Page</a:t>
-            </a:r>
-          </a:p>
-        </p:txBody>
-      </p:sp>
-      <p:sp>
-        <p:nvSpPr>
-          <p:cNvPr id="4" name="Text Placeholder 3"/>
-          <p:cNvSpPr>
-            <a:spLocks noGrp="1"/>
-          </p:cNvSpPr>
-          <p:nvPr>
-            <p:ph type="body" idx="1"/>
-          </p:nvPr>
-        </p:nvSpPr>
-        <p:spPr/>
-        <p:txBody>
-          <a:bodyPr/>
-          <a:lstStyle/>
-          <a:p>
-            <a:r>
-              <a:rPr lang="en-US" dirty="0"/>
-              <a:t>Frame</a:t>
-            </a:r>
-          </a:p>
-        </p:txBody>
-      </p:sp>
-      <p:sp>
-        <p:nvSpPr>
-          <p:cNvPr id="3" name="Content Placeholder 2"/>
-          <p:cNvSpPr>
-            <a:spLocks noGrp="1"/>
-          </p:cNvSpPr>
-          <p:nvPr>
-            <p:ph sz="half" idx="2"/>
-          </p:nvPr>
-        </p:nvSpPr>
-        <p:spPr/>
-        <p:txBody>
-          <a:bodyPr/>
-          <a:lstStyle/>
-          <a:p>
-            <a:pPr>
-              <a:buFont typeface="Wingdings" charset="2"/>
-              <a:buChar char="§"/>
-            </a:pPr>
-            <a:r>
-              <a:rPr lang="en-US" dirty="0"/>
-              <a:t>Displays Page instances</a:t>
-            </a:r>
-          </a:p>
-          <a:p>
-            <a:pPr>
-              <a:buFont typeface="Wingdings" charset="2"/>
-              <a:buChar char="§"/>
-            </a:pPr>
-            <a:r>
-              <a:rPr lang="en-US" dirty="0"/>
-              <a:t>Supports navigation to new pages</a:t>
-            </a:r>
-          </a:p>
-          <a:p>
-            <a:pPr>
-              <a:buFont typeface="Wingdings" charset="2"/>
-              <a:buChar char="§"/>
-            </a:pPr>
-            <a:r>
-              <a:rPr lang="en-US" dirty="0"/>
-              <a:t>Maintains navigation history</a:t>
-            </a:r>
-          </a:p>
-          <a:p>
-            <a:pPr>
-              <a:buFont typeface="Wingdings" charset="2"/>
-              <a:buChar char="§"/>
-            </a:pPr>
-            <a:r>
-              <a:rPr lang="en-US" dirty="0"/>
-              <a:t>Supports forward and backward navigation</a:t>
-            </a:r>
-          </a:p>
-        </p:txBody>
-      </p:sp>
-      <p:sp>
-        <p:nvSpPr>
-          <p:cNvPr id="5" name="Text Placeholder 4"/>
-          <p:cNvSpPr>
-            <a:spLocks noGrp="1"/>
-          </p:cNvSpPr>
-          <p:nvPr>
-            <p:ph type="body" sz="quarter" idx="3"/>
-          </p:nvPr>
-        </p:nvSpPr>
-        <p:spPr/>
-        <p:txBody>
-          <a:bodyPr/>
-          <a:lstStyle/>
-          <a:p>
-            <a:r>
-              <a:rPr lang="en-US" dirty="0"/>
-              <a:t>Page</a:t>
-            </a:r>
-          </a:p>
-        </p:txBody>
-      </p:sp>
-      <p:sp>
-        <p:nvSpPr>
-          <p:cNvPr id="6" name="Content Placeholder 5"/>
-          <p:cNvSpPr>
-            <a:spLocks noGrp="1"/>
-          </p:cNvSpPr>
-          <p:nvPr>
-            <p:ph sz="quarter" idx="4"/>
-          </p:nvPr>
-        </p:nvSpPr>
-        <p:spPr/>
-        <p:txBody>
-          <a:bodyPr/>
-          <a:lstStyle/>
-          <a:p>
-            <a:pPr>
-              <a:buFont typeface="Wingdings" charset="2"/>
-              <a:buChar char="§"/>
-            </a:pPr>
-            <a:r>
-              <a:rPr lang="en-US" dirty="0"/>
-              <a:t>Contains controls to display to the user</a:t>
-            </a:r>
-          </a:p>
-          <a:p>
-            <a:pPr>
-              <a:buFont typeface="Wingdings" charset="2"/>
-              <a:buChar char="§"/>
-            </a:pPr>
-            <a:r>
-              <a:rPr lang="en-US" dirty="0"/>
-              <a:t>Managed by a Frame control</a:t>
-            </a:r>
-          </a:p>
-        </p:txBody>
-      </p:sp>
-    </p:spTree>
-    <p:extLst>
-      <p:ext uri="{BB962C8B-B14F-4D97-AF65-F5344CB8AC3E}">
-        <p14:creationId xmlns:p14="http://schemas.microsoft.com/office/powerpoint/2010/main" val="3121810710"/>
-      </p:ext>
-    </p:extLst>
-  </p:cSld>
-  <p:clrMapOvr>
-    <a:masterClrMapping/>
-  </p:clrMapOvr>
-</p:sld>
-</file>
-
 <file path=ppt/slides/slide15.xml><?xml version="1.0" encoding="utf-8"?>
 <p:sld xmlns:a="http://schemas.openxmlformats.org/drawingml/2006/main" xmlns:r="http://schemas.openxmlformats.org/officeDocument/2006/relationships" xmlns:p="http://schemas.openxmlformats.org/presentationml/2006/main">
   <p:cSld>
@@ -9285,7 +10720,7 @@
       </p:grpSpPr>
       <p:sp>
         <p:nvSpPr>
-          <p:cNvPr id="2" name="Title 1"/>
+          <p:cNvPr id="4" name="Title 3"/>
           <p:cNvSpPr>
             <a:spLocks noGrp="1"/>
           </p:cNvSpPr>
@@ -9300,19 +10735,19 @@
           <a:p>
             <a:r>
               <a:rPr lang="en-US" dirty="0"/>
-              <a:t>Navigation</a:t>
-            </a:r>
-          </a:p>
-        </p:txBody>
-      </p:sp>
-      <p:sp>
-        <p:nvSpPr>
-          <p:cNvPr id="3" name="Content Placeholder 2"/>
-          <p:cNvSpPr>
-            <a:spLocks noGrp="1"/>
-          </p:cNvSpPr>
-          <p:nvPr>
-            <p:ph idx="1"/>
+              <a:t>Windows Phone User Interfaces</a:t>
+            </a:r>
+          </a:p>
+        </p:txBody>
+      </p:sp>
+      <p:sp>
+        <p:nvSpPr>
+          <p:cNvPr id="5" name="Text Placeholder 4"/>
+          <p:cNvSpPr>
+            <a:spLocks noGrp="1"/>
+          </p:cNvSpPr>
+          <p:nvPr>
+            <p:ph type="body" idx="1"/>
           </p:nvPr>
         </p:nvSpPr>
         <p:spPr/>
@@ -9320,62 +10755,14 @@
           <a:bodyPr/>
           <a:lstStyle/>
           <a:p>
-            <a:pPr>
-              <a:buFont typeface="Wingdings" charset="2"/>
-              <a:buChar char="§"/>
-            </a:pPr>
-            <a:r>
-              <a:rPr lang="en-US" dirty="0"/>
-              <a:t>Frame maintains history of Pages loaded in the frame</a:t>
-            </a:r>
-          </a:p>
-          <a:p>
-            <a:pPr lvl="1">
-              <a:buFont typeface="Wingdings" charset="2"/>
-              <a:buChar char="§"/>
-            </a:pPr>
-            <a:r>
-              <a:rPr lang="en-US" dirty="0"/>
-              <a:t>Can be popped backward</a:t>
-            </a:r>
-          </a:p>
-          <a:p>
-            <a:pPr lvl="1">
-              <a:buFont typeface="Wingdings" charset="2"/>
-              <a:buChar char="§"/>
-            </a:pPr>
-            <a:r>
-              <a:rPr lang="en-US" dirty="0"/>
-              <a:t>Can have specific Pages removed from history</a:t>
-            </a:r>
-          </a:p>
-          <a:p>
-            <a:pPr>
-              <a:buFont typeface="Wingdings" charset="2"/>
-              <a:buChar char="§"/>
-            </a:pPr>
-            <a:r>
-              <a:rPr lang="en-US" dirty="0" err="1"/>
-              <a:t>SystemNavigationManager</a:t>
-            </a:r>
-            <a:endParaRPr lang="en-US" dirty="0"/>
-          </a:p>
-          <a:p>
-            <a:pPr lvl="1">
-              <a:buFont typeface="Wingdings" charset="2"/>
-              <a:buChar char="§"/>
-            </a:pPr>
-            <a:r>
-              <a:rPr lang="en-US" dirty="0"/>
-              <a:t>Can listen and handle back button clicks</a:t>
-            </a:r>
+            <a:endParaRPr lang="en-US"/>
           </a:p>
         </p:txBody>
       </p:sp>
     </p:spTree>
     <p:extLst>
       <p:ext uri="{BB962C8B-B14F-4D97-AF65-F5344CB8AC3E}">
-        <p14:creationId xmlns:p14="http://schemas.microsoft.com/office/powerpoint/2010/main" val="3194784194"/>
+        <p14:creationId xmlns:p14="http://schemas.microsoft.com/office/powerpoint/2010/main" val="3989746546"/>
       </p:ext>
     </p:extLst>
   </p:cSld>
@@ -9419,6 +10806,313 @@
           <a:p>
             <a:r>
               <a:rPr lang="en-US" dirty="0"/>
+              <a:t>Frame and Page</a:t>
+            </a:r>
+          </a:p>
+        </p:txBody>
+      </p:sp>
+      <p:sp>
+        <p:nvSpPr>
+          <p:cNvPr id="4" name="Text Placeholder 3"/>
+          <p:cNvSpPr>
+            <a:spLocks noGrp="1"/>
+          </p:cNvSpPr>
+          <p:nvPr>
+            <p:ph type="body" idx="1"/>
+          </p:nvPr>
+        </p:nvSpPr>
+        <p:spPr/>
+        <p:txBody>
+          <a:bodyPr/>
+          <a:lstStyle/>
+          <a:p>
+            <a:r>
+              <a:rPr lang="en-US" dirty="0"/>
+              <a:t>Frame</a:t>
+            </a:r>
+          </a:p>
+        </p:txBody>
+      </p:sp>
+      <p:sp>
+        <p:nvSpPr>
+          <p:cNvPr id="3" name="Content Placeholder 2"/>
+          <p:cNvSpPr>
+            <a:spLocks noGrp="1"/>
+          </p:cNvSpPr>
+          <p:nvPr>
+            <p:ph sz="half" idx="2"/>
+          </p:nvPr>
+        </p:nvSpPr>
+        <p:spPr/>
+        <p:txBody>
+          <a:bodyPr/>
+          <a:lstStyle/>
+          <a:p>
+            <a:pPr>
+              <a:buFont typeface="Wingdings" charset="2"/>
+              <a:buChar char="§"/>
+            </a:pPr>
+            <a:r>
+              <a:rPr lang="en-US" dirty="0"/>
+              <a:t>Displays Page instances</a:t>
+            </a:r>
+          </a:p>
+          <a:p>
+            <a:pPr>
+              <a:buFont typeface="Wingdings" charset="2"/>
+              <a:buChar char="§"/>
+            </a:pPr>
+            <a:r>
+              <a:rPr lang="en-US" dirty="0"/>
+              <a:t>Supports navigation to new pages</a:t>
+            </a:r>
+          </a:p>
+          <a:p>
+            <a:pPr>
+              <a:buFont typeface="Wingdings" charset="2"/>
+              <a:buChar char="§"/>
+            </a:pPr>
+            <a:r>
+              <a:rPr lang="en-US" dirty="0"/>
+              <a:t>Maintains navigation history</a:t>
+            </a:r>
+          </a:p>
+          <a:p>
+            <a:pPr>
+              <a:buFont typeface="Wingdings" charset="2"/>
+              <a:buChar char="§"/>
+            </a:pPr>
+            <a:r>
+              <a:rPr lang="en-US" dirty="0"/>
+              <a:t>Supports forward and backward navigation</a:t>
+            </a:r>
+          </a:p>
+        </p:txBody>
+      </p:sp>
+      <p:sp>
+        <p:nvSpPr>
+          <p:cNvPr id="5" name="Text Placeholder 4"/>
+          <p:cNvSpPr>
+            <a:spLocks noGrp="1"/>
+          </p:cNvSpPr>
+          <p:nvPr>
+            <p:ph type="body" sz="quarter" idx="3"/>
+          </p:nvPr>
+        </p:nvSpPr>
+        <p:spPr/>
+        <p:txBody>
+          <a:bodyPr/>
+          <a:lstStyle/>
+          <a:p>
+            <a:r>
+              <a:rPr lang="en-US" dirty="0"/>
+              <a:t>Page</a:t>
+            </a:r>
+          </a:p>
+        </p:txBody>
+      </p:sp>
+      <p:sp>
+        <p:nvSpPr>
+          <p:cNvPr id="6" name="Content Placeholder 5"/>
+          <p:cNvSpPr>
+            <a:spLocks noGrp="1"/>
+          </p:cNvSpPr>
+          <p:nvPr>
+            <p:ph sz="quarter" idx="4"/>
+          </p:nvPr>
+        </p:nvSpPr>
+        <p:spPr/>
+        <p:txBody>
+          <a:bodyPr/>
+          <a:lstStyle/>
+          <a:p>
+            <a:pPr>
+              <a:buFont typeface="Wingdings" charset="2"/>
+              <a:buChar char="§"/>
+            </a:pPr>
+            <a:r>
+              <a:rPr lang="en-US" dirty="0"/>
+              <a:t>Contains controls to display to the user</a:t>
+            </a:r>
+          </a:p>
+          <a:p>
+            <a:pPr>
+              <a:buFont typeface="Wingdings" charset="2"/>
+              <a:buChar char="§"/>
+            </a:pPr>
+            <a:r>
+              <a:rPr lang="en-US" dirty="0"/>
+              <a:t>Managed by a Frame control</a:t>
+            </a:r>
+          </a:p>
+        </p:txBody>
+      </p:sp>
+    </p:spTree>
+    <p:extLst>
+      <p:ext uri="{BB962C8B-B14F-4D97-AF65-F5344CB8AC3E}">
+        <p14:creationId xmlns:p14="http://schemas.microsoft.com/office/powerpoint/2010/main" val="3121810710"/>
+      </p:ext>
+    </p:extLst>
+  </p:cSld>
+  <p:clrMapOvr>
+    <a:masterClrMapping/>
+  </p:clrMapOvr>
+</p:sld>
+</file>
+
+<file path=ppt/slides/slide17.xml><?xml version="1.0" encoding="utf-8"?>
+<p:sld xmlns:a="http://schemas.openxmlformats.org/drawingml/2006/main" xmlns:r="http://schemas.openxmlformats.org/officeDocument/2006/relationships" xmlns:p="http://schemas.openxmlformats.org/presentationml/2006/main">
+  <p:cSld>
+    <p:spTree>
+      <p:nvGrpSpPr>
+        <p:cNvPr id="1" name=""/>
+        <p:cNvGrpSpPr/>
+        <p:nvPr/>
+      </p:nvGrpSpPr>
+      <p:grpSpPr>
+        <a:xfrm>
+          <a:off x="0" y="0"/>
+          <a:ext cx="0" cy="0"/>
+          <a:chOff x="0" y="0"/>
+          <a:chExt cx="0" cy="0"/>
+        </a:xfrm>
+      </p:grpSpPr>
+      <p:sp>
+        <p:nvSpPr>
+          <p:cNvPr id="2" name="Title 1"/>
+          <p:cNvSpPr>
+            <a:spLocks noGrp="1"/>
+          </p:cNvSpPr>
+          <p:nvPr>
+            <p:ph type="title"/>
+          </p:nvPr>
+        </p:nvSpPr>
+        <p:spPr/>
+        <p:txBody>
+          <a:bodyPr/>
+          <a:lstStyle/>
+          <a:p>
+            <a:r>
+              <a:rPr lang="en-US" dirty="0"/>
+              <a:t>Navigation</a:t>
+            </a:r>
+          </a:p>
+        </p:txBody>
+      </p:sp>
+      <p:sp>
+        <p:nvSpPr>
+          <p:cNvPr id="3" name="Content Placeholder 2"/>
+          <p:cNvSpPr>
+            <a:spLocks noGrp="1"/>
+          </p:cNvSpPr>
+          <p:nvPr>
+            <p:ph idx="1"/>
+          </p:nvPr>
+        </p:nvSpPr>
+        <p:spPr/>
+        <p:txBody>
+          <a:bodyPr/>
+          <a:lstStyle/>
+          <a:p>
+            <a:pPr>
+              <a:buFont typeface="Wingdings" charset="2"/>
+              <a:buChar char="§"/>
+            </a:pPr>
+            <a:r>
+              <a:rPr lang="en-US" dirty="0"/>
+              <a:t>Frame maintains history of Pages loaded in the frame</a:t>
+            </a:r>
+          </a:p>
+          <a:p>
+            <a:pPr lvl="1">
+              <a:buFont typeface="Wingdings" charset="2"/>
+              <a:buChar char="§"/>
+            </a:pPr>
+            <a:r>
+              <a:rPr lang="en-US" dirty="0"/>
+              <a:t>Can be popped backward</a:t>
+            </a:r>
+          </a:p>
+          <a:p>
+            <a:pPr lvl="1">
+              <a:buFont typeface="Wingdings" charset="2"/>
+              <a:buChar char="§"/>
+            </a:pPr>
+            <a:r>
+              <a:rPr lang="en-US" dirty="0"/>
+              <a:t>Can have specific Pages removed from history</a:t>
+            </a:r>
+          </a:p>
+          <a:p>
+            <a:pPr>
+              <a:buFont typeface="Wingdings" charset="2"/>
+              <a:buChar char="§"/>
+            </a:pPr>
+            <a:r>
+              <a:rPr lang="en-US" dirty="0" err="1"/>
+              <a:t>SystemNavigationManager</a:t>
+            </a:r>
+            <a:endParaRPr lang="en-US" dirty="0"/>
+          </a:p>
+          <a:p>
+            <a:pPr lvl="1">
+              <a:buFont typeface="Wingdings" charset="2"/>
+              <a:buChar char="§"/>
+            </a:pPr>
+            <a:r>
+              <a:rPr lang="en-US" dirty="0"/>
+              <a:t>Can listen and handle back button clicks</a:t>
+            </a:r>
+          </a:p>
+        </p:txBody>
+      </p:sp>
+    </p:spTree>
+    <p:extLst>
+      <p:ext uri="{BB962C8B-B14F-4D97-AF65-F5344CB8AC3E}">
+        <p14:creationId xmlns:p14="http://schemas.microsoft.com/office/powerpoint/2010/main" val="3194784194"/>
+      </p:ext>
+    </p:extLst>
+  </p:cSld>
+  <p:clrMapOvr>
+    <a:masterClrMapping/>
+  </p:clrMapOvr>
+</p:sld>
+</file>
+
+<file path=ppt/slides/slide18.xml><?xml version="1.0" encoding="utf-8"?>
+<p:sld xmlns:a="http://schemas.openxmlformats.org/drawingml/2006/main" xmlns:r="http://schemas.openxmlformats.org/officeDocument/2006/relationships" xmlns:p="http://schemas.openxmlformats.org/presentationml/2006/main">
+  <p:cSld>
+    <p:spTree>
+      <p:nvGrpSpPr>
+        <p:cNvPr id="1" name=""/>
+        <p:cNvGrpSpPr/>
+        <p:nvPr/>
+      </p:nvGrpSpPr>
+      <p:grpSpPr>
+        <a:xfrm>
+          <a:off x="0" y="0"/>
+          <a:ext cx="0" cy="0"/>
+          <a:chOff x="0" y="0"/>
+          <a:chExt cx="0" cy="0"/>
+        </a:xfrm>
+      </p:grpSpPr>
+      <p:sp>
+        <p:nvSpPr>
+          <p:cNvPr id="2" name="Title 1"/>
+          <p:cNvSpPr>
+            <a:spLocks noGrp="1"/>
+          </p:cNvSpPr>
+          <p:nvPr>
+            <p:ph type="title"/>
+          </p:nvPr>
+        </p:nvSpPr>
+        <p:spPr/>
+        <p:txBody>
+          <a:bodyPr/>
+          <a:lstStyle/>
+          <a:p>
+            <a:r>
+              <a:rPr lang="en-US" dirty="0"/>
               <a:t>Layout</a:t>
             </a:r>
           </a:p>
@@ -9433,14 +11127,14 @@
           <p:nvPr>
             <p:extLst>
               <p:ext uri="{D42A27DB-BD31-4B8C-83A1-F6EECF244321}">
-                <p14:modId xmlns:p14="http://schemas.microsoft.com/office/powerpoint/2010/main" val="3447438355"/>
+                <p14:modId xmlns:p14="http://schemas.microsoft.com/office/powerpoint/2010/main" val="3327790005"/>
               </p:ext>
             </p:extLst>
           </p:nvPr>
         </p:nvGraphicFramePr>
         <p:xfrm>
-          <a:off x="547986" y="2650521"/>
-          <a:ext cx="11066628" cy="4023360"/>
+          <a:off x="547986" y="2650523"/>
+          <a:ext cx="11066628" cy="3008752"/>
         </p:xfrm>
         <a:graphic>
           <a:graphicData uri="http://schemas.openxmlformats.org/drawingml/2006/table">
@@ -9464,7 +11158,7 @@
                   </a:extLst>
                 </a:gridCol>
               </a:tblGrid>
-              <a:tr h="314903">
+              <a:tr h="235104">
                 <a:tc>
                   <a:txBody>
                     <a:bodyPr/>
@@ -9515,7 +11209,7 @@
                   </a:ext>
                 </a:extLst>
               </a:tr>
-              <a:tr h="914400">
+              <a:tr h="294431">
                 <a:tc>
                   <a:txBody>
                     <a:bodyPr/>
@@ -9571,7 +11265,7 @@
                   </a:ext>
                 </a:extLst>
               </a:tr>
-              <a:tr h="914400">
+              <a:tr h="587761">
                 <a:tc>
                   <a:txBody>
                     <a:bodyPr/>
@@ -9626,7 +11320,7 @@
                   </a:ext>
                 </a:extLst>
               </a:tr>
-              <a:tr h="914400">
+              <a:tr h="587761">
                 <a:tc>
                   <a:txBody>
                     <a:bodyPr/>
@@ -9680,7 +11374,7 @@
                   </a:ext>
                 </a:extLst>
               </a:tr>
-              <a:tr h="914400">
+              <a:tr h="448433">
                 <a:tc>
                   <a:txBody>
                     <a:bodyPr/>
@@ -10030,7 +11724,7 @@
 </p:sld>
 </file>
 
-<file path=ppt/slides/slide17.xml><?xml version="1.0" encoding="utf-8"?>
+<file path=ppt/slides/slide19.xml><?xml version="1.0" encoding="utf-8"?>
 <p:sld xmlns:a="http://schemas.openxmlformats.org/drawingml/2006/main" xmlns:r="http://schemas.openxmlformats.org/officeDocument/2006/relationships" xmlns:p="http://schemas.openxmlformats.org/presentationml/2006/main">
   <p:cSld>
     <p:spTree>
@@ -10255,7 +11949,7 @@
 </p:sld>
 </file>
 
-<file path=ppt/slides/slide18.xml><?xml version="1.0" encoding="utf-8"?>
+<file path=ppt/slides/slide2.xml><?xml version="1.0" encoding="utf-8"?>
 <p:sld xmlns:a="http://schemas.openxmlformats.org/drawingml/2006/main" xmlns:r="http://schemas.openxmlformats.org/officeDocument/2006/relationships" xmlns:p="http://schemas.openxmlformats.org/presentationml/2006/main">
   <p:cSld>
     <p:spTree>
@@ -10289,6 +11983,92 @@
           <a:p>
             <a:r>
               <a:rPr lang="en-US" dirty="0"/>
+              <a:t>Topics</a:t>
+            </a:r>
+          </a:p>
+        </p:txBody>
+      </p:sp>
+      <p:sp>
+        <p:nvSpPr>
+          <p:cNvPr id="5" name="Content Placeholder 4"/>
+          <p:cNvSpPr>
+            <a:spLocks noGrp="1"/>
+          </p:cNvSpPr>
+          <p:nvPr>
+            <p:ph sz="half" idx="1"/>
+          </p:nvPr>
+        </p:nvSpPr>
+        <p:spPr/>
+        <p:txBody>
+          <a:bodyPr/>
+          <a:lstStyle/>
+          <a:p>
+            <a:r>
+              <a:rPr lang="en-US" dirty="0"/>
+              <a:t>Windows Phone apps in a Xamarin solution</a:t>
+            </a:r>
+          </a:p>
+          <a:p>
+            <a:r>
+              <a:rPr lang="en-US" dirty="0"/>
+              <a:t>Windows Phone development fundamentals</a:t>
+            </a:r>
+          </a:p>
+          <a:p>
+            <a:r>
+              <a:rPr lang="en-US" dirty="0"/>
+              <a:t>XAML and Windows Phone user interfaces</a:t>
+            </a:r>
+          </a:p>
+        </p:txBody>
+      </p:sp>
+    </p:spTree>
+    <p:extLst>
+      <p:ext uri="{BB962C8B-B14F-4D97-AF65-F5344CB8AC3E}">
+        <p14:creationId xmlns:p14="http://schemas.microsoft.com/office/powerpoint/2010/main" val="516830004"/>
+      </p:ext>
+    </p:extLst>
+  </p:cSld>
+  <p:clrMapOvr>
+    <a:masterClrMapping/>
+  </p:clrMapOvr>
+</p:sld>
+</file>
+
+<file path=ppt/slides/slide20.xml><?xml version="1.0" encoding="utf-8"?>
+<p:sld xmlns:a="http://schemas.openxmlformats.org/drawingml/2006/main" xmlns:r="http://schemas.openxmlformats.org/officeDocument/2006/relationships" xmlns:p="http://schemas.openxmlformats.org/presentationml/2006/main">
+  <p:cSld>
+    <p:spTree>
+      <p:nvGrpSpPr>
+        <p:cNvPr id="1" name=""/>
+        <p:cNvGrpSpPr/>
+        <p:nvPr/>
+      </p:nvGrpSpPr>
+      <p:grpSpPr>
+        <a:xfrm>
+          <a:off x="0" y="0"/>
+          <a:ext cx="0" cy="0"/>
+          <a:chOff x="0" y="0"/>
+          <a:chExt cx="0" cy="0"/>
+        </a:xfrm>
+      </p:grpSpPr>
+      <p:sp>
+        <p:nvSpPr>
+          <p:cNvPr id="4" name="Title 3"/>
+          <p:cNvSpPr>
+            <a:spLocks noGrp="1"/>
+          </p:cNvSpPr>
+          <p:nvPr>
+            <p:ph type="title"/>
+          </p:nvPr>
+        </p:nvSpPr>
+        <p:spPr/>
+        <p:txBody>
+          <a:bodyPr/>
+          <a:lstStyle/>
+          <a:p>
+            <a:r>
+              <a:rPr lang="en-US" dirty="0"/>
               <a:t>XAML Overview</a:t>
             </a:r>
           </a:p>
@@ -10326,7 +12106,7 @@
 </p:sld>
 </file>
 
-<file path=ppt/slides/slide19.xml><?xml version="1.0" encoding="utf-8"?>
+<file path=ppt/slides/slide21.xml><?xml version="1.0" encoding="utf-8"?>
 <p:sld xmlns:a="http://schemas.openxmlformats.org/drawingml/2006/main" xmlns:r="http://schemas.openxmlformats.org/officeDocument/2006/relationships" xmlns:p="http://schemas.openxmlformats.org/presentationml/2006/main">
   <p:cSld>
     <p:spTree>
@@ -10569,7 +12349,7 @@
 </p:sld>
 </file>
 
-<file path=ppt/slides/slide2.xml><?xml version="1.0" encoding="utf-8"?>
+<file path=ppt/slides/slide22.xml><?xml version="1.0" encoding="utf-8"?>
 <p:sld xmlns:a="http://schemas.openxmlformats.org/drawingml/2006/main" xmlns:r="http://schemas.openxmlformats.org/officeDocument/2006/relationships" xmlns:p="http://schemas.openxmlformats.org/presentationml/2006/main">
   <p:cSld>
     <p:spTree>
@@ -10588,7 +12368,7 @@
       </p:grpSpPr>
       <p:sp>
         <p:nvSpPr>
-          <p:cNvPr id="4" name="Title 3"/>
+          <p:cNvPr id="2" name="Title 1"/>
           <p:cNvSpPr>
             <a:spLocks noGrp="1"/>
           </p:cNvSpPr>
@@ -10603,19 +12383,19 @@
           <a:p>
             <a:r>
               <a:rPr lang="en-US" dirty="0"/>
-              <a:t>Topics</a:t>
-            </a:r>
-          </a:p>
-        </p:txBody>
-      </p:sp>
-      <p:sp>
-        <p:nvSpPr>
-          <p:cNvPr id="5" name="Content Placeholder 4"/>
-          <p:cNvSpPr>
-            <a:spLocks noGrp="1"/>
-          </p:cNvSpPr>
-          <p:nvPr>
-            <p:ph sz="half" idx="1"/>
+              <a:t>Tags are Objects</a:t>
+            </a:r>
+          </a:p>
+        </p:txBody>
+      </p:sp>
+      <p:sp>
+        <p:nvSpPr>
+          <p:cNvPr id="3" name="Content Placeholder 2"/>
+          <p:cNvSpPr>
+            <a:spLocks noGrp="1"/>
+          </p:cNvSpPr>
+          <p:nvPr>
+            <p:ph idx="1"/>
           </p:nvPr>
         </p:nvSpPr>
         <p:spPr/>
@@ -10623,21 +12403,139 @@
           <a:bodyPr/>
           <a:lstStyle/>
           <a:p>
+            <a:pPr>
+              <a:buFont typeface="Wingdings" charset="2"/>
+              <a:buChar char="§"/>
+            </a:pPr>
             <a:r>
               <a:rPr lang="en-US" dirty="0"/>
-              <a:t>Windows Phone apps in a Xamarin solution</a:t>
-            </a:r>
-          </a:p>
-          <a:p>
+              <a:t>Class attribute of root object is object’s class name</a:t>
+            </a:r>
+          </a:p>
+          <a:p>
+            <a:pPr>
+              <a:buFont typeface="Wingdings" charset="2"/>
+              <a:buChar char="§"/>
+            </a:pPr>
             <a:r>
               <a:rPr lang="en-US" dirty="0"/>
-              <a:t>Windows Phone development fundamentals</a:t>
-            </a:r>
-          </a:p>
-          <a:p>
+              <a:t>Accompanying C# file</a:t>
+            </a:r>
+          </a:p>
+          <a:p>
+            <a:pPr lvl="1">
+              <a:buFont typeface="Wingdings" charset="2"/>
+              <a:buChar char="§"/>
+            </a:pPr>
             <a:r>
               <a:rPr lang="en-US" dirty="0"/>
-              <a:t>XAML and Windows Phone user interfaces</a:t>
+              <a:t>Defined as partial</a:t>
+            </a:r>
+          </a:p>
+          <a:p>
+            <a:pPr lvl="1">
+              <a:buFont typeface="Wingdings" charset="2"/>
+              <a:buChar char="§"/>
+            </a:pPr>
+            <a:r>
+              <a:rPr lang="en-US" dirty="0"/>
+              <a:t>Helps define class</a:t>
+            </a:r>
+          </a:p>
+          <a:p>
+            <a:pPr lvl="1">
+              <a:buFont typeface="Wingdings" charset="2"/>
+              <a:buChar char="§"/>
+            </a:pPr>
+            <a:r>
+              <a:rPr lang="en-US" dirty="0"/>
+              <a:t>Can be referenced in the XAML file (methods, properties, etc.)</a:t>
+            </a:r>
+          </a:p>
+          <a:p>
+            <a:pPr>
+              <a:buFont typeface="Wingdings" charset="2"/>
+              <a:buChar char="§"/>
+            </a:pPr>
+            <a:r>
+              <a:rPr lang="en-US" dirty="0"/>
+              <a:t>Properties of classes used in XAML file accessed in two ways</a:t>
+            </a:r>
+          </a:p>
+          <a:p>
+            <a:pPr lvl="1">
+              <a:buFont typeface="Wingdings" charset="2"/>
+              <a:buChar char="§"/>
+            </a:pPr>
+            <a:r>
+              <a:rPr lang="en-US" dirty="0"/>
+              <a:t>Via attributes: &lt;</a:t>
+            </a:r>
+            <a:r>
+              <a:rPr lang="en-US" dirty="0" err="1"/>
+              <a:t>MyClass</a:t>
+            </a:r>
+            <a:r>
+              <a:rPr lang="en-US" dirty="0"/>
+              <a:t> </a:t>
+            </a:r>
+            <a:r>
+              <a:rPr lang="en-US" dirty="0" err="1"/>
+              <a:t>MyProp</a:t>
+            </a:r>
+            <a:r>
+              <a:rPr lang="en-US" dirty="0"/>
+              <a:t>="…"&gt;&lt;/</a:t>
+            </a:r>
+            <a:r>
+              <a:rPr lang="en-US" dirty="0" err="1"/>
+              <a:t>MyClass</a:t>
+            </a:r>
+            <a:r>
+              <a:rPr lang="en-US" dirty="0"/>
+              <a:t>&gt;</a:t>
+            </a:r>
+          </a:p>
+          <a:p>
+            <a:pPr lvl="1">
+              <a:buFont typeface="Wingdings" charset="2"/>
+              <a:buChar char="§"/>
+            </a:pPr>
+            <a:r>
+              <a:rPr lang="en-US" dirty="0"/>
+              <a:t>Via child tags: &lt;</a:t>
+            </a:r>
+            <a:r>
+              <a:rPr lang="en-US" dirty="0" err="1"/>
+              <a:t>MyClass</a:t>
+            </a:r>
+            <a:r>
+              <a:rPr lang="en-US" dirty="0"/>
+              <a:t>&gt;&lt;</a:t>
+            </a:r>
+            <a:r>
+              <a:rPr lang="en-US" dirty="0" err="1"/>
+              <a:t>MyClass.MyProp</a:t>
+            </a:r>
+            <a:r>
+              <a:rPr lang="en-US" dirty="0"/>
+              <a:t>&gt;…&lt;/</a:t>
+            </a:r>
+            <a:r>
+              <a:rPr lang="en-US" dirty="0" err="1"/>
+              <a:t>MyClass.MyProp</a:t>
+            </a:r>
+            <a:r>
+              <a:rPr lang="en-US" dirty="0"/>
+              <a:t>&gt;&lt;/</a:t>
+            </a:r>
+            <a:r>
+              <a:rPr lang="en-US" dirty="0" err="1"/>
+              <a:t>MyClass</a:t>
+            </a:r>
+            <a:r>
+              <a:rPr lang="en-US" dirty="0"/>
+              <a:t>&gt;</a:t>
             </a:r>
           </a:p>
         </p:txBody>
@@ -10645,7 +12543,7 @@
     </p:spTree>
     <p:extLst>
       <p:ext uri="{BB962C8B-B14F-4D97-AF65-F5344CB8AC3E}">
-        <p14:creationId xmlns:p14="http://schemas.microsoft.com/office/powerpoint/2010/main" val="516830004"/>
+        <p14:creationId xmlns:p14="http://schemas.microsoft.com/office/powerpoint/2010/main" val="3021300283"/>
       </p:ext>
     </p:extLst>
   </p:cSld>
@@ -10655,7 +12553,7 @@
 </p:sld>
 </file>
 
-<file path=ppt/slides/slide20.xml><?xml version="1.0" encoding="utf-8"?>
+<file path=ppt/slides/slide23.xml><?xml version="1.0" encoding="utf-8"?>
 <p:sld xmlns:a="http://schemas.openxmlformats.org/drawingml/2006/main" xmlns:r="http://schemas.openxmlformats.org/officeDocument/2006/relationships" xmlns:p="http://schemas.openxmlformats.org/presentationml/2006/main">
   <p:cSld>
     <p:spTree>
@@ -10783,7 +12681,7 @@
 </p:sld>
 </file>
 
-<file path=ppt/slides/slide21.xml><?xml version="1.0" encoding="utf-8"?>
+<file path=ppt/slides/slide24.xml><?xml version="1.0" encoding="utf-8"?>
 <p:sld xmlns:a="http://schemas.openxmlformats.org/drawingml/2006/main" xmlns:r="http://schemas.openxmlformats.org/officeDocument/2006/relationships" xmlns:p="http://schemas.openxmlformats.org/presentationml/2006/main">
   <p:cSld>
     <p:spTree>
@@ -10810,14 +12708,27 @@
             <p:ph type="title"/>
           </p:nvPr>
         </p:nvSpPr>
-        <p:spPr/>
+        <p:spPr>
+          <a:xfrm>
+            <a:off x="838200" y="457091"/>
+            <a:ext cx="10515600" cy="721995"/>
+          </a:xfrm>
+        </p:spPr>
         <p:txBody>
           <a:bodyPr/>
           <a:lstStyle/>
           <a:p>
             <a:r>
               <a:rPr lang="en-US" dirty="0"/>
-              <a:t>Tags are Objects</a:t>
+              <a:t>Create a Button in a </a:t>
+            </a:r>
+            <a:r>
+              <a:rPr lang="en-US" dirty="0" err="1"/>
+              <a:t>StackPanel</a:t>
+            </a:r>
+            <a:r>
+              <a:rPr lang="en-US" dirty="0"/>
+              <a:t> in XAML</a:t>
             </a:r>
           </a:p>
         </p:txBody>
@@ -10832,144 +12743,351 @@
             <p:ph idx="1"/>
           </p:nvPr>
         </p:nvSpPr>
-        <p:spPr/>
-        <p:txBody>
-          <a:bodyPr/>
-          <a:lstStyle/>
-          <a:p>
-            <a:pPr>
-              <a:buFont typeface="Wingdings" charset="2"/>
-              <a:buChar char="§"/>
-            </a:pPr>
+        <p:spPr>
+          <a:xfrm>
+            <a:off x="838200" y="1179086"/>
+            <a:ext cx="10515600" cy="1400336"/>
+          </a:xfrm>
+        </p:spPr>
+        <p:txBody>
+          <a:bodyPr>
+            <a:noAutofit/>
+          </a:bodyPr>
+          <a:lstStyle/>
+          <a:p>
+            <a:r>
+              <a:rPr lang="en-US" sz="1800" dirty="0"/>
+              <a:t>&lt;</a:t>
+            </a:r>
+            <a:r>
+              <a:rPr lang="en-US" sz="1800" dirty="0" err="1"/>
+              <a:t>StackPanel</a:t>
+            </a:r>
+            <a:r>
+              <a:rPr lang="en-US" sz="1800" dirty="0"/>
+              <a:t> x:Name="ContentPanel"&gt;</a:t>
+            </a:r>
+          </a:p>
+          <a:p>
+            <a:r>
+              <a:rPr lang="en-US" sz="1800" dirty="0"/>
+              <a:t>   &lt;Button Height="72" Width="160" Content="Click Me" /&gt;</a:t>
+            </a:r>
+          </a:p>
+          <a:p>
+            <a:r>
+              <a:rPr lang="en-US" sz="1800" dirty="0"/>
+              <a:t>&lt;/Grid&gt;</a:t>
+            </a:r>
+          </a:p>
+        </p:txBody>
+      </p:sp>
+      <p:sp>
+        <p:nvSpPr>
+          <p:cNvPr id="4" name="Title 1"/>
+          <p:cNvSpPr txBox="1">
+            <a:spLocks/>
+          </p:cNvSpPr>
+          <p:nvPr/>
+        </p:nvSpPr>
+        <p:spPr>
+          <a:xfrm>
+            <a:off x="838200" y="2820428"/>
+            <a:ext cx="10515600" cy="721995"/>
+          </a:xfrm>
+          <a:prstGeom prst="rect">
+            <a:avLst/>
+          </a:prstGeom>
+        </p:spPr>
+        <p:txBody>
+          <a:bodyPr vert="horz" lIns="91440" tIns="45720" rIns="91440" bIns="45720" rtlCol="0" anchor="ctr">
+            <a:normAutofit/>
+          </a:bodyPr>
+          <a:lstStyle>
+            <a:lvl1pPr algn="l" defTabSz="914400" rtl="0" eaLnBrk="1" latinLnBrk="0" hangingPunct="1">
+              <a:lnSpc>
+                <a:spcPct val="90000"/>
+              </a:lnSpc>
+              <a:spcBef>
+                <a:spcPct val="0"/>
+              </a:spcBef>
+              <a:buNone/>
+              <a:defRPr sz="4400" kern="1200">
+                <a:solidFill>
+                  <a:schemeClr val="bg1"/>
+                </a:solidFill>
+                <a:latin typeface="+mj-lt"/>
+                <a:ea typeface="+mj-ea"/>
+                <a:cs typeface="+mj-cs"/>
+              </a:defRPr>
+            </a:lvl1pPr>
+          </a:lstStyle>
+          <a:p>
             <a:r>
               <a:rPr lang="en-US" dirty="0"/>
-              <a:t>Class attribute of root object is object’s class name</a:t>
-            </a:r>
-          </a:p>
-          <a:p>
-            <a:pPr>
-              <a:buFont typeface="Wingdings" charset="2"/>
-              <a:buChar char="§"/>
-            </a:pPr>
+              <a:t>Create a Button in a </a:t>
+            </a:r>
+            <a:r>
+              <a:rPr lang="en-US" dirty="0" err="1"/>
+              <a:t>StackPanel</a:t>
+            </a:r>
             <a:r>
               <a:rPr lang="en-US" dirty="0"/>
-              <a:t>Accompanying C# file</a:t>
-            </a:r>
-          </a:p>
-          <a:p>
-            <a:pPr lvl="1">
-              <a:buFont typeface="Wingdings" charset="2"/>
-              <a:buChar char="§"/>
-            </a:pPr>
-            <a:r>
-              <a:rPr lang="en-US" dirty="0"/>
-              <a:t>Defined as partial</a:t>
-            </a:r>
-          </a:p>
-          <a:p>
-            <a:pPr lvl="1">
-              <a:buFont typeface="Wingdings" charset="2"/>
-              <a:buChar char="§"/>
-            </a:pPr>
-            <a:r>
-              <a:rPr lang="en-US" dirty="0"/>
-              <a:t>Helps define class</a:t>
-            </a:r>
-          </a:p>
-          <a:p>
-            <a:pPr lvl="1">
-              <a:buFont typeface="Wingdings" charset="2"/>
-              <a:buChar char="§"/>
-            </a:pPr>
-            <a:r>
-              <a:rPr lang="en-US" dirty="0"/>
-              <a:t>Can be referenced in the XAML file (methods, properties, etc.)</a:t>
-            </a:r>
-          </a:p>
-          <a:p>
-            <a:pPr>
-              <a:buFont typeface="Wingdings" charset="2"/>
-              <a:buChar char="§"/>
-            </a:pPr>
-            <a:r>
-              <a:rPr lang="en-US" dirty="0"/>
-              <a:t>Properties of classes used in XAML file accessed in two ways</a:t>
-            </a:r>
-          </a:p>
-          <a:p>
-            <a:pPr lvl="1">
-              <a:buFont typeface="Wingdings" charset="2"/>
-              <a:buChar char="§"/>
-            </a:pPr>
-            <a:r>
-              <a:rPr lang="en-US" dirty="0"/>
-              <a:t>Via attributes: &lt;</a:t>
-            </a:r>
-            <a:r>
-              <a:rPr lang="en-US" dirty="0" err="1"/>
-              <a:t>MyClass</a:t>
-            </a:r>
-            <a:r>
-              <a:rPr lang="en-US" dirty="0"/>
-              <a:t> </a:t>
-            </a:r>
-            <a:r>
-              <a:rPr lang="en-US" dirty="0" err="1"/>
-              <a:t>MyProperty</a:t>
-            </a:r>
-            <a:r>
-              <a:rPr lang="en-US" dirty="0"/>
-              <a:t>="…"&gt;&lt;/</a:t>
-            </a:r>
-            <a:r>
-              <a:rPr lang="en-US" dirty="0" err="1"/>
-              <a:t>MyClass</a:t>
-            </a:r>
-            <a:r>
-              <a:rPr lang="en-US" dirty="0"/>
-              <a:t>&gt;</a:t>
-            </a:r>
-          </a:p>
-          <a:p>
-            <a:pPr lvl="1">
-              <a:buFont typeface="Wingdings" charset="2"/>
-              <a:buChar char="§"/>
-            </a:pPr>
-            <a:r>
-              <a:rPr lang="en-US" dirty="0"/>
-              <a:t>Via child tags: &lt;</a:t>
-            </a:r>
-            <a:r>
-              <a:rPr lang="en-US" dirty="0" err="1"/>
-              <a:t>MyClass</a:t>
-            </a:r>
-            <a:r>
-              <a:rPr lang="en-US" dirty="0"/>
-              <a:t>&gt;&lt;</a:t>
-            </a:r>
-            <a:r>
-              <a:rPr lang="en-US" dirty="0" err="1"/>
-              <a:t>MyClass.MyProperty</a:t>
-            </a:r>
-            <a:r>
-              <a:rPr lang="en-US" dirty="0"/>
-              <a:t>&gt;…&lt;/</a:t>
-            </a:r>
-            <a:r>
-              <a:rPr lang="en-US" dirty="0" err="1"/>
-              <a:t>MyClass.MyProperty</a:t>
-            </a:r>
-            <a:r>
-              <a:rPr lang="en-US" dirty="0"/>
-              <a:t>&gt;&lt;/</a:t>
-            </a:r>
-            <a:r>
-              <a:rPr lang="en-US" dirty="0" err="1"/>
-              <a:t>MyClass</a:t>
-            </a:r>
-            <a:r>
-              <a:rPr lang="en-US" dirty="0"/>
-              <a:t>&gt;</a:t>
+              <a:t> in C#</a:t>
+            </a:r>
+          </a:p>
+        </p:txBody>
+      </p:sp>
+      <p:sp>
+        <p:nvSpPr>
+          <p:cNvPr id="5" name="Content Placeholder 2"/>
+          <p:cNvSpPr txBox="1">
+            <a:spLocks/>
+          </p:cNvSpPr>
+          <p:nvPr/>
+        </p:nvSpPr>
+        <p:spPr>
+          <a:xfrm>
+            <a:off x="838200" y="3542423"/>
+            <a:ext cx="10515600" cy="2517178"/>
+          </a:xfrm>
+          <a:prstGeom prst="rect">
+            <a:avLst/>
+          </a:prstGeom>
+          <a:solidFill>
+            <a:schemeClr val="bg1">
+              <a:lumMod val="95000"/>
+            </a:schemeClr>
+          </a:solidFill>
+        </p:spPr>
+        <p:txBody>
+          <a:bodyPr vert="horz" lIns="91440" tIns="45720" rIns="91440" bIns="45720" rtlCol="0" anchor="ctr">
+            <a:noAutofit/>
+          </a:bodyPr>
+          <a:lstStyle>
+            <a:lvl1pPr marL="0" indent="0" algn="l" defTabSz="914400" rtl="0" eaLnBrk="1" latinLnBrk="0" hangingPunct="1">
+              <a:lnSpc>
+                <a:spcPct val="90000"/>
+              </a:lnSpc>
+              <a:spcBef>
+                <a:spcPts val="1000"/>
+              </a:spcBef>
+              <a:buFont typeface="Arial" panose="020B0604020202020204" pitchFamily="34" charset="0"/>
+              <a:buNone/>
+              <a:defRPr sz="1600" kern="1200">
+                <a:solidFill>
+                  <a:schemeClr val="tx1"/>
+                </a:solidFill>
+                <a:latin typeface="Lucida Console" panose="020B0609040504020204" pitchFamily="49" charset="0"/>
+                <a:ea typeface="+mn-ea"/>
+                <a:cs typeface="+mn-cs"/>
+              </a:defRPr>
+            </a:lvl1pPr>
+            <a:lvl2pPr marL="457200" indent="0" algn="l" defTabSz="914400" rtl="0" eaLnBrk="1" latinLnBrk="0" hangingPunct="1">
+              <a:lnSpc>
+                <a:spcPct val="90000"/>
+              </a:lnSpc>
+              <a:spcBef>
+                <a:spcPts val="500"/>
+              </a:spcBef>
+              <a:buFont typeface="Arial" panose="020B0604020202020204" pitchFamily="34" charset="0"/>
+              <a:buNone/>
+              <a:defRPr sz="1600" kern="1200">
+                <a:solidFill>
+                  <a:schemeClr val="tx1"/>
+                </a:solidFill>
+                <a:latin typeface="Lucida Console" panose="020B0609040504020204" pitchFamily="49" charset="0"/>
+                <a:ea typeface="+mn-ea"/>
+                <a:cs typeface="+mn-cs"/>
+              </a:defRPr>
+            </a:lvl2pPr>
+            <a:lvl3pPr marL="914400" indent="0" algn="l" defTabSz="914400" rtl="0" eaLnBrk="1" latinLnBrk="0" hangingPunct="1">
+              <a:lnSpc>
+                <a:spcPct val="90000"/>
+              </a:lnSpc>
+              <a:spcBef>
+                <a:spcPts val="500"/>
+              </a:spcBef>
+              <a:buFont typeface="Arial" panose="020B0604020202020204" pitchFamily="34" charset="0"/>
+              <a:buNone/>
+              <a:defRPr sz="1600" kern="1200">
+                <a:solidFill>
+                  <a:schemeClr val="tx1"/>
+                </a:solidFill>
+                <a:latin typeface="Lucida Console" panose="020B0609040504020204" pitchFamily="49" charset="0"/>
+                <a:ea typeface="+mn-ea"/>
+                <a:cs typeface="+mn-cs"/>
+              </a:defRPr>
+            </a:lvl3pPr>
+            <a:lvl4pPr marL="1371600" indent="0" algn="l" defTabSz="914400" rtl="0" eaLnBrk="1" latinLnBrk="0" hangingPunct="1">
+              <a:lnSpc>
+                <a:spcPct val="90000"/>
+              </a:lnSpc>
+              <a:spcBef>
+                <a:spcPts val="500"/>
+              </a:spcBef>
+              <a:buFont typeface="Arial" panose="020B0604020202020204" pitchFamily="34" charset="0"/>
+              <a:buNone/>
+              <a:defRPr sz="1600" kern="1200">
+                <a:solidFill>
+                  <a:schemeClr val="tx1"/>
+                </a:solidFill>
+                <a:latin typeface="Lucida Console" panose="020B0609040504020204" pitchFamily="49" charset="0"/>
+                <a:ea typeface="+mn-ea"/>
+                <a:cs typeface="+mn-cs"/>
+              </a:defRPr>
+            </a:lvl4pPr>
+            <a:lvl5pPr marL="1828800" indent="0" algn="l" defTabSz="914400" rtl="0" eaLnBrk="1" latinLnBrk="0" hangingPunct="1">
+              <a:lnSpc>
+                <a:spcPct val="90000"/>
+              </a:lnSpc>
+              <a:spcBef>
+                <a:spcPts val="500"/>
+              </a:spcBef>
+              <a:buFont typeface="Arial" panose="020B0604020202020204" pitchFamily="34" charset="0"/>
+              <a:buNone/>
+              <a:defRPr sz="1600" kern="1200">
+                <a:solidFill>
+                  <a:schemeClr val="tx1"/>
+                </a:solidFill>
+                <a:latin typeface="Lucida Console" panose="020B0609040504020204" pitchFamily="49" charset="0"/>
+                <a:ea typeface="+mn-ea"/>
+                <a:cs typeface="+mn-cs"/>
+              </a:defRPr>
+            </a:lvl5pPr>
+            <a:lvl6pPr marL="2514600" indent="-228600" algn="l" defTabSz="914400" rtl="0" eaLnBrk="1" latinLnBrk="0" hangingPunct="1">
+              <a:lnSpc>
+                <a:spcPct val="90000"/>
+              </a:lnSpc>
+              <a:spcBef>
+                <a:spcPts val="500"/>
+              </a:spcBef>
+              <a:buFont typeface="Arial" panose="020B0604020202020204" pitchFamily="34" charset="0"/>
+              <a:buChar char="•"/>
+              <a:defRPr sz="1800" kern="1200">
+                <a:solidFill>
+                  <a:schemeClr val="tx1"/>
+                </a:solidFill>
+                <a:latin typeface="+mn-lt"/>
+                <a:ea typeface="+mn-ea"/>
+                <a:cs typeface="+mn-cs"/>
+              </a:defRPr>
+            </a:lvl6pPr>
+            <a:lvl7pPr marL="2971800" indent="-228600" algn="l" defTabSz="914400" rtl="0" eaLnBrk="1" latinLnBrk="0" hangingPunct="1">
+              <a:lnSpc>
+                <a:spcPct val="90000"/>
+              </a:lnSpc>
+              <a:spcBef>
+                <a:spcPts val="500"/>
+              </a:spcBef>
+              <a:buFont typeface="Arial" panose="020B0604020202020204" pitchFamily="34" charset="0"/>
+              <a:buChar char="•"/>
+              <a:defRPr sz="1800" kern="1200">
+                <a:solidFill>
+                  <a:schemeClr val="tx1"/>
+                </a:solidFill>
+                <a:latin typeface="+mn-lt"/>
+                <a:ea typeface="+mn-ea"/>
+                <a:cs typeface="+mn-cs"/>
+              </a:defRPr>
+            </a:lvl7pPr>
+            <a:lvl8pPr marL="3429000" indent="-228600" algn="l" defTabSz="914400" rtl="0" eaLnBrk="1" latinLnBrk="0" hangingPunct="1">
+              <a:lnSpc>
+                <a:spcPct val="90000"/>
+              </a:lnSpc>
+              <a:spcBef>
+                <a:spcPts val="500"/>
+              </a:spcBef>
+              <a:buFont typeface="Arial" panose="020B0604020202020204" pitchFamily="34" charset="0"/>
+              <a:buChar char="•"/>
+              <a:defRPr sz="1800" kern="1200">
+                <a:solidFill>
+                  <a:schemeClr val="tx1"/>
+                </a:solidFill>
+                <a:latin typeface="+mn-lt"/>
+                <a:ea typeface="+mn-ea"/>
+                <a:cs typeface="+mn-cs"/>
+              </a:defRPr>
+            </a:lvl8pPr>
+            <a:lvl9pPr marL="3886200" indent="-228600" algn="l" defTabSz="914400" rtl="0" eaLnBrk="1" latinLnBrk="0" hangingPunct="1">
+              <a:lnSpc>
+                <a:spcPct val="90000"/>
+              </a:lnSpc>
+              <a:spcBef>
+                <a:spcPts val="500"/>
+              </a:spcBef>
+              <a:buFont typeface="Arial" panose="020B0604020202020204" pitchFamily="34" charset="0"/>
+              <a:buChar char="•"/>
+              <a:defRPr sz="1800" kern="1200">
+                <a:solidFill>
+                  <a:schemeClr val="tx1"/>
+                </a:solidFill>
+                <a:latin typeface="+mn-lt"/>
+                <a:ea typeface="+mn-ea"/>
+                <a:cs typeface="+mn-cs"/>
+              </a:defRPr>
+            </a:lvl9pPr>
+          </a:lstStyle>
+          <a:p>
+            <a:r>
+              <a:rPr lang="en-US" sz="1800" dirty="0"/>
+              <a:t>Button </a:t>
+            </a:r>
+            <a:r>
+              <a:rPr lang="en-US" sz="1800" dirty="0" err="1"/>
+              <a:t>myButton</a:t>
+            </a:r>
+            <a:r>
+              <a:rPr lang="en-US" sz="1800" dirty="0"/>
+              <a:t> = new Button();</a:t>
+            </a:r>
+          </a:p>
+          <a:p>
+            <a:r>
+              <a:rPr lang="en-US" sz="1800" dirty="0" err="1"/>
+              <a:t>myButton.Width</a:t>
+            </a:r>
+            <a:r>
+              <a:rPr lang="en-US" sz="1800" dirty="0"/>
+              <a:t> = 160;</a:t>
+            </a:r>
+          </a:p>
+          <a:p>
+            <a:r>
+              <a:rPr lang="en-US" sz="1800" dirty="0" err="1"/>
+              <a:t>myButton.Height</a:t>
+            </a:r>
+            <a:r>
+              <a:rPr lang="en-US" sz="1800" dirty="0"/>
+              <a:t> = 72;</a:t>
+            </a:r>
+          </a:p>
+          <a:p>
+            <a:r>
+              <a:rPr lang="en-US" sz="1800" dirty="0" err="1"/>
+              <a:t>myButton.Content</a:t>
+            </a:r>
+            <a:r>
+              <a:rPr lang="en-US" sz="1800" dirty="0"/>
+              <a:t> = "Click Me";</a:t>
+            </a:r>
+          </a:p>
+          <a:p>
+            <a:r>
+              <a:rPr lang="en-US" sz="1800" dirty="0" err="1"/>
+              <a:t>ContentPanel.Children.Add</a:t>
+            </a:r>
+            <a:r>
+              <a:rPr lang="en-US" sz="1800" dirty="0"/>
+              <a:t>(</a:t>
+            </a:r>
+            <a:r>
+              <a:rPr lang="en-US" sz="1800" dirty="0" err="1"/>
+              <a:t>myButton</a:t>
+            </a:r>
+            <a:r>
+              <a:rPr lang="en-US" sz="1800" dirty="0"/>
+              <a:t>);</a:t>
             </a:r>
           </a:p>
         </p:txBody>
@@ -10977,7 +13095,7 @@
     </p:spTree>
     <p:extLst>
       <p:ext uri="{BB962C8B-B14F-4D97-AF65-F5344CB8AC3E}">
-        <p14:creationId xmlns:p14="http://schemas.microsoft.com/office/powerpoint/2010/main" val="3021300283"/>
+        <p14:creationId xmlns:p14="http://schemas.microsoft.com/office/powerpoint/2010/main" val="1703830794"/>
       </p:ext>
     </p:extLst>
   </p:cSld>
@@ -10987,7 +13105,7 @@
 </p:sld>
 </file>
 
-<file path=ppt/slides/slide22.xml><?xml version="1.0" encoding="utf-8"?>
+<file path=ppt/slides/slide25.xml><?xml version="1.0" encoding="utf-8"?>
 <p:sld xmlns:a="http://schemas.openxmlformats.org/drawingml/2006/main" xmlns:r="http://schemas.openxmlformats.org/officeDocument/2006/relationships" xmlns:p="http://schemas.openxmlformats.org/presentationml/2006/main">
   <p:cSld>
     <p:spTree>
@@ -11406,7 +13524,7 @@
                     <a:prstClr val="white"/>
                   </a:solidFill>
                 </a:rPr>
-                <a:t>User interfaces on the Windows Phone platform</a:t>
+                <a:t>User interface basics for the Windows Phone platform</a:t>
               </a:r>
             </a:p>
           </p:txBody>
@@ -11838,7 +13956,7 @@
                     <a:prstClr val="white"/>
                   </a:solidFill>
                 </a:rPr>
-                <a:t>User interfaces on the Windows Phone platform</a:t>
+                <a:t>User interface basics for the Windows Phone platform</a:t>
               </a:r>
             </a:p>
           </p:txBody>
@@ -11949,7 +14067,7 @@
             </a:pPr>
             <a:r>
               <a:rPr lang="en-US" dirty="0"/>
-              <a:t>Doesn’t need to, they are provided by Microsoft in Visual Studio</a:t>
+              <a:t>They are provided by Microsoft in Visual Studio</a:t>
             </a:r>
           </a:p>
           <a:p>
@@ -12013,7 +14131,7 @@
         <p:spPr>
           <a:xfrm>
             <a:off x="0" y="1744122"/>
-            <a:ext cx="12192000" cy="1649333"/>
+            <a:ext cx="12192000" cy="2241024"/>
           </a:xfrm>
           <a:prstGeom prst="rect">
             <a:avLst/>
@@ -12071,7 +14189,7 @@
           <a:p>
             <a:r>
               <a:rPr lang="en-US" dirty="0"/>
-              <a:t>When to Use Xamarin with WP</a:t>
+              <a:t>Why Use Xamarin with Windows Phone?</a:t>
             </a:r>
           </a:p>
         </p:txBody>
@@ -12088,12 +14206,12 @@
         </p:nvSpPr>
         <p:spPr>
           <a:xfrm>
-            <a:off x="838200" y="1995525"/>
-            <a:ext cx="10515600" cy="4181437"/>
+            <a:off x="838200" y="1744122"/>
+            <a:ext cx="10515600" cy="2241024"/>
           </a:xfrm>
         </p:spPr>
         <p:txBody>
-          <a:bodyPr/>
+          <a:bodyPr anchor="ctr"/>
           <a:lstStyle/>
           <a:p>
             <a:pPr>
@@ -12101,7 +14219,7 @@
               <a:buChar char="§"/>
             </a:pPr>
             <a:r>
-              <a:rPr lang="en-US" dirty="0" err="1" smtClean="0">
+              <a:rPr lang="en-US" dirty="0" err="1">
                 <a:solidFill>
                   <a:schemeClr val="bg1"/>
                 </a:solidFill>
@@ -12125,7 +14243,21 @@
                   <a:schemeClr val="bg1"/>
                 </a:solidFill>
               </a:rPr>
-              <a:t>Platform-specific with C# code sharing</a:t>
+              <a:t>Cross-platform application with C# code sharing</a:t>
+            </a:r>
+          </a:p>
+          <a:p>
+            <a:pPr>
+              <a:buFont typeface="Wingdings" charset="2"/>
+              <a:buChar char="§"/>
+            </a:pPr>
+            <a:r>
+              <a:rPr lang="en-US" dirty="0">
+                <a:solidFill>
+                  <a:schemeClr val="bg1"/>
+                </a:solidFill>
+              </a:rPr>
+              <a:t>Similar toolset</a:t>
             </a:r>
           </a:p>
         </p:txBody>
@@ -12168,8 +14300,8 @@
         </p:nvSpPr>
         <p:spPr>
           <a:xfrm>
-            <a:off x="0" y="1744122"/>
-            <a:ext cx="12192000" cy="1649333"/>
+            <a:off x="0" y="1744121"/>
+            <a:ext cx="12192000" cy="2200081"/>
           </a:xfrm>
           <a:prstGeom prst="rect">
             <a:avLst/>
@@ -12242,9 +14374,14 @@
             <p:ph idx="1"/>
           </p:nvPr>
         </p:nvSpPr>
-        <p:spPr/>
-        <p:txBody>
-          <a:bodyPr/>
+        <p:spPr>
+          <a:xfrm>
+            <a:off x="838200" y="1744121"/>
+            <a:ext cx="10515600" cy="2200081"/>
+          </a:xfrm>
+        </p:spPr>
+        <p:txBody>
+          <a:bodyPr anchor="ctr"/>
           <a:lstStyle/>
           <a:p>
             <a:pPr>
@@ -12395,6 +14532,56 @@
       </p:grpSpPr>
       <p:sp>
         <p:nvSpPr>
+          <p:cNvPr id="4" name="Rectangle 3"/>
+          <p:cNvSpPr/>
+          <p:nvPr/>
+        </p:nvSpPr>
+        <p:spPr>
+          <a:xfrm>
+            <a:off x="0" y="1744121"/>
+            <a:ext cx="12192000" cy="2200081"/>
+          </a:xfrm>
+          <a:prstGeom prst="rect">
+            <a:avLst/>
+          </a:prstGeom>
+          <a:solidFill>
+            <a:srgbClr val="2E75B5"/>
+          </a:solidFill>
+          <a:ln>
+            <a:noFill/>
+          </a:ln>
+        </p:spPr>
+        <p:style>
+          <a:lnRef idx="2">
+            <a:schemeClr val="accent1">
+              <a:shade val="50000"/>
+            </a:schemeClr>
+          </a:lnRef>
+          <a:fillRef idx="1">
+            <a:schemeClr val="accent1"/>
+          </a:fillRef>
+          <a:effectRef idx="0">
+            <a:schemeClr val="accent1"/>
+          </a:effectRef>
+          <a:fontRef idx="minor">
+            <a:schemeClr val="lt1"/>
+          </a:fontRef>
+        </p:style>
+        <p:txBody>
+          <a:bodyPr rtlCol="0" anchor="ctr"/>
+          <a:lstStyle/>
+          <a:p>
+            <a:pPr algn="ctr"/>
+            <a:endParaRPr lang="en-US" dirty="0">
+              <a:solidFill>
+                <a:schemeClr val="bg1"/>
+              </a:solidFill>
+            </a:endParaRPr>
+          </a:p>
+        </p:txBody>
+      </p:sp>
+      <p:sp>
+        <p:nvSpPr>
           <p:cNvPr id="2" name="Title 1"/>
           <p:cNvSpPr>
             <a:spLocks noGrp="1"/>
@@ -12410,524 +14597,78 @@
           <a:p>
             <a:r>
               <a:rPr lang="en-US" dirty="0"/>
-              <a:t>Windows Phone App Lifecycle</a:t>
-            </a:r>
-          </a:p>
-        </p:txBody>
-      </p:sp>
-      <p:grpSp>
-        <p:nvGrpSpPr>
-          <p:cNvPr id="3" name="Group 2"/>
-          <p:cNvGrpSpPr/>
-          <p:nvPr/>
-        </p:nvGrpSpPr>
-        <p:grpSpPr>
+              <a:t>Key Windows Phone Concepts</a:t>
+            </a:r>
+          </a:p>
+        </p:txBody>
+      </p:sp>
+      <p:sp>
+        <p:nvSpPr>
+          <p:cNvPr id="3" name="Content Placeholder 2"/>
+          <p:cNvSpPr>
+            <a:spLocks noGrp="1"/>
+          </p:cNvSpPr>
+          <p:nvPr>
+            <p:ph idx="1"/>
+          </p:nvPr>
+        </p:nvSpPr>
+        <p:spPr>
           <a:xfrm>
-            <a:off x="4251023" y="1690688"/>
-            <a:ext cx="3902378" cy="4351338"/>
-            <a:chOff x="4251023" y="1690688"/>
-            <a:chExt cx="3902378" cy="4351338"/>
+            <a:off x="838200" y="1744121"/>
+            <a:ext cx="10515600" cy="2200081"/>
           </a:xfrm>
-        </p:grpSpPr>
-        <p:cxnSp>
-          <p:nvCxnSpPr>
-            <p:cNvPr id="16" name="Elbow Connector 15"/>
-            <p:cNvCxnSpPr/>
-            <p:nvPr/>
-          </p:nvCxnSpPr>
-          <p:spPr>
-            <a:xfrm rot="10800000">
-              <a:off x="4251023" y="2050886"/>
-              <a:ext cx="12700" cy="3630941"/>
-            </a:xfrm>
-            <a:prstGeom prst="bentConnector3">
-              <a:avLst>
-                <a:gd name="adj1" fmla="val 1800000"/>
-              </a:avLst>
-            </a:prstGeom>
-            <a:ln w="57150" cmpd="sng">
-              <a:solidFill>
-                <a:srgbClr val="8D8787"/>
-              </a:solidFill>
-              <a:headEnd type="none" w="med" len="med"/>
-              <a:tailEnd type="triangle"/>
-            </a:ln>
-          </p:spPr>
-          <p:style>
-            <a:lnRef idx="1">
-              <a:schemeClr val="accent1"/>
-            </a:lnRef>
-            <a:fillRef idx="0">
-              <a:schemeClr val="accent1"/>
-            </a:fillRef>
-            <a:effectRef idx="0">
-              <a:schemeClr val="accent1"/>
-            </a:effectRef>
-            <a:fontRef idx="minor">
-              <a:schemeClr val="tx1"/>
-            </a:fontRef>
-          </p:style>
-        </p:cxnSp>
-        <p:sp>
-          <p:nvSpPr>
-            <p:cNvPr id="15" name="Rectangle 14"/>
-            <p:cNvSpPr/>
-            <p:nvPr/>
-          </p:nvSpPr>
-          <p:spPr>
-            <a:xfrm>
-              <a:off x="4270074" y="1690688"/>
-              <a:ext cx="3883326" cy="720397"/>
-            </a:xfrm>
-            <a:prstGeom prst="rect">
-              <a:avLst/>
-            </a:prstGeom>
-            <a:solidFill>
-              <a:srgbClr val="00B0F0"/>
-            </a:solidFill>
-            <a:ln>
-              <a:noFill/>
-            </a:ln>
-          </p:spPr>
-          <p:style>
-            <a:lnRef idx="2">
-              <a:schemeClr val="accent1">
-                <a:shade val="50000"/>
-              </a:schemeClr>
-            </a:lnRef>
-            <a:fillRef idx="1">
-              <a:schemeClr val="accent1"/>
-            </a:fillRef>
-            <a:effectRef idx="0">
-              <a:schemeClr val="accent1"/>
-            </a:effectRef>
-            <a:fontRef idx="minor">
-              <a:schemeClr val="lt1"/>
-            </a:fontRef>
-          </p:style>
-          <p:txBody>
-            <a:bodyPr rtlCol="0" anchor="ctr"/>
-            <a:lstStyle/>
-            <a:p>
-              <a:pPr algn="ctr"/>
-              <a:endParaRPr lang="en-US" dirty="0">
+        </p:spPr>
+        <p:txBody>
+          <a:bodyPr anchor="ctr"/>
+          <a:lstStyle/>
+          <a:p>
+            <a:pPr>
+              <a:buFont typeface="Wingdings" charset="2"/>
+              <a:buChar char="§"/>
+            </a:pPr>
+            <a:r>
+              <a:rPr lang="en-US" dirty="0">
                 <a:solidFill>
                   <a:schemeClr val="bg1"/>
                 </a:solidFill>
-              </a:endParaRPr>
-            </a:p>
-          </p:txBody>
-        </p:sp>
-        <p:sp>
-          <p:nvSpPr>
-            <p:cNvPr id="5" name="TextBox 4"/>
-            <p:cNvSpPr txBox="1"/>
-            <p:nvPr/>
-          </p:nvSpPr>
-          <p:spPr>
-            <a:xfrm>
-              <a:off x="4270076" y="1789276"/>
-              <a:ext cx="3883325" cy="523220"/>
-            </a:xfrm>
-            <a:prstGeom prst="rect">
-              <a:avLst/>
-            </a:prstGeom>
-            <a:noFill/>
-          </p:spPr>
-          <p:txBody>
-            <a:bodyPr wrap="square" rtlCol="0" anchor="ctr">
-              <a:spAutoFit/>
-            </a:bodyPr>
-            <a:lstStyle/>
-            <a:p>
-              <a:pPr algn="ctr"/>
-              <a:r>
-                <a:rPr lang="en-US" sz="2800" dirty="0">
-                  <a:solidFill>
-                    <a:schemeClr val="bg1"/>
-                  </a:solidFill>
-                </a:rPr>
-                <a:t>Launched</a:t>
-              </a:r>
-            </a:p>
-          </p:txBody>
-        </p:sp>
-        <p:sp>
-          <p:nvSpPr>
-            <p:cNvPr id="6" name="Rectangle 5"/>
-            <p:cNvSpPr/>
-            <p:nvPr/>
-          </p:nvSpPr>
-          <p:spPr>
-            <a:xfrm>
-              <a:off x="4270075" y="5321629"/>
-              <a:ext cx="3883326" cy="720397"/>
-            </a:xfrm>
-            <a:prstGeom prst="rect">
-              <a:avLst/>
-            </a:prstGeom>
-            <a:solidFill>
-              <a:srgbClr val="00B0F0"/>
-            </a:solidFill>
-            <a:ln>
-              <a:noFill/>
-            </a:ln>
-          </p:spPr>
-          <p:style>
-            <a:lnRef idx="2">
-              <a:schemeClr val="accent1">
-                <a:shade val="50000"/>
-              </a:schemeClr>
-            </a:lnRef>
-            <a:fillRef idx="1">
-              <a:schemeClr val="accent1"/>
-            </a:fillRef>
-            <a:effectRef idx="0">
-              <a:schemeClr val="accent1"/>
-            </a:effectRef>
-            <a:fontRef idx="minor">
-              <a:schemeClr val="lt1"/>
-            </a:fontRef>
-          </p:style>
-          <p:txBody>
-            <a:bodyPr rtlCol="0" anchor="ctr"/>
-            <a:lstStyle/>
-            <a:p>
-              <a:pPr algn="ctr"/>
-              <a:endParaRPr lang="en-US">
+              </a:rPr>
+              <a:t>Windows Phone app lifecycle</a:t>
+            </a:r>
+          </a:p>
+          <a:p>
+            <a:pPr>
+              <a:buFont typeface="Wingdings" charset="2"/>
+              <a:buChar char="§"/>
+            </a:pPr>
+            <a:r>
+              <a:rPr lang="en-US" dirty="0">
                 <a:solidFill>
                   <a:schemeClr val="bg1"/>
                 </a:solidFill>
-              </a:endParaRPr>
-            </a:p>
-          </p:txBody>
-        </p:sp>
-        <p:sp>
-          <p:nvSpPr>
-            <p:cNvPr id="7" name="TextBox 6"/>
-            <p:cNvSpPr txBox="1"/>
-            <p:nvPr/>
-          </p:nvSpPr>
-          <p:spPr>
-            <a:xfrm>
-              <a:off x="4270076" y="5420217"/>
-              <a:ext cx="3883325" cy="523220"/>
-            </a:xfrm>
-            <a:prstGeom prst="rect">
-              <a:avLst/>
-            </a:prstGeom>
-            <a:noFill/>
-          </p:spPr>
-          <p:txBody>
-            <a:bodyPr wrap="square" rtlCol="0" anchor="ctr">
-              <a:spAutoFit/>
-            </a:bodyPr>
-            <a:lstStyle/>
-            <a:p>
-              <a:pPr algn="ctr"/>
-              <a:r>
-                <a:rPr lang="en-US" sz="2800" dirty="0">
-                  <a:solidFill>
-                    <a:schemeClr val="bg1"/>
-                  </a:solidFill>
-                </a:rPr>
-                <a:t>Terminated</a:t>
-              </a:r>
-            </a:p>
-          </p:txBody>
-        </p:sp>
-        <p:sp>
-          <p:nvSpPr>
-            <p:cNvPr id="8" name="Rectangle 7"/>
-            <p:cNvSpPr/>
-            <p:nvPr/>
-          </p:nvSpPr>
-          <p:spPr>
-            <a:xfrm>
-              <a:off x="4270074" y="2924313"/>
-              <a:ext cx="3883326" cy="720397"/>
-            </a:xfrm>
-            <a:prstGeom prst="rect">
-              <a:avLst/>
-            </a:prstGeom>
-            <a:solidFill>
-              <a:srgbClr val="00B0F0"/>
-            </a:solidFill>
-            <a:ln>
-              <a:noFill/>
-            </a:ln>
-          </p:spPr>
-          <p:style>
-            <a:lnRef idx="2">
-              <a:schemeClr val="accent1">
-                <a:shade val="50000"/>
-              </a:schemeClr>
-            </a:lnRef>
-            <a:fillRef idx="1">
-              <a:schemeClr val="accent1"/>
-            </a:fillRef>
-            <a:effectRef idx="0">
-              <a:schemeClr val="accent1"/>
-            </a:effectRef>
-            <a:fontRef idx="minor">
-              <a:schemeClr val="lt1"/>
-            </a:fontRef>
-          </p:style>
-          <p:txBody>
-            <a:bodyPr rtlCol="0" anchor="ctr"/>
-            <a:lstStyle/>
-            <a:p>
-              <a:pPr algn="ctr"/>
-              <a:endParaRPr lang="en-US">
+              </a:rPr>
+              <a:t>Windows Phone user interfaces</a:t>
+            </a:r>
+          </a:p>
+          <a:p>
+            <a:pPr>
+              <a:buFont typeface="Wingdings" charset="2"/>
+              <a:buChar char="§"/>
+            </a:pPr>
+            <a:r>
+              <a:rPr lang="en-US" dirty="0">
                 <a:solidFill>
                   <a:schemeClr val="bg1"/>
                 </a:solidFill>
-              </a:endParaRPr>
-            </a:p>
-          </p:txBody>
-        </p:sp>
-        <p:sp>
-          <p:nvSpPr>
-            <p:cNvPr id="9" name="TextBox 8"/>
-            <p:cNvSpPr txBox="1"/>
-            <p:nvPr/>
-          </p:nvSpPr>
-          <p:spPr>
-            <a:xfrm>
-              <a:off x="4270075" y="3022901"/>
-              <a:ext cx="3883325" cy="523220"/>
-            </a:xfrm>
-            <a:prstGeom prst="rect">
-              <a:avLst/>
-            </a:prstGeom>
-            <a:noFill/>
-          </p:spPr>
-          <p:txBody>
-            <a:bodyPr wrap="square" rtlCol="0" anchor="ctr">
-              <a:spAutoFit/>
-            </a:bodyPr>
-            <a:lstStyle/>
-            <a:p>
-              <a:pPr algn="ctr"/>
-              <a:r>
-                <a:rPr lang="en-US" sz="2800" dirty="0">
-                  <a:solidFill>
-                    <a:schemeClr val="bg1"/>
-                  </a:solidFill>
-                </a:rPr>
-                <a:t>Running</a:t>
-              </a:r>
-            </a:p>
-          </p:txBody>
-        </p:sp>
-        <p:sp>
-          <p:nvSpPr>
-            <p:cNvPr id="10" name="Rectangle 9"/>
-            <p:cNvSpPr/>
-            <p:nvPr/>
-          </p:nvSpPr>
-          <p:spPr>
-            <a:xfrm>
-              <a:off x="4270074" y="4157938"/>
-              <a:ext cx="3883326" cy="720397"/>
-            </a:xfrm>
-            <a:prstGeom prst="rect">
-              <a:avLst/>
-            </a:prstGeom>
-            <a:solidFill>
-              <a:srgbClr val="00B0F0"/>
-            </a:solidFill>
-            <a:ln>
-              <a:noFill/>
-            </a:ln>
-          </p:spPr>
-          <p:style>
-            <a:lnRef idx="2">
-              <a:schemeClr val="accent1">
-                <a:shade val="50000"/>
-              </a:schemeClr>
-            </a:lnRef>
-            <a:fillRef idx="1">
-              <a:schemeClr val="accent1"/>
-            </a:fillRef>
-            <a:effectRef idx="0">
-              <a:schemeClr val="accent1"/>
-            </a:effectRef>
-            <a:fontRef idx="minor">
-              <a:schemeClr val="lt1"/>
-            </a:fontRef>
-          </p:style>
-          <p:txBody>
-            <a:bodyPr rtlCol="0" anchor="ctr"/>
-            <a:lstStyle/>
-            <a:p>
-              <a:pPr algn="ctr"/>
-              <a:endParaRPr lang="en-US">
-                <a:solidFill>
-                  <a:schemeClr val="bg1"/>
-                </a:solidFill>
-              </a:endParaRPr>
-            </a:p>
-          </p:txBody>
-        </p:sp>
-        <p:sp>
-          <p:nvSpPr>
-            <p:cNvPr id="11" name="TextBox 10"/>
-            <p:cNvSpPr txBox="1"/>
-            <p:nvPr/>
-          </p:nvSpPr>
-          <p:spPr>
-            <a:xfrm>
-              <a:off x="4270075" y="4256526"/>
-              <a:ext cx="3883325" cy="523220"/>
-            </a:xfrm>
-            <a:prstGeom prst="rect">
-              <a:avLst/>
-            </a:prstGeom>
-            <a:noFill/>
-          </p:spPr>
-          <p:txBody>
-            <a:bodyPr wrap="square" rtlCol="0" anchor="ctr">
-              <a:spAutoFit/>
-            </a:bodyPr>
-            <a:lstStyle/>
-            <a:p>
-              <a:pPr algn="ctr"/>
-              <a:r>
-                <a:rPr lang="en-US" sz="2800" dirty="0">
-                  <a:solidFill>
-                    <a:schemeClr val="bg1"/>
-                  </a:solidFill>
-                </a:rPr>
-                <a:t>Suspended</a:t>
-              </a:r>
-            </a:p>
-          </p:txBody>
-        </p:sp>
-        <p:cxnSp>
-          <p:nvCxnSpPr>
-            <p:cNvPr id="13" name="Straight Arrow Connector 12"/>
-            <p:cNvCxnSpPr>
-              <a:endCxn id="10" idx="0"/>
-            </p:cNvCxnSpPr>
-            <p:nvPr/>
-          </p:nvCxnSpPr>
-          <p:spPr>
-            <a:xfrm>
-              <a:off x="6211737" y="3644710"/>
-              <a:ext cx="0" cy="513228"/>
-            </a:xfrm>
-            <a:prstGeom prst="straightConnector1">
-              <a:avLst/>
-            </a:prstGeom>
-            <a:ln w="57150" cmpd="sng">
-              <a:solidFill>
-                <a:srgbClr val="8D8787"/>
-              </a:solidFill>
-              <a:headEnd type="triangle"/>
-              <a:tailEnd type="triangle"/>
-            </a:ln>
-          </p:spPr>
-          <p:style>
-            <a:lnRef idx="1">
-              <a:schemeClr val="accent1"/>
-            </a:lnRef>
-            <a:fillRef idx="0">
-              <a:schemeClr val="accent1"/>
-            </a:fillRef>
-            <a:effectRef idx="0">
-              <a:schemeClr val="accent1"/>
-            </a:effectRef>
-            <a:fontRef idx="minor">
-              <a:schemeClr val="tx1"/>
-            </a:fontRef>
-          </p:style>
-        </p:cxnSp>
-        <p:cxnSp>
-          <p:nvCxnSpPr>
-            <p:cNvPr id="21" name="Straight Arrow Connector 20"/>
-            <p:cNvCxnSpPr>
-              <a:stCxn id="15" idx="2"/>
-              <a:endCxn id="8" idx="0"/>
-            </p:cNvCxnSpPr>
-            <p:nvPr/>
-          </p:nvCxnSpPr>
-          <p:spPr>
-            <a:xfrm>
-              <a:off x="6211737" y="2411085"/>
-              <a:ext cx="0" cy="513228"/>
-            </a:xfrm>
-            <a:prstGeom prst="straightConnector1">
-              <a:avLst/>
-            </a:prstGeom>
-            <a:ln w="57150" cmpd="sng">
-              <a:solidFill>
-                <a:srgbClr val="8D8787"/>
-              </a:solidFill>
-              <a:headEnd type="none" w="med" len="med"/>
-              <a:tailEnd type="triangle"/>
-            </a:ln>
-          </p:spPr>
-          <p:style>
-            <a:lnRef idx="1">
-              <a:schemeClr val="accent1"/>
-            </a:lnRef>
-            <a:fillRef idx="0">
-              <a:schemeClr val="accent1"/>
-            </a:fillRef>
-            <a:effectRef idx="0">
-              <a:schemeClr val="accent1"/>
-            </a:effectRef>
-            <a:fontRef idx="minor">
-              <a:schemeClr val="tx1"/>
-            </a:fontRef>
-          </p:style>
-        </p:cxnSp>
-        <p:cxnSp>
-          <p:nvCxnSpPr>
-            <p:cNvPr id="23" name="Straight Arrow Connector 22"/>
-            <p:cNvCxnSpPr>
-              <a:stCxn id="10" idx="2"/>
-              <a:endCxn id="6" idx="0"/>
-            </p:cNvCxnSpPr>
-            <p:nvPr/>
-          </p:nvCxnSpPr>
-          <p:spPr>
-            <a:xfrm>
-              <a:off x="6211737" y="4878335"/>
-              <a:ext cx="1" cy="443294"/>
-            </a:xfrm>
-            <a:prstGeom prst="straightConnector1">
-              <a:avLst/>
-            </a:prstGeom>
-            <a:ln w="57150" cmpd="sng">
-              <a:solidFill>
-                <a:srgbClr val="8D8787"/>
-              </a:solidFill>
-              <a:headEnd type="none" w="med" len="med"/>
-              <a:tailEnd type="triangle"/>
-            </a:ln>
-          </p:spPr>
-          <p:style>
-            <a:lnRef idx="1">
-              <a:schemeClr val="accent1"/>
-            </a:lnRef>
-            <a:fillRef idx="0">
-              <a:schemeClr val="accent1"/>
-            </a:fillRef>
-            <a:effectRef idx="0">
-              <a:schemeClr val="accent1"/>
-            </a:effectRef>
-            <a:fontRef idx="minor">
-              <a:schemeClr val="tx1"/>
-            </a:fontRef>
-          </p:style>
-        </p:cxnSp>
-      </p:grpSp>
+              </a:rPr>
+              <a:t>XAML</a:t>
+            </a:r>
+          </a:p>
+        </p:txBody>
+      </p:sp>
     </p:spTree>
     <p:extLst>
       <p:ext uri="{BB962C8B-B14F-4D97-AF65-F5344CB8AC3E}">
-        <p14:creationId xmlns:p14="http://schemas.microsoft.com/office/powerpoint/2010/main" val="393398868"/>
+        <p14:creationId xmlns:p14="http://schemas.microsoft.com/office/powerpoint/2010/main" val="1069076058"/>
       </p:ext>
     </p:extLst>
   </p:cSld>
@@ -12956,7 +14697,7 @@
       </p:grpSpPr>
       <p:sp>
         <p:nvSpPr>
-          <p:cNvPr id="2" name="Title 1"/>
+          <p:cNvPr id="4" name="Title 3"/>
           <p:cNvSpPr>
             <a:spLocks noGrp="1"/>
           </p:cNvSpPr>
@@ -12966,610 +14707,41 @@
         </p:nvSpPr>
         <p:spPr/>
         <p:txBody>
+          <a:bodyPr>
+            <a:normAutofit/>
+          </a:bodyPr>
+          <a:lstStyle/>
+          <a:p>
+            <a:r>
+              <a:rPr lang="en-US" sz="5400" dirty="0"/>
+              <a:t>Windows Phone Application Lifecycle</a:t>
+            </a:r>
+          </a:p>
+        </p:txBody>
+      </p:sp>
+      <p:sp>
+        <p:nvSpPr>
+          <p:cNvPr id="5" name="Text Placeholder 4"/>
+          <p:cNvSpPr>
+            <a:spLocks noGrp="1"/>
+          </p:cNvSpPr>
+          <p:nvPr>
+            <p:ph type="body" idx="1"/>
+          </p:nvPr>
+        </p:nvSpPr>
+        <p:spPr/>
+        <p:txBody>
           <a:bodyPr/>
           <a:lstStyle/>
           <a:p>
-            <a:r>
-              <a:rPr lang="en-US" dirty="0"/>
-              <a:t>Launched</a:t>
-            </a:r>
-          </a:p>
-        </p:txBody>
-      </p:sp>
-      <p:sp>
-        <p:nvSpPr>
-          <p:cNvPr id="3" name="Content Placeholder 2"/>
-          <p:cNvSpPr>
-            <a:spLocks noGrp="1"/>
-          </p:cNvSpPr>
-          <p:nvPr>
-            <p:ph idx="1"/>
-          </p:nvPr>
-        </p:nvSpPr>
-        <p:spPr>
-          <a:xfrm>
-            <a:off x="838200" y="1825625"/>
-            <a:ext cx="6353908" cy="4351338"/>
-          </a:xfrm>
-        </p:spPr>
-        <p:txBody>
-          <a:bodyPr/>
-          <a:lstStyle/>
-          <a:p>
-            <a:pPr>
-              <a:buFont typeface="Wingdings" charset="2"/>
-              <a:buChar char="§"/>
-            </a:pPr>
-            <a:r>
-              <a:rPr lang="en-US" dirty="0"/>
-              <a:t>When application is started</a:t>
-            </a:r>
-          </a:p>
-          <a:p>
-            <a:pPr>
-              <a:buFont typeface="Wingdings" charset="2"/>
-              <a:buChar char="§"/>
-            </a:pPr>
-            <a:r>
-              <a:rPr lang="en-US" dirty="0"/>
-              <a:t>Not running or in the background</a:t>
-            </a:r>
-          </a:p>
-          <a:p>
-            <a:pPr>
-              <a:buFont typeface="Wingdings" charset="2"/>
-              <a:buChar char="§"/>
-            </a:pPr>
-            <a:r>
-              <a:rPr lang="en-US" dirty="0"/>
-              <a:t>Activates the application</a:t>
-            </a:r>
-          </a:p>
-          <a:p>
-            <a:pPr>
-              <a:buFont typeface="Wingdings" charset="2"/>
-              <a:buChar char="§"/>
-            </a:pPr>
-            <a:r>
-              <a:rPr lang="en-US" dirty="0"/>
-              <a:t>Run any startup code</a:t>
-            </a:r>
-          </a:p>
-          <a:p>
-            <a:pPr lvl="1">
-              <a:buFont typeface="Wingdings" charset="2"/>
-              <a:buChar char="§"/>
-            </a:pPr>
-            <a:r>
-              <a:rPr lang="en-US" dirty="0"/>
-              <a:t>Loading a start page</a:t>
-            </a:r>
-          </a:p>
-          <a:p>
-            <a:pPr lvl="1">
-              <a:buFont typeface="Wingdings" charset="2"/>
-              <a:buChar char="§"/>
-            </a:pPr>
-            <a:r>
-              <a:rPr lang="en-US" dirty="0"/>
-              <a:t>Get initial data</a:t>
-            </a:r>
-          </a:p>
-        </p:txBody>
-      </p:sp>
-      <p:grpSp>
-        <p:nvGrpSpPr>
-          <p:cNvPr id="17" name="Group 16"/>
-          <p:cNvGrpSpPr/>
-          <p:nvPr/>
-        </p:nvGrpSpPr>
-        <p:grpSpPr>
-          <a:xfrm>
-            <a:off x="7530022" y="1690688"/>
-            <a:ext cx="3902378" cy="4351338"/>
-            <a:chOff x="4251023" y="1690688"/>
-            <a:chExt cx="3902378" cy="4351338"/>
-          </a:xfrm>
-        </p:grpSpPr>
-        <p:cxnSp>
-          <p:nvCxnSpPr>
-            <p:cNvPr id="18" name="Elbow Connector 17"/>
-            <p:cNvCxnSpPr/>
-            <p:nvPr/>
-          </p:nvCxnSpPr>
-          <p:spPr>
-            <a:xfrm rot="10800000">
-              <a:off x="4251023" y="2050886"/>
-              <a:ext cx="12700" cy="3630941"/>
-            </a:xfrm>
-            <a:prstGeom prst="bentConnector3">
-              <a:avLst>
-                <a:gd name="adj1" fmla="val 1800000"/>
-              </a:avLst>
-            </a:prstGeom>
-            <a:ln w="57150" cmpd="sng">
-              <a:solidFill>
-                <a:srgbClr val="8D8787"/>
-              </a:solidFill>
-              <a:headEnd type="none" w="med" len="med"/>
-              <a:tailEnd type="triangle"/>
-            </a:ln>
-          </p:spPr>
-          <p:style>
-            <a:lnRef idx="1">
-              <a:schemeClr val="accent1"/>
-            </a:lnRef>
-            <a:fillRef idx="0">
-              <a:schemeClr val="accent1"/>
-            </a:fillRef>
-            <a:effectRef idx="0">
-              <a:schemeClr val="accent1"/>
-            </a:effectRef>
-            <a:fontRef idx="minor">
-              <a:schemeClr val="tx1"/>
-            </a:fontRef>
-          </p:style>
-        </p:cxnSp>
-        <p:sp>
-          <p:nvSpPr>
-            <p:cNvPr id="19" name="Rectangle 18"/>
-            <p:cNvSpPr/>
-            <p:nvPr/>
-          </p:nvSpPr>
-          <p:spPr>
-            <a:xfrm>
-              <a:off x="4270074" y="1690688"/>
-              <a:ext cx="3883326" cy="720397"/>
-            </a:xfrm>
-            <a:prstGeom prst="rect">
-              <a:avLst/>
-            </a:prstGeom>
-            <a:solidFill>
-              <a:srgbClr val="2E75B5"/>
-            </a:solidFill>
-            <a:ln>
-              <a:noFill/>
-            </a:ln>
-          </p:spPr>
-          <p:style>
-            <a:lnRef idx="2">
-              <a:schemeClr val="accent1">
-                <a:shade val="50000"/>
-              </a:schemeClr>
-            </a:lnRef>
-            <a:fillRef idx="1">
-              <a:schemeClr val="accent1"/>
-            </a:fillRef>
-            <a:effectRef idx="0">
-              <a:schemeClr val="accent1"/>
-            </a:effectRef>
-            <a:fontRef idx="minor">
-              <a:schemeClr val="lt1"/>
-            </a:fontRef>
-          </p:style>
-          <p:txBody>
-            <a:bodyPr rtlCol="0" anchor="ctr"/>
-            <a:lstStyle/>
-            <a:p>
-              <a:pPr algn="ctr"/>
-              <a:endParaRPr lang="en-US" dirty="0">
-                <a:solidFill>
-                  <a:schemeClr val="bg1"/>
-                </a:solidFill>
-              </a:endParaRPr>
-            </a:p>
-          </p:txBody>
-        </p:sp>
-        <p:sp>
-          <p:nvSpPr>
-            <p:cNvPr id="20" name="TextBox 19"/>
-            <p:cNvSpPr txBox="1"/>
-            <p:nvPr/>
-          </p:nvSpPr>
-          <p:spPr>
-            <a:xfrm>
-              <a:off x="4270076" y="1789276"/>
-              <a:ext cx="3883325" cy="523220"/>
-            </a:xfrm>
-            <a:prstGeom prst="rect">
-              <a:avLst/>
-            </a:prstGeom>
-            <a:noFill/>
-          </p:spPr>
-          <p:txBody>
-            <a:bodyPr wrap="square" rtlCol="0" anchor="ctr">
-              <a:spAutoFit/>
-            </a:bodyPr>
-            <a:lstStyle/>
-            <a:p>
-              <a:pPr algn="ctr"/>
-              <a:r>
-                <a:rPr lang="en-US" sz="2800" dirty="0">
-                  <a:solidFill>
-                    <a:schemeClr val="bg1"/>
-                  </a:solidFill>
-                </a:rPr>
-                <a:t>Launched</a:t>
-              </a:r>
-            </a:p>
-          </p:txBody>
-        </p:sp>
-        <p:sp>
-          <p:nvSpPr>
-            <p:cNvPr id="21" name="Rectangle 20"/>
-            <p:cNvSpPr/>
-            <p:nvPr/>
-          </p:nvSpPr>
-          <p:spPr>
-            <a:xfrm>
-              <a:off x="4270075" y="5321629"/>
-              <a:ext cx="3883326" cy="720397"/>
-            </a:xfrm>
-            <a:prstGeom prst="rect">
-              <a:avLst/>
-            </a:prstGeom>
-            <a:solidFill>
-              <a:srgbClr val="00B0F0"/>
-            </a:solidFill>
-            <a:ln>
-              <a:noFill/>
-            </a:ln>
-          </p:spPr>
-          <p:style>
-            <a:lnRef idx="2">
-              <a:schemeClr val="accent1">
-                <a:shade val="50000"/>
-              </a:schemeClr>
-            </a:lnRef>
-            <a:fillRef idx="1">
-              <a:schemeClr val="accent1"/>
-            </a:fillRef>
-            <a:effectRef idx="0">
-              <a:schemeClr val="accent1"/>
-            </a:effectRef>
-            <a:fontRef idx="minor">
-              <a:schemeClr val="lt1"/>
-            </a:fontRef>
-          </p:style>
-          <p:txBody>
-            <a:bodyPr rtlCol="0" anchor="ctr"/>
-            <a:lstStyle/>
-            <a:p>
-              <a:pPr algn="ctr"/>
-              <a:endParaRPr lang="en-US">
-                <a:solidFill>
-                  <a:schemeClr val="bg1"/>
-                </a:solidFill>
-              </a:endParaRPr>
-            </a:p>
-          </p:txBody>
-        </p:sp>
-        <p:sp>
-          <p:nvSpPr>
-            <p:cNvPr id="22" name="TextBox 21"/>
-            <p:cNvSpPr txBox="1"/>
-            <p:nvPr/>
-          </p:nvSpPr>
-          <p:spPr>
-            <a:xfrm>
-              <a:off x="4270076" y="5420217"/>
-              <a:ext cx="3883325" cy="523220"/>
-            </a:xfrm>
-            <a:prstGeom prst="rect">
-              <a:avLst/>
-            </a:prstGeom>
-            <a:noFill/>
-          </p:spPr>
-          <p:txBody>
-            <a:bodyPr wrap="square" rtlCol="0" anchor="ctr">
-              <a:spAutoFit/>
-            </a:bodyPr>
-            <a:lstStyle/>
-            <a:p>
-              <a:pPr algn="ctr"/>
-              <a:r>
-                <a:rPr lang="en-US" sz="2800" dirty="0">
-                  <a:solidFill>
-                    <a:schemeClr val="bg1"/>
-                  </a:solidFill>
-                </a:rPr>
-                <a:t>Terminated</a:t>
-              </a:r>
-            </a:p>
-          </p:txBody>
-        </p:sp>
-        <p:sp>
-          <p:nvSpPr>
-            <p:cNvPr id="23" name="Rectangle 22"/>
-            <p:cNvSpPr/>
-            <p:nvPr/>
-          </p:nvSpPr>
-          <p:spPr>
-            <a:xfrm>
-              <a:off x="4270074" y="2924313"/>
-              <a:ext cx="3883326" cy="720397"/>
-            </a:xfrm>
-            <a:prstGeom prst="rect">
-              <a:avLst/>
-            </a:prstGeom>
-            <a:solidFill>
-              <a:srgbClr val="00B0F0"/>
-            </a:solidFill>
-            <a:ln>
-              <a:noFill/>
-            </a:ln>
-          </p:spPr>
-          <p:style>
-            <a:lnRef idx="2">
-              <a:schemeClr val="accent1">
-                <a:shade val="50000"/>
-              </a:schemeClr>
-            </a:lnRef>
-            <a:fillRef idx="1">
-              <a:schemeClr val="accent1"/>
-            </a:fillRef>
-            <a:effectRef idx="0">
-              <a:schemeClr val="accent1"/>
-            </a:effectRef>
-            <a:fontRef idx="minor">
-              <a:schemeClr val="lt1"/>
-            </a:fontRef>
-          </p:style>
-          <p:txBody>
-            <a:bodyPr rtlCol="0" anchor="ctr"/>
-            <a:lstStyle/>
-            <a:p>
-              <a:pPr algn="ctr"/>
-              <a:endParaRPr lang="en-US">
-                <a:solidFill>
-                  <a:schemeClr val="bg1"/>
-                </a:solidFill>
-              </a:endParaRPr>
-            </a:p>
-          </p:txBody>
-        </p:sp>
-        <p:sp>
-          <p:nvSpPr>
-            <p:cNvPr id="24" name="TextBox 23"/>
-            <p:cNvSpPr txBox="1"/>
-            <p:nvPr/>
-          </p:nvSpPr>
-          <p:spPr>
-            <a:xfrm>
-              <a:off x="4270075" y="3022901"/>
-              <a:ext cx="3883325" cy="523220"/>
-            </a:xfrm>
-            <a:prstGeom prst="rect">
-              <a:avLst/>
-            </a:prstGeom>
-            <a:noFill/>
-          </p:spPr>
-          <p:txBody>
-            <a:bodyPr wrap="square" rtlCol="0" anchor="ctr">
-              <a:spAutoFit/>
-            </a:bodyPr>
-            <a:lstStyle/>
-            <a:p>
-              <a:pPr algn="ctr"/>
-              <a:r>
-                <a:rPr lang="en-US" sz="2800" dirty="0">
-                  <a:solidFill>
-                    <a:schemeClr val="bg1"/>
-                  </a:solidFill>
-                </a:rPr>
-                <a:t>Running</a:t>
-              </a:r>
-            </a:p>
-          </p:txBody>
-        </p:sp>
-        <p:sp>
-          <p:nvSpPr>
-            <p:cNvPr id="25" name="Rectangle 24"/>
-            <p:cNvSpPr/>
-            <p:nvPr/>
-          </p:nvSpPr>
-          <p:spPr>
-            <a:xfrm>
-              <a:off x="4270074" y="4157938"/>
-              <a:ext cx="3883326" cy="720397"/>
-            </a:xfrm>
-            <a:prstGeom prst="rect">
-              <a:avLst/>
-            </a:prstGeom>
-            <a:solidFill>
-              <a:srgbClr val="00B0F0"/>
-            </a:solidFill>
-            <a:ln>
-              <a:noFill/>
-            </a:ln>
-          </p:spPr>
-          <p:style>
-            <a:lnRef idx="2">
-              <a:schemeClr val="accent1">
-                <a:shade val="50000"/>
-              </a:schemeClr>
-            </a:lnRef>
-            <a:fillRef idx="1">
-              <a:schemeClr val="accent1"/>
-            </a:fillRef>
-            <a:effectRef idx="0">
-              <a:schemeClr val="accent1"/>
-            </a:effectRef>
-            <a:fontRef idx="minor">
-              <a:schemeClr val="lt1"/>
-            </a:fontRef>
-          </p:style>
-          <p:txBody>
-            <a:bodyPr rtlCol="0" anchor="ctr"/>
-            <a:lstStyle/>
-            <a:p>
-              <a:pPr algn="ctr"/>
-              <a:endParaRPr lang="en-US">
-                <a:solidFill>
-                  <a:schemeClr val="bg1"/>
-                </a:solidFill>
-              </a:endParaRPr>
-            </a:p>
-          </p:txBody>
-        </p:sp>
-        <p:sp>
-          <p:nvSpPr>
-            <p:cNvPr id="26" name="TextBox 25"/>
-            <p:cNvSpPr txBox="1"/>
-            <p:nvPr/>
-          </p:nvSpPr>
-          <p:spPr>
-            <a:xfrm>
-              <a:off x="4270075" y="4256526"/>
-              <a:ext cx="3883325" cy="523220"/>
-            </a:xfrm>
-            <a:prstGeom prst="rect">
-              <a:avLst/>
-            </a:prstGeom>
-            <a:noFill/>
-          </p:spPr>
-          <p:txBody>
-            <a:bodyPr wrap="square" rtlCol="0" anchor="ctr">
-              <a:spAutoFit/>
-            </a:bodyPr>
-            <a:lstStyle/>
-            <a:p>
-              <a:pPr algn="ctr"/>
-              <a:r>
-                <a:rPr lang="en-US" sz="2800" dirty="0">
-                  <a:solidFill>
-                    <a:schemeClr val="bg1"/>
-                  </a:solidFill>
-                </a:rPr>
-                <a:t>Suspended</a:t>
-              </a:r>
-            </a:p>
-          </p:txBody>
-        </p:sp>
-        <p:cxnSp>
-          <p:nvCxnSpPr>
-            <p:cNvPr id="27" name="Straight Arrow Connector 26"/>
-            <p:cNvCxnSpPr>
-              <a:endCxn id="25" idx="0"/>
-            </p:cNvCxnSpPr>
-            <p:nvPr/>
-          </p:nvCxnSpPr>
-          <p:spPr>
-            <a:xfrm>
-              <a:off x="6211737" y="3644710"/>
-              <a:ext cx="0" cy="513228"/>
-            </a:xfrm>
-            <a:prstGeom prst="straightConnector1">
-              <a:avLst/>
-            </a:prstGeom>
-            <a:ln w="57150" cmpd="sng">
-              <a:solidFill>
-                <a:srgbClr val="8D8787"/>
-              </a:solidFill>
-              <a:headEnd type="triangle"/>
-              <a:tailEnd type="triangle"/>
-            </a:ln>
-          </p:spPr>
-          <p:style>
-            <a:lnRef idx="1">
-              <a:schemeClr val="accent1"/>
-            </a:lnRef>
-            <a:fillRef idx="0">
-              <a:schemeClr val="accent1"/>
-            </a:fillRef>
-            <a:effectRef idx="0">
-              <a:schemeClr val="accent1"/>
-            </a:effectRef>
-            <a:fontRef idx="minor">
-              <a:schemeClr val="tx1"/>
-            </a:fontRef>
-          </p:style>
-        </p:cxnSp>
-        <p:cxnSp>
-          <p:nvCxnSpPr>
-            <p:cNvPr id="28" name="Straight Arrow Connector 27"/>
-            <p:cNvCxnSpPr>
-              <a:stCxn id="19" idx="2"/>
-              <a:endCxn id="23" idx="0"/>
-            </p:cNvCxnSpPr>
-            <p:nvPr/>
-          </p:nvCxnSpPr>
-          <p:spPr>
-            <a:xfrm>
-              <a:off x="6211737" y="2411085"/>
-              <a:ext cx="0" cy="513228"/>
-            </a:xfrm>
-            <a:prstGeom prst="straightConnector1">
-              <a:avLst/>
-            </a:prstGeom>
-            <a:ln w="57150" cmpd="sng">
-              <a:solidFill>
-                <a:srgbClr val="8D8787"/>
-              </a:solidFill>
-              <a:headEnd type="none" w="med" len="med"/>
-              <a:tailEnd type="triangle"/>
-            </a:ln>
-          </p:spPr>
-          <p:style>
-            <a:lnRef idx="1">
-              <a:schemeClr val="accent1"/>
-            </a:lnRef>
-            <a:fillRef idx="0">
-              <a:schemeClr val="accent1"/>
-            </a:fillRef>
-            <a:effectRef idx="0">
-              <a:schemeClr val="accent1"/>
-            </a:effectRef>
-            <a:fontRef idx="minor">
-              <a:schemeClr val="tx1"/>
-            </a:fontRef>
-          </p:style>
-        </p:cxnSp>
-        <p:cxnSp>
-          <p:nvCxnSpPr>
-            <p:cNvPr id="29" name="Straight Arrow Connector 28"/>
-            <p:cNvCxnSpPr>
-              <a:stCxn id="25" idx="2"/>
-              <a:endCxn id="21" idx="0"/>
-            </p:cNvCxnSpPr>
-            <p:nvPr/>
-          </p:nvCxnSpPr>
-          <p:spPr>
-            <a:xfrm>
-              <a:off x="6211737" y="4878335"/>
-              <a:ext cx="1" cy="443294"/>
-            </a:xfrm>
-            <a:prstGeom prst="straightConnector1">
-              <a:avLst/>
-            </a:prstGeom>
-            <a:ln w="57150" cmpd="sng">
-              <a:solidFill>
-                <a:srgbClr val="8D8787"/>
-              </a:solidFill>
-              <a:headEnd type="none" w="med" len="med"/>
-              <a:tailEnd type="triangle"/>
-            </a:ln>
-          </p:spPr>
-          <p:style>
-            <a:lnRef idx="1">
-              <a:schemeClr val="accent1"/>
-            </a:lnRef>
-            <a:fillRef idx="0">
-              <a:schemeClr val="accent1"/>
-            </a:fillRef>
-            <a:effectRef idx="0">
-              <a:schemeClr val="accent1"/>
-            </a:effectRef>
-            <a:fontRef idx="minor">
-              <a:schemeClr val="tx1"/>
-            </a:fontRef>
-          </p:style>
-        </p:cxnSp>
-      </p:grpSp>
+            <a:endParaRPr lang="en-US"/>
+          </a:p>
+        </p:txBody>
+      </p:sp>
     </p:spTree>
     <p:extLst>
       <p:ext uri="{BB962C8B-B14F-4D97-AF65-F5344CB8AC3E}">
-        <p14:creationId xmlns:p14="http://schemas.microsoft.com/office/powerpoint/2010/main" val="3896625567"/>
+        <p14:creationId xmlns:p14="http://schemas.microsoft.com/office/powerpoint/2010/main" val="3164543219"/>
       </p:ext>
     </p:extLst>
   </p:cSld>
